--- a/slides/00.Introduction/00-Intro.pptx
+++ b/slides/00.Introduction/00-Intro.pptx
@@ -27,9 +27,6 @@
     <p:sldId id="275" r:id="rId21"/>
     <p:sldId id="276" r:id="rId22"/>
     <p:sldId id="277" r:id="rId23"/>
-    <p:sldId id="278" r:id="rId24"/>
-    <p:sldId id="279" r:id="rId25"/>
-    <p:sldId id="280" r:id="rId26"/>
   </p:sldIdLst>
   <p:sldSz cx="12192000" cy="6858000"/>
   <p:notesSz cx="6858000" cy="9144000"/>
@@ -190,7 +187,7 @@
             <a:fld id="{ECD19FB2-3AAB-4D03-B13A-2960828C78E3}" type="datetimeFigureOut">
               <a:rPr lang="en-US" smtClean="0"/>
               <a:pPr/>
-              <a:t>3/8/2021</a:t>
+              <a:t>3/10/2021</a:t>
             </a:fld>
             <a:endParaRPr lang="en-US" dirty="0"/>
           </a:p>
@@ -884,7 +881,7 @@
             <a:fld id="{99916976-5D93-46E4-A98A-FAD63E4D0EA8}" type="datetimeFigureOut">
               <a:rPr lang="en-US" smtClean="0"/>
               <a:pPr/>
-              <a:t>3/8/2021</a:t>
+              <a:t>3/10/2021</a:t>
             </a:fld>
             <a:endParaRPr lang="en-US" dirty="0"/>
           </a:p>
@@ -990,8 +987,8 @@
         </p:nvSpPr>
         <p:spPr>
           <a:xfrm>
-            <a:off x="838199" y="1825625"/>
-            <a:ext cx="10871199" cy="4351338"/>
+            <a:off x="838199" y="1492370"/>
+            <a:ext cx="10871199" cy="4684593"/>
           </a:xfrm>
         </p:spPr>
         <p:txBody>
@@ -1835,7 +1832,7 @@
           <a:p>
             <a:fld id="{D23BC6CE-6D1E-47E5-8859-F31AC5380EB2}" type="datetimeFigureOut">
               <a:rPr lang="en-US" dirty="0"/>
-              <a:t>3/8/2021</a:t>
+              <a:t>3/10/2021</a:t>
             </a:fld>
             <a:endParaRPr lang="en-US" dirty="0"/>
           </a:p>
@@ -3379,7 +3376,7 @@
           <a:p>
             <a:fld id="{51CF1133-3259-4C45-BABA-5B62D9C6F78D}" type="datetimeFigureOut">
               <a:rPr lang="en-US" dirty="0"/>
-              <a:t>3/8/2021</a:t>
+              <a:t>3/10/2021</a:t>
             </a:fld>
             <a:endParaRPr lang="en-US" dirty="0"/>
           </a:p>
@@ -3909,18 +3906,24 @@
       </p:grpSpPr>
       <p:sp>
         <p:nvSpPr>
-          <p:cNvPr id="7" name="Title 1"/>
-          <p:cNvSpPr>
-            <a:spLocks noGrp="1"/>
-          </p:cNvSpPr>
-          <p:nvPr>
-            <p:ph type="ctrTitle"/>
+          <p:cNvPr id="11" name="Title 1">
+            <a:extLst>
+              <a:ext uri="{FF2B5EF4-FFF2-40B4-BE49-F238E27FC236}">
+                <a16:creationId xmlns:a16="http://schemas.microsoft.com/office/drawing/2014/main" id="{2391D614-6EEB-4C42-A746-C9FB67E11481}"/>
+              </a:ext>
+            </a:extLst>
+          </p:cNvPr>
+          <p:cNvSpPr>
+            <a:spLocks noGrp="1"/>
+          </p:cNvSpPr>
+          <p:nvPr>
+            <p:ph type="title"/>
           </p:nvPr>
         </p:nvSpPr>
         <p:spPr>
           <a:xfrm>
-            <a:off x="1783577" y="4036880"/>
-            <a:ext cx="8463639" cy="862715"/>
+            <a:off x="838199" y="362260"/>
+            <a:ext cx="6304722" cy="637553"/>
           </a:xfrm>
         </p:spPr>
         <p:txBody>
@@ -3932,7 +3935,91 @@
             </a:pPr>
             <a:r>
               <a:rPr/>
-              <a:t>这门课适合谁?</a:t>
+              <a:t>R</a:t>
+            </a:r>
+            <a:r>
+              <a:rPr/>
+              <a:t> </a:t>
+            </a:r>
+            <a:r>
+              <a:rPr/>
+              <a:t>Markdown</a:t>
+            </a:r>
+            <a:r>
+              <a:rPr/>
+              <a:t> </a:t>
+            </a:r>
+            <a:r>
+              <a:rPr/>
+              <a:t>workflow</a:t>
+            </a:r>
+          </a:p>
+        </p:txBody>
+      </p:sp>
+      <p:pic>
+        <p:nvPicPr>
+          <p:cNvPr descr="workflow.png" id="0" name="Picture 1"/>
+          <p:cNvPicPr>
+            <a:picLocks noGrp="1" noChangeAspect="1"/>
+          </p:cNvPicPr>
+          <p:nvPr/>
+        </p:nvPicPr>
+        <p:blipFill>
+          <a:blip r:embed="rId2"/>
+          <a:stretch>
+            <a:fillRect/>
+          </a:stretch>
+        </p:blipFill>
+        <p:spPr bwMode="auto">
+          <a:xfrm>
+            <a:off x="1155700" y="1485900"/>
+            <a:ext cx="10210800" cy="4165600"/>
+          </a:xfrm>
+          <a:prstGeom prst="rect">
+            <a:avLst/>
+          </a:prstGeom>
+          <a:noFill/>
+          <a:ln w="9525">
+            <a:noFill/>
+            <a:headEnd/>
+            <a:tailEnd/>
+          </a:ln>
+        </p:spPr>
+      </p:pic>
+      <p:sp>
+        <p:nvSpPr>
+          <p:cNvPr id="1" name="TextBox 3"/>
+          <p:cNvSpPr txBox="1"/>
+          <p:nvPr/>
+        </p:nvSpPr>
+        <p:spPr>
+          <a:xfrm>
+            <a:off x="825500" y="5651500"/>
+            <a:ext cx="10858500" cy="508000"/>
+          </a:xfrm>
+          <a:prstGeom prst="rect">
+            <a:avLst/>
+          </a:prstGeom>
+          <a:noFill/>
+        </p:spPr>
+        <p:txBody>
+          <a:bodyPr/>
+          <a:lstStyle/>
+          <a:p>
+            <a:pPr lvl="0" marL="0" indent="0" algn="ctr">
+              <a:buNone/>
+            </a:pPr>
+            <a:r>
+              <a:rPr/>
+              <a:t>支持开源和学术透明、推动R</a:t>
+            </a:r>
+            <a:r>
+              <a:rPr/>
+              <a:t> </a:t>
+            </a:r>
+            <a:r>
+              <a:rPr/>
+              <a:t>Markdown中国化</a:t>
             </a:r>
           </a:p>
         </p:txBody>
@@ -3990,7 +4077,7 @@
             </a:pPr>
             <a:r>
               <a:rPr/>
-              <a:t>我的初衷</a:t>
+              <a:t>事半功倍</a:t>
             </a:r>
           </a:p>
         </p:txBody>
@@ -4016,24 +4103,77 @@
           <a:bodyPr/>
           <a:lstStyle/>
           <a:p>
+            <a:pPr lvl="0" marL="0" indent="0">
+              <a:buNone/>
+            </a:pPr>
+            <a:r>
+              <a:rPr/>
+              <a:t>简单易学：R很简单，配合tidyverse等系列包，代码可读性强</a:t>
+            </a:r>
+          </a:p>
+          <a:p>
+            <a:pPr lvl="0" marL="0" indent="0">
+              <a:buNone/>
+            </a:pPr>
+            <a:r>
+              <a:rPr/>
+              <a:t>All in one （鱼与熊掌，我全都要）：一个软件全都有，数据-分析-可视化-写作-展示（类似于家装全包）</a:t>
+            </a:r>
+          </a:p>
+          <a:p>
+            <a:pPr lvl="0" marL="0" indent="0">
+              <a:buNone/>
+            </a:pPr>
+            <a:r>
+              <a:rPr/>
+              <a:t>一个残酷的现实：用统计的，往往不是学统计的。</a:t>
+            </a:r>
+          </a:p>
+          <a:p>
             <a:pPr lvl="1"/>
             <a:r>
               <a:rPr/>
-              <a:t>支持开源，支持R的学习</a:t>
+              <a:t>R语言做统计分析，是它的看家本领，非常好用！</a:t>
+            </a:r>
+          </a:p>
+          <a:p>
+            <a:pPr lvl="0" marL="0" indent="0">
+              <a:buNone/>
+            </a:pPr>
+            <a:r>
+              <a:rPr/>
+              <a:t>R的表格和可视化，是颜值担当，高大上，无出其右！</a:t>
+            </a:r>
+          </a:p>
+          <a:p>
+            <a:pPr lvl="0" marL="0" indent="0">
+              <a:buNone/>
+            </a:pPr>
+            <a:r>
+              <a:rPr/>
+              <a:t>不论写论文、写书、写报告、PPT，它都是让你脱颖而出的好工具！</a:t>
             </a:r>
           </a:p>
           <a:p>
             <a:pPr lvl="1"/>
             <a:r>
               <a:rPr/>
-              <a:t>推动R Markdown中国化</a:t>
-            </a:r>
-          </a:p>
-          <a:p>
-            <a:pPr lvl="1"/>
-            <a:r>
-              <a:rPr/>
-              <a:t>开拓思维、提高效率</a:t>
+              <a:t>更多期刊和作者都在使用R Markdown，学习R Markdown就是拥抱未来！</a:t>
+            </a:r>
+          </a:p>
+          <a:p>
+            <a:pPr lvl="0" marL="0" indent="0">
+              <a:buNone/>
+            </a:pPr>
+            <a:r>
+              <a:rPr/>
+              <a:t>——参考王敏杰</a:t>
+            </a:r>
+            <a:r>
+              <a:rPr>
+                <a:hlinkClick r:id="rId2"/>
+              </a:rPr>
+              <a:t>《数据科学中的 R 语言》</a:t>
             </a:r>
           </a:p>
         </p:txBody>
@@ -4062,24 +4202,18 @@
       </p:grpSpPr>
       <p:sp>
         <p:nvSpPr>
-          <p:cNvPr id="11" name="Title 1">
-            <a:extLst>
-              <a:ext uri="{FF2B5EF4-FFF2-40B4-BE49-F238E27FC236}">
-                <a16:creationId xmlns:a16="http://schemas.microsoft.com/office/drawing/2014/main" id="{2391D614-6EEB-4C42-A746-C9FB67E11481}"/>
-              </a:ext>
-            </a:extLst>
-          </p:cNvPr>
-          <p:cNvSpPr>
-            <a:spLocks noGrp="1"/>
-          </p:cNvSpPr>
-          <p:nvPr>
-            <p:ph type="title"/>
+          <p:cNvPr id="7" name="Title 1"/>
+          <p:cNvSpPr>
+            <a:spLocks noGrp="1"/>
+          </p:cNvSpPr>
+          <p:nvPr>
+            <p:ph type="ctrTitle"/>
           </p:nvPr>
         </p:nvSpPr>
         <p:spPr>
           <a:xfrm>
-            <a:off x="838199" y="362260"/>
-            <a:ext cx="6304722" cy="637553"/>
+            <a:off x="1783577" y="4036880"/>
+            <a:ext cx="8463639" cy="862715"/>
           </a:xfrm>
         </p:spPr>
         <p:txBody>
@@ -4091,93 +4225,7 @@
             </a:pPr>
             <a:r>
               <a:rPr/>
-              <a:t>适合谁来学？</a:t>
-            </a:r>
-          </a:p>
-        </p:txBody>
-      </p:sp>
-      <p:sp>
-        <p:nvSpPr>
-          <p:cNvPr id="12" name="Content Placeholder 2">
-            <a:extLst>
-              <a:ext uri="{FF2B5EF4-FFF2-40B4-BE49-F238E27FC236}">
-                <a16:creationId xmlns:a16="http://schemas.microsoft.com/office/drawing/2014/main" id="{91E23ACD-CC52-4FE4-A28E-15DDE627EE00}"/>
-              </a:ext>
-            </a:extLst>
-          </p:cNvPr>
-          <p:cNvSpPr>
-            <a:spLocks noGrp="1"/>
-          </p:cNvSpPr>
-          <p:nvPr>
-            <p:ph idx="1"/>
-          </p:nvPr>
-        </p:nvSpPr>
-        <p:spPr/>
-        <p:txBody>
-          <a:bodyPr/>
-          <a:lstStyle/>
-          <a:p>
-            <a:pPr lvl="1"/>
-            <a:r>
-              <a:rPr/>
-              <a:t>科研工作者（拯救科研狗）</a:t>
-            </a:r>
-          </a:p>
-          <a:p>
-            <a:pPr lvl="2"/>
-            <a:r>
-              <a:rPr/>
-              <a:t>理工农</a:t>
-            </a:r>
-            <a:r>
-              <a:rPr b="1"/>
-              <a:t>医</a:t>
-            </a:r>
-            <a:r>
-              <a:rPr/>
-              <a:t>（别笑，是真的）</a:t>
-            </a:r>
-          </a:p>
-          <a:p>
-            <a:pPr lvl="2"/>
-            <a:r>
-              <a:rPr/>
-              <a:t>社科</a:t>
-            </a:r>
-          </a:p>
-          <a:p>
-            <a:pPr lvl="2"/>
-            <a:r>
-              <a:rPr/>
-              <a:t>心理</a:t>
-            </a:r>
-          </a:p>
-          <a:p>
-            <a:pPr lvl="2"/>
-            <a:r>
-              <a:rPr/>
-              <a:t>商业</a:t>
-            </a:r>
-          </a:p>
-          <a:p>
-            <a:pPr lvl="2"/>
-            <a:r>
-              <a:rPr/>
-              <a:t>经济</a:t>
-            </a:r>
-          </a:p>
-          <a:p>
-            <a:pPr lvl="1"/>
-            <a:r>
-              <a:rPr/>
-              <a:t>研究生(同理，各学科)</a:t>
-            </a:r>
-          </a:p>
-          <a:p>
-            <a:pPr lvl="1"/>
-            <a:r>
-              <a:rPr/>
-              <a:t>数据科学</a:t>
+              <a:t>这门课适合谁?</a:t>
             </a:r>
           </a:p>
         </p:txBody>
@@ -4206,18 +4254,24 @@
       </p:grpSpPr>
       <p:sp>
         <p:nvSpPr>
-          <p:cNvPr id="7" name="Title 1"/>
-          <p:cNvSpPr>
-            <a:spLocks noGrp="1"/>
-          </p:cNvSpPr>
-          <p:nvPr>
-            <p:ph type="ctrTitle"/>
+          <p:cNvPr id="11" name="Title 1">
+            <a:extLst>
+              <a:ext uri="{FF2B5EF4-FFF2-40B4-BE49-F238E27FC236}">
+                <a16:creationId xmlns:a16="http://schemas.microsoft.com/office/drawing/2014/main" id="{2391D614-6EEB-4C42-A746-C9FB67E11481}"/>
+              </a:ext>
+            </a:extLst>
+          </p:cNvPr>
+          <p:cNvSpPr>
+            <a:spLocks noGrp="1"/>
+          </p:cNvSpPr>
+          <p:nvPr>
+            <p:ph type="title"/>
           </p:nvPr>
         </p:nvSpPr>
         <p:spPr>
           <a:xfrm>
-            <a:off x="1783577" y="4036880"/>
-            <a:ext cx="8463639" cy="862715"/>
+            <a:off x="838199" y="362260"/>
+            <a:ext cx="6304722" cy="637553"/>
           </a:xfrm>
         </p:spPr>
         <p:txBody>
@@ -4229,7 +4283,89 @@
             </a:pPr>
             <a:r>
               <a:rPr/>
-              <a:t>学这门课的价值?</a:t>
+              <a:t>适合谁？</a:t>
+            </a:r>
+          </a:p>
+        </p:txBody>
+      </p:sp>
+      <p:sp>
+        <p:nvSpPr>
+          <p:cNvPr id="12" name="Content Placeholder 2">
+            <a:extLst>
+              <a:ext uri="{FF2B5EF4-FFF2-40B4-BE49-F238E27FC236}">
+                <a16:creationId xmlns:a16="http://schemas.microsoft.com/office/drawing/2014/main" id="{91E23ACD-CC52-4FE4-A28E-15DDE627EE00}"/>
+              </a:ext>
+            </a:extLst>
+          </p:cNvPr>
+          <p:cNvSpPr>
+            <a:spLocks noGrp="1"/>
+          </p:cNvSpPr>
+          <p:nvPr>
+            <p:ph idx="1"/>
+          </p:nvPr>
+        </p:nvSpPr>
+        <p:spPr/>
+        <p:txBody>
+          <a:bodyPr/>
+          <a:lstStyle/>
+          <a:p>
+            <a:pPr lvl="1"/>
+            <a:r>
+              <a:rPr/>
+              <a:t>科研工作者（拯救科研狗）</a:t>
+            </a:r>
+          </a:p>
+          <a:p>
+            <a:pPr lvl="2"/>
+            <a:r>
+              <a:rPr/>
+              <a:t>理工农</a:t>
+            </a:r>
+            <a:r>
+              <a:rPr b="1"/>
+              <a:t>医</a:t>
+            </a:r>
+          </a:p>
+          <a:p>
+            <a:pPr lvl="2"/>
+            <a:r>
+              <a:rPr/>
+              <a:t>社科</a:t>
+            </a:r>
+          </a:p>
+          <a:p>
+            <a:pPr lvl="2"/>
+            <a:r>
+              <a:rPr/>
+              <a:t>心理</a:t>
+            </a:r>
+          </a:p>
+          <a:p>
+            <a:pPr lvl="2"/>
+            <a:r>
+              <a:rPr/>
+              <a:t>商业</a:t>
+            </a:r>
+          </a:p>
+          <a:p>
+            <a:pPr lvl="2"/>
+            <a:r>
+              <a:rPr/>
+              <a:t>经济</a:t>
+            </a:r>
+          </a:p>
+          <a:p>
+            <a:pPr lvl="1"/>
+            <a:r>
+              <a:rPr/>
+              <a:t>研究生(同理，各学科)</a:t>
+            </a:r>
+          </a:p>
+          <a:p>
+            <a:pPr lvl="1"/>
+            <a:r>
+              <a:rPr/>
+              <a:t>数据科学</a:t>
             </a:r>
           </a:p>
         </p:txBody>
@@ -4258,24 +4394,18 @@
       </p:grpSpPr>
       <p:sp>
         <p:nvSpPr>
-          <p:cNvPr id="11" name="Title 1">
-            <a:extLst>
-              <a:ext uri="{FF2B5EF4-FFF2-40B4-BE49-F238E27FC236}">
-                <a16:creationId xmlns:a16="http://schemas.microsoft.com/office/drawing/2014/main" id="{2391D614-6EEB-4C42-A746-C9FB67E11481}"/>
-              </a:ext>
-            </a:extLst>
-          </p:cNvPr>
-          <p:cNvSpPr>
-            <a:spLocks noGrp="1"/>
-          </p:cNvSpPr>
-          <p:nvPr>
-            <p:ph type="title"/>
+          <p:cNvPr id="7" name="Title 1"/>
+          <p:cNvSpPr>
+            <a:spLocks noGrp="1"/>
+          </p:cNvSpPr>
+          <p:nvPr>
+            <p:ph type="ctrTitle"/>
           </p:nvPr>
         </p:nvSpPr>
         <p:spPr>
           <a:xfrm>
-            <a:off x="838199" y="362260"/>
-            <a:ext cx="6304722" cy="637553"/>
+            <a:off x="1783577" y="4036880"/>
+            <a:ext cx="8463639" cy="862715"/>
           </a:xfrm>
         </p:spPr>
         <p:txBody>
@@ -4287,77 +4417,7 @@
             </a:pPr>
             <a:r>
               <a:rPr/>
-              <a:t>提高效率</a:t>
-            </a:r>
-          </a:p>
-        </p:txBody>
-      </p:sp>
-      <p:sp>
-        <p:nvSpPr>
-          <p:cNvPr id="12" name="Content Placeholder 2">
-            <a:extLst>
-              <a:ext uri="{FF2B5EF4-FFF2-40B4-BE49-F238E27FC236}">
-                <a16:creationId xmlns:a16="http://schemas.microsoft.com/office/drawing/2014/main" id="{91E23ACD-CC52-4FE4-A28E-15DDE627EE00}"/>
-              </a:ext>
-            </a:extLst>
-          </p:cNvPr>
-          <p:cNvSpPr>
-            <a:spLocks noGrp="1"/>
-          </p:cNvSpPr>
-          <p:nvPr>
-            <p:ph idx="1"/>
-          </p:nvPr>
-        </p:nvSpPr>
-        <p:spPr/>
-        <p:txBody>
-          <a:bodyPr/>
-          <a:lstStyle/>
-          <a:p>
-            <a:pPr lvl="0" marL="0" indent="0">
-              <a:buNone/>
-            </a:pPr>
-            <a:r>
-              <a:rPr/>
-              <a:t>R很简单，配合tidyverse等系列包，代码可读性强，用的是人类语言， 非常好学</a:t>
-            </a:r>
-          </a:p>
-          <a:p>
-            <a:pPr lvl="0" marL="0" indent="0">
-              <a:buNone/>
-            </a:pPr>
-            <a:r>
-              <a:rPr/>
-              <a:t>All in one （鱼与熊掌，我全都要）：一个软件全都有，数据-分析-可视化-写作-展示（类似于家装全包）</a:t>
-            </a:r>
-          </a:p>
-          <a:p>
-            <a:pPr lvl="0" marL="0" indent="0">
-              <a:buNone/>
-            </a:pPr>
-            <a:r>
-              <a:rPr/>
-              <a:t>强大的兼容性</a:t>
-            </a:r>
-          </a:p>
-          <a:p>
-            <a:pPr lvl="1"/>
-            <a:r>
-              <a:rPr/>
-              <a:t>所有平台都可用（win,ios,linux,云端）</a:t>
-            </a:r>
-          </a:p>
-          <a:p>
-            <a:pPr lvl="1"/>
-            <a:r>
-              <a:rPr/>
-              <a:t>各种格式输出</a:t>
-            </a:r>
-          </a:p>
-          <a:p>
-            <a:pPr lvl="1"/>
-            <a:r>
-              <a:rPr/>
-              <a:t>兼容python, SQL, bash、Rcpp(C++)等</a:t>
+              <a:t>需要哪些基础?</a:t>
             </a:r>
           </a:p>
         </p:txBody>
@@ -4386,42 +4446,6 @@
       </p:grpSpPr>
       <p:sp>
         <p:nvSpPr>
-          <p:cNvPr id="11" name="Title 1">
-            <a:extLst>
-              <a:ext uri="{FF2B5EF4-FFF2-40B4-BE49-F238E27FC236}">
-                <a16:creationId xmlns:a16="http://schemas.microsoft.com/office/drawing/2014/main" id="{2391D614-6EEB-4C42-A746-C9FB67E11481}"/>
-              </a:ext>
-            </a:extLst>
-          </p:cNvPr>
-          <p:cNvSpPr>
-            <a:spLocks noGrp="1"/>
-          </p:cNvSpPr>
-          <p:nvPr>
-            <p:ph type="title"/>
-          </p:nvPr>
-        </p:nvSpPr>
-        <p:spPr>
-          <a:xfrm>
-            <a:off x="838199" y="362260"/>
-            <a:ext cx="6304722" cy="637553"/>
-          </a:xfrm>
-        </p:spPr>
-        <p:txBody>
-          <a:bodyPr/>
-          <a:lstStyle/>
-          <a:p>
-            <a:pPr lvl="0" marL="0" indent="0">
-              <a:buNone/>
-            </a:pPr>
-            <a:r>
-              <a:rPr/>
-              <a:t>立于不败</a:t>
-            </a:r>
-          </a:p>
-        </p:txBody>
-      </p:sp>
-      <p:sp>
-        <p:nvSpPr>
           <p:cNvPr id="12" name="Content Placeholder 2">
             <a:extLst>
               <a:ext uri="{FF2B5EF4-FFF2-40B4-BE49-F238E27FC236}">
@@ -4446,14 +4470,14 @@
             </a:pPr>
             <a:r>
               <a:rPr/>
-              <a:t>我们不是学统计的，但需要用统计。一个更残酷的现实，用统计的，往往不是学统计的。</a:t>
+              <a:t>英语基础</a:t>
             </a:r>
           </a:p>
           <a:p>
             <a:pPr lvl="1"/>
             <a:r>
               <a:rPr/>
-              <a:t>R语言做统计分析，是它的看家本领，非常好用！</a:t>
+              <a:t>有点英语基础，能看懂基本单词</a:t>
             </a:r>
           </a:p>
           <a:p>
@@ -4462,7 +4486,21 @@
             </a:pPr>
             <a:r>
               <a:rPr/>
-              <a:t>R的表格和可视化，是颜值担当，高大上，无出其右！</a:t>
+              <a:t>编程基础</a:t>
+            </a:r>
+          </a:p>
+          <a:p>
+            <a:pPr lvl="1"/>
+            <a:r>
+              <a:rPr/>
+              <a:t>Python或R编程基础最佳，没有编程基础，也可。</a:t>
+            </a:r>
+          </a:p>
+          <a:p>
+            <a:pPr lvl="1"/>
+            <a:r>
+              <a:rPr/>
+              <a:t>R markdown 与Jupyter notebook是亲兄弟</a:t>
             </a:r>
           </a:p>
           <a:p>
@@ -4471,29 +4509,47 @@
             </a:pPr>
             <a:r>
               <a:rPr/>
-              <a:t>不论写论文、写书、写报告、PPT，它都是让你脱颖而出的好工具！</a:t>
+              <a:t>统计学基础</a:t>
             </a:r>
           </a:p>
           <a:p>
             <a:pPr lvl="1"/>
             <a:r>
               <a:rPr/>
-              <a:t>更多期刊和作者都在使用R Markdown，学习R Markdown就是拥抱未来！</a:t>
-            </a:r>
-          </a:p>
-          <a:p>
-            <a:pPr lvl="0" marL="1270000" indent="0">
+              <a:t>懂基本的统计学原理，和统计学方法的适用对象</a:t>
+            </a:r>
+          </a:p>
+          <a:p>
+            <a:pPr lvl="1"/>
+            <a:r>
+              <a:rPr/>
+              <a:t>会看统计图表</a:t>
+            </a:r>
+          </a:p>
+          <a:p>
+            <a:pPr lvl="1"/>
+            <a:r>
+              <a:rPr/>
+              <a:t>会点SPSS就OK</a:t>
+            </a:r>
+          </a:p>
+          <a:p>
+            <a:pPr lvl="0" marL="0" indent="0">
               <a:buNone/>
             </a:pPr>
             <a:r>
-              <a:rPr sz="2000"/>
-              <a:t>参考王敏杰</a:t>
-            </a:r>
-            <a:r>
-              <a:rPr sz="2000">
-                <a:hlinkClick r:id="rId2"/>
+              <a:rPr/>
+              <a:t>本科程没有复杂的</a:t>
+            </a:r>
+            <a:r>
+              <a:rPr>
+                <a:latin typeface="Courier"/>
               </a:rPr>
-              <a:t>《数据科学中的 R 语言》</a:t>
+              <a:t>公式</a:t>
+            </a:r>
+            <a:r>
+              <a:rPr/>
+              <a:t>！</a:t>
             </a:r>
           </a:p>
         </p:txBody>
@@ -4545,7 +4601,7 @@
             </a:pPr>
             <a:r>
               <a:rPr/>
-              <a:t>需要哪些基础?</a:t>
+              <a:t>Examples</a:t>
             </a:r>
           </a:p>
         </p:txBody>
@@ -4603,7 +4659,31 @@
             </a:pPr>
             <a:r>
               <a:rPr/>
-              <a:t>编程基础</a:t>
+              <a:t>Slide</a:t>
+            </a:r>
+            <a:r>
+              <a:rPr/>
+              <a:t> </a:t>
+            </a:r>
+            <a:r>
+              <a:rPr/>
+              <a:t>with</a:t>
+            </a:r>
+            <a:r>
+              <a:rPr/>
+              <a:t> </a:t>
+            </a:r>
+            <a:r>
+              <a:rPr/>
+              <a:t>R</a:t>
+            </a:r>
+            <a:r>
+              <a:rPr/>
+              <a:t> </a:t>
+            </a:r>
+            <a:r>
+              <a:rPr/>
+              <a:t>Output</a:t>
             </a:r>
           </a:p>
         </p:txBody>
@@ -4629,37 +4709,40 @@
           <a:bodyPr/>
           <a:lstStyle/>
           <a:p>
-            <a:pPr lvl="0" marL="0" indent="0">
+            <a:pPr lvl="0" indent="0">
               <a:buNone/>
             </a:pPr>
             <a:r>
-              <a:rPr/>
-              <a:t>今年两会有代表提出取消英语主科地位，您同意吗？</a:t>
-            </a:r>
-          </a:p>
-          <a:p>
-            <a:pPr lvl="1"/>
-            <a:r>
-              <a:rPr/>
-              <a:t>有点英语基础就行，看得懂基本单词</a:t>
-            </a:r>
-          </a:p>
-          <a:p>
-            <a:pPr lvl="0" marL="0" indent="0">
+              <a:rPr>
+                <a:solidFill>
+                  <a:srgbClr val="06287E"/>
+                </a:solidFill>
+                <a:latin typeface="Courier"/>
+              </a:rPr>
+              <a:t>summary</a:t>
+            </a:r>
+            <a:r>
+              <a:rPr>
+                <a:latin typeface="Courier"/>
+              </a:rPr>
+              <a:t>(women)</a:t>
+            </a:r>
+          </a:p>
+          <a:p>
+            <a:pPr lvl="0" indent="0">
               <a:buNone/>
             </a:pPr>
             <a:r>
-              <a:rPr/>
-              <a:t>具备其他编程语言基础最好，python编程基础，上手R最容易。这个就是加强版的jupyter notebook！</a:t>
-            </a:r>
-          </a:p>
-          <a:p>
-            <a:pPr lvl="0" marL="0" indent="0">
-              <a:buNone/>
-            </a:pPr>
-            <a:r>
-              <a:rPr/>
-              <a:t>没有编程基础，no关系，这门课你也能听懂</a:t>
+              <a:rPr>
+                <a:latin typeface="Courier"/>
+              </a:rPr>
+              <a:t>##      height         weight     
+##  Min.   :58.0   Min.   :115.0  
+##  1st Qu.:61.5   1st Qu.:124.5  
+##  Median :65.0   Median :135.0  
+##  Mean   :65.0   Mean   :136.7  
+##  3rd Qu.:68.5   3rd Qu.:148.0  
+##  Max.   :72.0   Max.   :164.0</a:t>
             </a:r>
           </a:p>
         </p:txBody>
@@ -4717,70 +4800,57 @@
             </a:pPr>
             <a:r>
               <a:rPr/>
-              <a:t>统计学基础</a:t>
-            </a:r>
-          </a:p>
-        </p:txBody>
-      </p:sp>
-      <p:sp>
-        <p:nvSpPr>
-          <p:cNvPr id="12" name="Content Placeholder 2">
-            <a:extLst>
-              <a:ext uri="{FF2B5EF4-FFF2-40B4-BE49-F238E27FC236}">
-                <a16:creationId xmlns:a16="http://schemas.microsoft.com/office/drawing/2014/main" id="{91E23ACD-CC52-4FE4-A28E-15DDE627EE00}"/>
-              </a:ext>
-            </a:extLst>
-          </p:cNvPr>
-          <p:cNvSpPr>
-            <a:spLocks noGrp="1"/>
-          </p:cNvSpPr>
-          <p:nvPr>
-            <p:ph idx="1"/>
-          </p:nvPr>
-        </p:nvSpPr>
-        <p:spPr/>
-        <p:txBody>
-          <a:bodyPr/>
-          <a:lstStyle/>
-          <a:p>
-            <a:pPr lvl="0" marL="0" indent="0">
-              <a:buNone/>
-            </a:pPr>
-            <a:r>
-              <a:rPr/>
-              <a:t>确实要懂点……</a:t>
-            </a:r>
-          </a:p>
-          <a:p>
-            <a:pPr lvl="1"/>
-            <a:r>
-              <a:rPr/>
-              <a:t>懂基本的统计学原理，和统计学方法的适用对象</a:t>
-            </a:r>
-          </a:p>
-          <a:p>
-            <a:pPr lvl="1"/>
-            <a:r>
-              <a:rPr/>
-              <a:t>No 公式！</a:t>
-            </a:r>
-          </a:p>
-          <a:p>
-            <a:pPr lvl="1"/>
-            <a:r>
-              <a:rPr/>
-              <a:t>懂统计图</a:t>
-            </a:r>
-          </a:p>
-          <a:p>
-            <a:pPr lvl="1"/>
-            <a:r>
-              <a:rPr/>
-              <a:t>会spss就行</a:t>
-            </a:r>
-          </a:p>
-        </p:txBody>
-      </p:sp>
+              <a:t>Slide</a:t>
+            </a:r>
+            <a:r>
+              <a:rPr/>
+              <a:t> </a:t>
+            </a:r>
+            <a:r>
+              <a:rPr/>
+              <a:t>with</a:t>
+            </a:r>
+            <a:r>
+              <a:rPr/>
+              <a:t> </a:t>
+            </a:r>
+            <a:r>
+              <a:rPr/>
+              <a:t>Plot</a:t>
+            </a:r>
+          </a:p>
+        </p:txBody>
+      </p:sp>
+      <p:pic>
+        <p:nvPicPr>
+          <p:cNvPr descr="00-Intro_files/figure-pptx/plot-1.png" id="0" name="Picture 1"/>
+          <p:cNvPicPr>
+            <a:picLocks noGrp="1" noChangeAspect="1"/>
+          </p:cNvPicPr>
+          <p:nvPr/>
+        </p:nvPicPr>
+        <p:blipFill>
+          <a:blip r:embed="rId2"/>
+          <a:stretch>
+            <a:fillRect/>
+          </a:stretch>
+        </p:blipFill>
+        <p:spPr bwMode="auto">
+          <a:xfrm>
+            <a:off x="3327400" y="1485900"/>
+            <a:ext cx="5842000" cy="4673600"/>
+          </a:xfrm>
+          <a:prstGeom prst="rect">
+            <a:avLst/>
+          </a:prstGeom>
+          <a:noFill/>
+          <a:ln w="9525">
+            <a:noFill/>
+            <a:headEnd/>
+            <a:tailEnd/>
+          </a:ln>
+        </p:spPr>
+      </p:pic>
     </p:spTree>
   </p:cSld>
 </p:sld>
@@ -4805,58 +4875,6 @@
       </p:grpSpPr>
       <p:sp>
         <p:nvSpPr>
-          <p:cNvPr id="7" name="Title 1"/>
-          <p:cNvSpPr>
-            <a:spLocks noGrp="1"/>
-          </p:cNvSpPr>
-          <p:nvPr>
-            <p:ph type="ctrTitle"/>
-          </p:nvPr>
-        </p:nvSpPr>
-        <p:spPr>
-          <a:xfrm>
-            <a:off x="1783577" y="4036880"/>
-            <a:ext cx="8463639" cy="862715"/>
-          </a:xfrm>
-        </p:spPr>
-        <p:txBody>
-          <a:bodyPr/>
-          <a:lstStyle/>
-          <a:p>
-            <a:pPr lvl="0" marL="0" indent="0">
-              <a:buNone/>
-            </a:pPr>
-            <a:r>
-              <a:rPr/>
-              <a:t>Examples</a:t>
-            </a:r>
-          </a:p>
-        </p:txBody>
-      </p:sp>
-    </p:spTree>
-  </p:cSld>
-</p:sld>
-</file>
-
-<file path=ppt/slides/slide2.xml><?xml version="1.0" encoding="utf-8"?>
-<p:sld xmlns:a="http://schemas.openxmlformats.org/drawingml/2006/main" xmlns:r="http://schemas.openxmlformats.org/officeDocument/2006/relationships" xmlns:p="http://schemas.openxmlformats.org/presentationml/2006/main">
-  <p:cSld>
-    <p:spTree>
-      <p:nvGrpSpPr>
-        <p:cNvPr id="1" name=""/>
-        <p:cNvGrpSpPr/>
-        <p:nvPr/>
-      </p:nvGrpSpPr>
-      <p:grpSpPr>
-        <a:xfrm>
-          <a:off x="0" y="0"/>
-          <a:ext cx="0" cy="0"/>
-          <a:chOff x="0" y="0"/>
-          <a:chExt cx="0" cy="0"/>
-        </a:xfrm>
-      </p:grpSpPr>
-      <p:sp>
-        <p:nvSpPr>
           <p:cNvPr id="11" name="Title 1">
             <a:extLst>
               <a:ext uri="{FF2B5EF4-FFF2-40B4-BE49-F238E27FC236}">
@@ -4886,394 +4904,6 @@
             </a:pPr>
             <a:r>
               <a:rPr/>
-              <a:t>Table of Contents</a:t>
-            </a:r>
-          </a:p>
-        </p:txBody>
-      </p:sp>
-      <p:sp>
-        <p:nvSpPr>
-          <p:cNvPr id="12" name="Content Placeholder 2">
-            <a:extLst>
-              <a:ext uri="{FF2B5EF4-FFF2-40B4-BE49-F238E27FC236}">
-                <a16:creationId xmlns:a16="http://schemas.microsoft.com/office/drawing/2014/main" id="{91E23ACD-CC52-4FE4-A28E-15DDE627EE00}"/>
-              </a:ext>
-            </a:extLst>
-          </p:cNvPr>
-          <p:cNvSpPr>
-            <a:spLocks noGrp="1"/>
-          </p:cNvSpPr>
-          <p:nvPr>
-            <p:ph idx="1"/>
-          </p:nvPr>
-        </p:nvSpPr>
-        <p:spPr/>
-        <p:txBody>
-          <a:bodyPr/>
-          <a:lstStyle/>
-          <a:p>
-            <a:pPr lvl="1"/>
-            <a:r>
-              <a:rPr>
-                <a:hlinkClick r:id="rId2" action="ppaction://hlinksldjump"/>
-              </a:rPr>
-              <a:t>个人介绍</a:t>
-            </a:r>
-          </a:p>
-          <a:p>
-            <a:pPr lvl="1"/>
-            <a:r>
-              <a:rPr>
-                <a:hlinkClick r:id="rId3" action="ppaction://hlinksldjump"/>
-              </a:rPr>
-              <a:t>R Markdown是什么?</a:t>
-            </a:r>
-          </a:p>
-          <a:p>
-            <a:pPr lvl="1"/>
-            <a:r>
-              <a:rPr>
-                <a:hlinkClick r:id="rId4" action="ppaction://hlinksldjump"/>
-              </a:rPr>
-              <a:t>这门课适合谁?</a:t>
-            </a:r>
-          </a:p>
-          <a:p>
-            <a:pPr lvl="1"/>
-            <a:r>
-              <a:rPr>
-                <a:hlinkClick r:id="rId5" action="ppaction://hlinksldjump"/>
-              </a:rPr>
-              <a:t>学这门课的价值?</a:t>
-            </a:r>
-          </a:p>
-          <a:p>
-            <a:pPr lvl="1"/>
-            <a:r>
-              <a:rPr>
-                <a:hlinkClick r:id="rId6" action="ppaction://hlinksldjump"/>
-              </a:rPr>
-              <a:t>需要哪些基础?</a:t>
-            </a:r>
-          </a:p>
-          <a:p>
-            <a:pPr lvl="1"/>
-            <a:r>
-              <a:rPr>
-                <a:hlinkClick r:id="rId7" action="ppaction://hlinksldjump"/>
-              </a:rPr>
-              <a:t>Examples</a:t>
-            </a:r>
-          </a:p>
-          <a:p>
-            <a:pPr lvl="1"/>
-            <a:r>
-              <a:rPr>
-                <a:hlinkClick r:id="rId8" action="ppaction://hlinksldjump"/>
-              </a:rPr>
-              <a:t>课后作业</a:t>
-            </a:r>
-          </a:p>
-        </p:txBody>
-      </p:sp>
-    </p:spTree>
-  </p:cSld>
-</p:sld>
-</file>
-
-<file path=ppt/slides/slide20.xml><?xml version="1.0" encoding="utf-8"?>
-<p:sld xmlns:a="http://schemas.openxmlformats.org/drawingml/2006/main" xmlns:r="http://schemas.openxmlformats.org/officeDocument/2006/relationships" xmlns:p="http://schemas.openxmlformats.org/presentationml/2006/main">
-  <p:cSld>
-    <p:spTree>
-      <p:nvGrpSpPr>
-        <p:cNvPr id="1" name=""/>
-        <p:cNvGrpSpPr/>
-        <p:nvPr/>
-      </p:nvGrpSpPr>
-      <p:grpSpPr>
-        <a:xfrm>
-          <a:off x="0" y="0"/>
-          <a:ext cx="0" cy="0"/>
-          <a:chOff x="0" y="0"/>
-          <a:chExt cx="0" cy="0"/>
-        </a:xfrm>
-      </p:grpSpPr>
-      <p:sp>
-        <p:nvSpPr>
-          <p:cNvPr id="11" name="Title 1">
-            <a:extLst>
-              <a:ext uri="{FF2B5EF4-FFF2-40B4-BE49-F238E27FC236}">
-                <a16:creationId xmlns:a16="http://schemas.microsoft.com/office/drawing/2014/main" id="{2391D614-6EEB-4C42-A746-C9FB67E11481}"/>
-              </a:ext>
-            </a:extLst>
-          </p:cNvPr>
-          <p:cNvSpPr>
-            <a:spLocks noGrp="1"/>
-          </p:cNvSpPr>
-          <p:nvPr>
-            <p:ph type="title"/>
-          </p:nvPr>
-        </p:nvSpPr>
-        <p:spPr>
-          <a:xfrm>
-            <a:off x="838199" y="362260"/>
-            <a:ext cx="6304722" cy="637553"/>
-          </a:xfrm>
-        </p:spPr>
-        <p:txBody>
-          <a:bodyPr/>
-          <a:lstStyle/>
-          <a:p>
-            <a:pPr lvl="0" marL="0" indent="0">
-              <a:buNone/>
-            </a:pPr>
-            <a:r>
-              <a:rPr/>
-              <a:t>Slide</a:t>
-            </a:r>
-            <a:r>
-              <a:rPr/>
-              <a:t> </a:t>
-            </a:r>
-            <a:r>
-              <a:rPr/>
-              <a:t>with</a:t>
-            </a:r>
-            <a:r>
-              <a:rPr/>
-              <a:t> </a:t>
-            </a:r>
-            <a:r>
-              <a:rPr/>
-              <a:t>R</a:t>
-            </a:r>
-            <a:r>
-              <a:rPr/>
-              <a:t> </a:t>
-            </a:r>
-            <a:r>
-              <a:rPr/>
-              <a:t>Output</a:t>
-            </a:r>
-          </a:p>
-        </p:txBody>
-      </p:sp>
-      <p:sp>
-        <p:nvSpPr>
-          <p:cNvPr id="12" name="Content Placeholder 2">
-            <a:extLst>
-              <a:ext uri="{FF2B5EF4-FFF2-40B4-BE49-F238E27FC236}">
-                <a16:creationId xmlns:a16="http://schemas.microsoft.com/office/drawing/2014/main" id="{91E23ACD-CC52-4FE4-A28E-15DDE627EE00}"/>
-              </a:ext>
-            </a:extLst>
-          </p:cNvPr>
-          <p:cNvSpPr>
-            <a:spLocks noGrp="1"/>
-          </p:cNvSpPr>
-          <p:nvPr>
-            <p:ph idx="1"/>
-          </p:nvPr>
-        </p:nvSpPr>
-        <p:spPr/>
-        <p:txBody>
-          <a:bodyPr/>
-          <a:lstStyle/>
-          <a:p>
-            <a:pPr lvl="0" indent="0">
-              <a:buNone/>
-            </a:pPr>
-            <a:r>
-              <a:rPr>
-                <a:solidFill>
-                  <a:srgbClr val="06287E"/>
-                </a:solidFill>
-                <a:latin typeface="Courier"/>
-              </a:rPr>
-              <a:t>summary</a:t>
-            </a:r>
-            <a:r>
-              <a:rPr>
-                <a:latin typeface="Courier"/>
-              </a:rPr>
-              <a:t>(women)</a:t>
-            </a:r>
-          </a:p>
-          <a:p>
-            <a:pPr lvl="0" indent="0">
-              <a:buNone/>
-            </a:pPr>
-            <a:r>
-              <a:rPr>
-                <a:latin typeface="Courier"/>
-              </a:rPr>
-              <a:t>##      height         weight     
-##  Min.   :58.0   Min.   :115.0  
-##  1st Qu.:61.5   1st Qu.:124.5  
-##  Median :65.0   Median :135.0  
-##  Mean   :65.0   Mean   :136.7  
-##  3rd Qu.:68.5   3rd Qu.:148.0  
-##  Max.   :72.0   Max.   :164.0</a:t>
-            </a:r>
-          </a:p>
-        </p:txBody>
-      </p:sp>
-    </p:spTree>
-  </p:cSld>
-</p:sld>
-</file>
-
-<file path=ppt/slides/slide21.xml><?xml version="1.0" encoding="utf-8"?>
-<p:sld xmlns:a="http://schemas.openxmlformats.org/drawingml/2006/main" xmlns:r="http://schemas.openxmlformats.org/officeDocument/2006/relationships" xmlns:p="http://schemas.openxmlformats.org/presentationml/2006/main">
-  <p:cSld>
-    <p:spTree>
-      <p:nvGrpSpPr>
-        <p:cNvPr id="1" name=""/>
-        <p:cNvGrpSpPr/>
-        <p:nvPr/>
-      </p:nvGrpSpPr>
-      <p:grpSpPr>
-        <a:xfrm>
-          <a:off x="0" y="0"/>
-          <a:ext cx="0" cy="0"/>
-          <a:chOff x="0" y="0"/>
-          <a:chExt cx="0" cy="0"/>
-        </a:xfrm>
-      </p:grpSpPr>
-      <p:sp>
-        <p:nvSpPr>
-          <p:cNvPr id="11" name="Title 1">
-            <a:extLst>
-              <a:ext uri="{FF2B5EF4-FFF2-40B4-BE49-F238E27FC236}">
-                <a16:creationId xmlns:a16="http://schemas.microsoft.com/office/drawing/2014/main" id="{2391D614-6EEB-4C42-A746-C9FB67E11481}"/>
-              </a:ext>
-            </a:extLst>
-          </p:cNvPr>
-          <p:cNvSpPr>
-            <a:spLocks noGrp="1"/>
-          </p:cNvSpPr>
-          <p:nvPr>
-            <p:ph type="title"/>
-          </p:nvPr>
-        </p:nvSpPr>
-        <p:spPr>
-          <a:xfrm>
-            <a:off x="838199" y="362260"/>
-            <a:ext cx="6304722" cy="637553"/>
-          </a:xfrm>
-        </p:spPr>
-        <p:txBody>
-          <a:bodyPr/>
-          <a:lstStyle/>
-          <a:p>
-            <a:pPr lvl="0" marL="0" indent="0">
-              <a:buNone/>
-            </a:pPr>
-            <a:r>
-              <a:rPr/>
-              <a:t>Slide</a:t>
-            </a:r>
-            <a:r>
-              <a:rPr/>
-              <a:t> </a:t>
-            </a:r>
-            <a:r>
-              <a:rPr/>
-              <a:t>with</a:t>
-            </a:r>
-            <a:r>
-              <a:rPr/>
-              <a:t> </a:t>
-            </a:r>
-            <a:r>
-              <a:rPr/>
-              <a:t>Plot</a:t>
-            </a:r>
-          </a:p>
-        </p:txBody>
-      </p:sp>
-      <p:pic>
-        <p:nvPicPr>
-          <p:cNvPr descr="00-Intro_files/figure-pptx/plot-1.png" id="0" name="Picture 1"/>
-          <p:cNvPicPr>
-            <a:picLocks noGrp="1" noChangeAspect="1"/>
-          </p:cNvPicPr>
-          <p:nvPr/>
-        </p:nvPicPr>
-        <p:blipFill>
-          <a:blip r:embed="rId2"/>
-          <a:stretch>
-            <a:fillRect/>
-          </a:stretch>
-        </p:blipFill>
-        <p:spPr bwMode="auto">
-          <a:xfrm>
-            <a:off x="3543300" y="1816100"/>
-            <a:ext cx="5435600" cy="4343400"/>
-          </a:xfrm>
-          <a:prstGeom prst="rect">
-            <a:avLst/>
-          </a:prstGeom>
-          <a:noFill/>
-          <a:ln w="9525">
-            <a:noFill/>
-            <a:headEnd/>
-            <a:tailEnd/>
-          </a:ln>
-        </p:spPr>
-      </p:pic>
-    </p:spTree>
-  </p:cSld>
-</p:sld>
-</file>
-
-<file path=ppt/slides/slide22.xml><?xml version="1.0" encoding="utf-8"?>
-<p:sld xmlns:a="http://schemas.openxmlformats.org/drawingml/2006/main" xmlns:r="http://schemas.openxmlformats.org/officeDocument/2006/relationships" xmlns:p="http://schemas.openxmlformats.org/presentationml/2006/main">
-  <p:cSld>
-    <p:spTree>
-      <p:nvGrpSpPr>
-        <p:cNvPr id="1" name=""/>
-        <p:cNvGrpSpPr/>
-        <p:nvPr/>
-      </p:nvGrpSpPr>
-      <p:grpSpPr>
-        <a:xfrm>
-          <a:off x="0" y="0"/>
-          <a:ext cx="0" cy="0"/>
-          <a:chOff x="0" y="0"/>
-          <a:chExt cx="0" cy="0"/>
-        </a:xfrm>
-      </p:grpSpPr>
-      <p:sp>
-        <p:nvSpPr>
-          <p:cNvPr id="11" name="Title 1">
-            <a:extLst>
-              <a:ext uri="{FF2B5EF4-FFF2-40B4-BE49-F238E27FC236}">
-                <a16:creationId xmlns:a16="http://schemas.microsoft.com/office/drawing/2014/main" id="{2391D614-6EEB-4C42-A746-C9FB67E11481}"/>
-              </a:ext>
-            </a:extLst>
-          </p:cNvPr>
-          <p:cNvSpPr>
-            <a:spLocks noGrp="1"/>
-          </p:cNvSpPr>
-          <p:nvPr>
-            <p:ph type="title"/>
-          </p:nvPr>
-        </p:nvSpPr>
-        <p:spPr>
-          <a:xfrm>
-            <a:off x="838199" y="362260"/>
-            <a:ext cx="6304722" cy="637553"/>
-          </a:xfrm>
-        </p:spPr>
-        <p:txBody>
-          <a:bodyPr/>
-          <a:lstStyle/>
-          <a:p>
-            <a:pPr lvl="0" marL="0" indent="0">
-              <a:buNone/>
-            </a:pPr>
-            <a:r>
-              <a:rPr/>
               <a:t>Slide</a:t>
             </a:r>
             <a:r>
@@ -5306,8 +4936,8 @@
           </p:nvPr>
         </p:nvGraphicFramePr>
         <p:xfrm>
-          <a:off x="825500" y="1816100"/>
-          <a:ext cx="10858500" cy="4343400"/>
+          <a:off x="825500" y="1485900"/>
+          <a:ext cx="10858500" cy="4673600"/>
         </p:xfrm>
         <a:graphic>
           <a:graphicData uri="http://schemas.openxmlformats.org/drawingml/2006/table">
@@ -5875,7 +5505,7 @@
 </p:sld>
 </file>
 
-<file path=ppt/slides/slide23.xml><?xml version="1.0" encoding="utf-8"?>
+<file path=ppt/slides/slide2.xml><?xml version="1.0" encoding="utf-8"?>
 <p:sld xmlns:a="http://schemas.openxmlformats.org/drawingml/2006/main" xmlns:r="http://schemas.openxmlformats.org/officeDocument/2006/relationships" xmlns:p="http://schemas.openxmlformats.org/presentationml/2006/main">
   <p:cSld>
     <p:spTree>
@@ -5923,6 +5553,149 @@
             </a:pPr>
             <a:r>
               <a:rPr/>
+              <a:t>Table of Contents</a:t>
+            </a:r>
+          </a:p>
+        </p:txBody>
+      </p:sp>
+      <p:sp>
+        <p:nvSpPr>
+          <p:cNvPr id="12" name="Content Placeholder 2">
+            <a:extLst>
+              <a:ext uri="{FF2B5EF4-FFF2-40B4-BE49-F238E27FC236}">
+                <a16:creationId xmlns:a16="http://schemas.microsoft.com/office/drawing/2014/main" id="{91E23ACD-CC52-4FE4-A28E-15DDE627EE00}"/>
+              </a:ext>
+            </a:extLst>
+          </p:cNvPr>
+          <p:cNvSpPr>
+            <a:spLocks noGrp="1"/>
+          </p:cNvSpPr>
+          <p:nvPr>
+            <p:ph idx="1"/>
+          </p:nvPr>
+        </p:nvSpPr>
+        <p:spPr/>
+        <p:txBody>
+          <a:bodyPr/>
+          <a:lstStyle/>
+          <a:p>
+            <a:pPr lvl="1"/>
+            <a:r>
+              <a:rPr>
+                <a:hlinkClick r:id="rId2" action="ppaction://hlinksldjump"/>
+              </a:rPr>
+              <a:t>个人介绍</a:t>
+            </a:r>
+          </a:p>
+          <a:p>
+            <a:pPr lvl="1"/>
+            <a:r>
+              <a:rPr>
+                <a:hlinkClick r:id="rId3" action="ppaction://hlinksldjump"/>
+              </a:rPr>
+              <a:t>R Markdown是什么?</a:t>
+            </a:r>
+          </a:p>
+          <a:p>
+            <a:pPr lvl="1"/>
+            <a:r>
+              <a:rPr>
+                <a:hlinkClick r:id="rId4" action="ppaction://hlinksldjump"/>
+              </a:rPr>
+              <a:t>学这门课的价值?</a:t>
+            </a:r>
+          </a:p>
+          <a:p>
+            <a:pPr lvl="1"/>
+            <a:r>
+              <a:rPr>
+                <a:hlinkClick r:id="rId5" action="ppaction://hlinksldjump"/>
+              </a:rPr>
+              <a:t>这门课适合谁?</a:t>
+            </a:r>
+          </a:p>
+          <a:p>
+            <a:pPr lvl="1"/>
+            <a:r>
+              <a:rPr>
+                <a:hlinkClick r:id="rId6" action="ppaction://hlinksldjump"/>
+              </a:rPr>
+              <a:t>需要哪些基础?</a:t>
+            </a:r>
+          </a:p>
+          <a:p>
+            <a:pPr lvl="1"/>
+            <a:r>
+              <a:rPr>
+                <a:hlinkClick r:id="rId7" action="ppaction://hlinksldjump"/>
+              </a:rPr>
+              <a:t>Examples</a:t>
+            </a:r>
+          </a:p>
+          <a:p>
+            <a:pPr lvl="1"/>
+            <a:r>
+              <a:rPr>
+                <a:hlinkClick r:id="rId8" action="ppaction://hlinksldjump"/>
+              </a:rPr>
+              <a:t>课后作业</a:t>
+            </a:r>
+          </a:p>
+        </p:txBody>
+      </p:sp>
+    </p:spTree>
+  </p:cSld>
+</p:sld>
+</file>
+
+<file path=ppt/slides/slide20.xml><?xml version="1.0" encoding="utf-8"?>
+<p:sld xmlns:a="http://schemas.openxmlformats.org/drawingml/2006/main" xmlns:r="http://schemas.openxmlformats.org/officeDocument/2006/relationships" xmlns:p="http://schemas.openxmlformats.org/presentationml/2006/main">
+  <p:cSld>
+    <p:spTree>
+      <p:nvGrpSpPr>
+        <p:cNvPr id="1" name=""/>
+        <p:cNvGrpSpPr/>
+        <p:nvPr/>
+      </p:nvGrpSpPr>
+      <p:grpSpPr>
+        <a:xfrm>
+          <a:off x="0" y="0"/>
+          <a:ext cx="0" cy="0"/>
+          <a:chOff x="0" y="0"/>
+          <a:chExt cx="0" cy="0"/>
+        </a:xfrm>
+      </p:grpSpPr>
+      <p:sp>
+        <p:nvSpPr>
+          <p:cNvPr id="11" name="Title 1">
+            <a:extLst>
+              <a:ext uri="{FF2B5EF4-FFF2-40B4-BE49-F238E27FC236}">
+                <a16:creationId xmlns:a16="http://schemas.microsoft.com/office/drawing/2014/main" id="{2391D614-6EEB-4C42-A746-C9FB67E11481}"/>
+              </a:ext>
+            </a:extLst>
+          </p:cNvPr>
+          <p:cNvSpPr>
+            <a:spLocks noGrp="1"/>
+          </p:cNvSpPr>
+          <p:nvPr>
+            <p:ph type="title"/>
+          </p:nvPr>
+        </p:nvSpPr>
+        <p:spPr>
+          <a:xfrm>
+            <a:off x="838199" y="362260"/>
+            <a:ext cx="6304722" cy="637553"/>
+          </a:xfrm>
+        </p:spPr>
+        <p:txBody>
+          <a:bodyPr/>
+          <a:lstStyle/>
+          <a:p>
+            <a:pPr lvl="0" marL="0" indent="0">
+              <a:buNone/>
+            </a:pPr>
+            <a:r>
+              <a:rPr/>
               <a:t>python</a:t>
             </a:r>
             <a:r>
@@ -5952,8 +5725,8 @@
         </p:blipFill>
         <p:spPr bwMode="auto">
           <a:xfrm>
-            <a:off x="3543300" y="1816100"/>
-            <a:ext cx="5435600" cy="4343400"/>
+            <a:off x="3327400" y="1485900"/>
+            <a:ext cx="5842000" cy="4673600"/>
           </a:xfrm>
           <a:prstGeom prst="rect">
             <a:avLst/>
@@ -5971,7 +5744,7 @@
 </p:sld>
 </file>
 
-<file path=ppt/slides/slide24.xml><?xml version="1.0" encoding="utf-8"?>
+<file path=ppt/slides/slide21.xml><?xml version="1.0" encoding="utf-8"?>
 <p:sld xmlns:a="http://schemas.openxmlformats.org/drawingml/2006/main" xmlns:r="http://schemas.openxmlformats.org/officeDocument/2006/relationships" xmlns:p="http://schemas.openxmlformats.org/presentationml/2006/main">
   <p:cSld>
     <p:spTree>
@@ -6023,7 +5796,7 @@
 </p:sld>
 </file>
 
-<file path=ppt/slides/slide25.xml><?xml version="1.0" encoding="utf-8"?>
+<file path=ppt/slides/slide22.xml><?xml version="1.0" encoding="utf-8"?>
 <p:sld xmlns:a="http://schemas.openxmlformats.org/drawingml/2006/main" xmlns:r="http://schemas.openxmlformats.org/officeDocument/2006/relationships" xmlns:p="http://schemas.openxmlformats.org/presentationml/2006/main">
   <p:cSld>
     <p:spTree>
@@ -6696,7 +6469,14 @@
             </a:pPr>
             <a:r>
               <a:rPr/>
-              <a:t>R Markdown是利用Rstudio将文字和数据进行展示的全能选手。</a:t>
+              <a:t>R Markdown是利用Rstudio进行科技写作的全能选手</a:t>
+            </a:r>
+          </a:p>
+          <a:p>
+            <a:pPr lvl="1"/>
+            <a:r>
+              <a:rPr/>
+              <a:t>本课程专注于学术写作</a:t>
             </a:r>
           </a:p>
           <a:p>
@@ -6705,7 +6485,14 @@
             </a:pPr>
             <a:r>
               <a:rPr/>
-              <a:t>本课程专注于学术写作。</a:t>
+              <a:t>R Markdown的文档能够完全重现</a:t>
+            </a:r>
+          </a:p>
+          <a:p>
+            <a:pPr lvl="1"/>
+            <a:r>
+              <a:rPr/>
+              <a:t>R Markdown documents are fully reproducible.</a:t>
             </a:r>
           </a:p>
           <a:p>
@@ -6714,7 +6501,14 @@
             </a:pPr>
             <a:r>
               <a:rPr/>
-              <a:t>R Markdown documents are fully reproducible.</a:t>
+              <a:t>可以把文本+代码优雅的输出成你需要的格式</a:t>
+            </a:r>
+          </a:p>
+          <a:p>
+            <a:pPr lvl="1"/>
+            <a:r>
+              <a:rPr/>
+              <a:t>Use a productive notebook interface to weave together narrative text and code to produce elegantly formatted output.</a:t>
             </a:r>
           </a:p>
           <a:p>
@@ -6723,13 +6517,11 @@
             </a:pPr>
             <a:r>
               <a:rPr/>
-              <a:t>Use a productive notebook interface to weave together narrative text and code to produce elegantly formatted output.</a:t>
-            </a:r>
-          </a:p>
-          <a:p>
-            <a:pPr lvl="0" marL="0" indent="0">
-              <a:buNone/>
-            </a:pPr>
+              <a:t>支持多种程序语言，包括R，python，SQL等</a:t>
+            </a:r>
+          </a:p>
+          <a:p>
+            <a:pPr lvl="1"/>
             <a:r>
               <a:rPr/>
               <a:t>Use multiple languages including R, Python, and SQL.</a:t>
@@ -6946,24 +6738,18 @@
       </p:grpSpPr>
       <p:sp>
         <p:nvSpPr>
-          <p:cNvPr id="11" name="Title 1">
-            <a:extLst>
-              <a:ext uri="{FF2B5EF4-FFF2-40B4-BE49-F238E27FC236}">
-                <a16:creationId xmlns:a16="http://schemas.microsoft.com/office/drawing/2014/main" id="{2391D614-6EEB-4C42-A746-C9FB67E11481}"/>
-              </a:ext>
-            </a:extLst>
-          </p:cNvPr>
-          <p:cNvSpPr>
-            <a:spLocks noGrp="1"/>
-          </p:cNvSpPr>
-          <p:nvPr>
-            <p:ph type="title"/>
+          <p:cNvPr id="7" name="Title 1"/>
+          <p:cNvSpPr>
+            <a:spLocks noGrp="1"/>
+          </p:cNvSpPr>
+          <p:nvPr>
+            <p:ph type="ctrTitle"/>
           </p:nvPr>
         </p:nvSpPr>
         <p:spPr>
           <a:xfrm>
-            <a:off x="838199" y="362260"/>
-            <a:ext cx="6304722" cy="637553"/>
+            <a:off x="1783577" y="4036880"/>
+            <a:ext cx="8463639" cy="862715"/>
           </a:xfrm>
         </p:spPr>
         <p:txBody>
@@ -6975,83 +6761,7 @@
             </a:pPr>
             <a:r>
               <a:rPr/>
-              <a:t>R</a:t>
-            </a:r>
-            <a:r>
-              <a:rPr/>
-              <a:t> </a:t>
-            </a:r>
-            <a:r>
-              <a:rPr/>
-              <a:t>Markdown</a:t>
-            </a:r>
-            <a:r>
-              <a:rPr/>
-              <a:t> </a:t>
-            </a:r>
-            <a:r>
-              <a:rPr/>
-              <a:t>workflow</a:t>
-            </a:r>
-          </a:p>
-        </p:txBody>
-      </p:sp>
-      <p:pic>
-        <p:nvPicPr>
-          <p:cNvPr descr="workflow.png" id="0" name="Picture 1"/>
-          <p:cNvPicPr>
-            <a:picLocks noGrp="1" noChangeAspect="1"/>
-          </p:cNvPicPr>
-          <p:nvPr/>
-        </p:nvPicPr>
-        <p:blipFill>
-          <a:blip r:embed="rId2"/>
-          <a:stretch>
-            <a:fillRect/>
-          </a:stretch>
-        </p:blipFill>
-        <p:spPr bwMode="auto">
-          <a:xfrm>
-            <a:off x="1549400" y="1816100"/>
-            <a:ext cx="9398000" cy="3835400"/>
-          </a:xfrm>
-          <a:prstGeom prst="rect">
-            <a:avLst/>
-          </a:prstGeom>
-          <a:noFill/>
-          <a:ln w="9525">
-            <a:noFill/>
-            <a:headEnd/>
-            <a:tailEnd/>
-          </a:ln>
-        </p:spPr>
-      </p:pic>
-      <p:sp>
-        <p:nvSpPr>
-          <p:cNvPr id="1" name="TextBox 3"/>
-          <p:cNvSpPr txBox="1"/>
-          <p:nvPr/>
-        </p:nvSpPr>
-        <p:spPr>
-          <a:xfrm>
-            <a:off x="825500" y="5651500"/>
-            <a:ext cx="10858500" cy="508000"/>
-          </a:xfrm>
-          <a:prstGeom prst="rect">
-            <a:avLst/>
-          </a:prstGeom>
-          <a:noFill/>
-        </p:spPr>
-        <p:txBody>
-          <a:bodyPr/>
-          <a:lstStyle/>
-          <a:p>
-            <a:pPr lvl="0" marL="0" indent="0" algn="ctr">
-              <a:buNone/>
-            </a:pPr>
-            <a:r>
-              <a:rPr/>
-              <a:t>workflow</a:t>
+              <a:t>学这门课的价值?</a:t>
             </a:r>
           </a:p>
         </p:txBody>
@@ -7069,7 +6779,7 @@
         <a:sysClr val="windowText" lastClr="000000"/>
       </a:dk1>
       <a:lt1>
-        <a:sysClr val="window" lastClr="CCE8CF"/>
+        <a:sysClr val="window" lastClr="FFFFFF"/>
       </a:lt1>
       <a:dk2>
         <a:srgbClr val="1296DB"/>

--- a/slides/00.Introduction/00-Intro.pptx
+++ b/slides/00.Introduction/00-Intro.pptx
@@ -3958,7 +3958,7 @@
       </p:sp>
       <p:pic>
         <p:nvPicPr>
-          <p:cNvPr descr="workflow.png" id="0" name="Picture 1"/>
+          <p:cNvPr descr="images/workflow.png" id="0" name="Picture 1"/>
           <p:cNvPicPr>
             <a:picLocks noGrp="1" noChangeAspect="1"/>
           </p:cNvPicPr>
@@ -5875,7 +5875,7 @@
             </a:pPr>
             <a:r>
               <a:rPr/>
-              <a:t>尝试用你自己的ppt模板生成pptx</a:t>
+              <a:t>尝试用我提供的ppt模板(template.pptx)生成pptx，可以替换头像，修改名字</a:t>
             </a:r>
           </a:p>
           <a:p>
@@ -6052,7 +6052,7 @@
       </p:sp>
       <p:pic>
         <p:nvPicPr>
-          <p:cNvPr descr="avatar.jpg" id="0" name="Picture 1"/>
+          <p:cNvPr descr="images/avatar.jpg" id="0" name="Picture 1"/>
           <p:cNvPicPr>
             <a:picLocks noGrp="1" noChangeAspect="1"/>
           </p:cNvPicPr>
@@ -6616,7 +6616,7 @@
       </p:sp>
       <p:pic>
         <p:nvPicPr>
-          <p:cNvPr descr="outputformats.png" id="0" name="Picture 1"/>
+          <p:cNvPr descr="images/outputformats.png" id="0" name="Picture 1"/>
           <p:cNvPicPr>
             <a:picLocks noGrp="1" noChangeAspect="1"/>
           </p:cNvPicPr>

--- a/slides/00.Introduction/00-Intro.pptx
+++ b/slides/00.Introduction/00-Intro.pptx
@@ -187,7 +187,7 @@
             <a:fld id="{ECD19FB2-3AAB-4D03-B13A-2960828C78E3}" type="datetimeFigureOut">
               <a:rPr lang="en-US" smtClean="0"/>
               <a:pPr/>
-              <a:t>3/10/2021</a:t>
+              <a:t>4/5/2021</a:t>
             </a:fld>
             <a:endParaRPr lang="en-US" dirty="0"/>
           </a:p>
@@ -881,7 +881,7 @@
             <a:fld id="{99916976-5D93-46E4-A98A-FAD63E4D0EA8}" type="datetimeFigureOut">
               <a:rPr lang="en-US" smtClean="0"/>
               <a:pPr/>
-              <a:t>3/10/2021</a:t>
+              <a:t>4/5/2021</a:t>
             </a:fld>
             <a:endParaRPr lang="en-US" dirty="0"/>
           </a:p>
@@ -945,8 +945,8 @@
         </p:nvSpPr>
         <p:spPr>
           <a:xfrm>
-            <a:off x="838199" y="362260"/>
-            <a:ext cx="6304722" cy="637553"/>
+            <a:off x="838198" y="362260"/>
+            <a:ext cx="8486957" cy="637553"/>
           </a:xfrm>
         </p:spPr>
         <p:txBody>
@@ -1549,8 +1549,8 @@
         </p:nvSpPr>
         <p:spPr>
           <a:xfrm>
-            <a:off x="670057" y="1640114"/>
-            <a:ext cx="4773211" cy="4577217"/>
+            <a:off x="670057" y="1526876"/>
+            <a:ext cx="4805129" cy="4690456"/>
           </a:xfrm>
           <a:ln>
             <a:noFill/>
@@ -1680,8 +1680,8 @@
         </p:nvSpPr>
         <p:spPr>
           <a:xfrm>
-            <a:off x="5658928" y="1640114"/>
-            <a:ext cx="6050471" cy="4536849"/>
+            <a:off x="5848709" y="1526874"/>
+            <a:ext cx="5860690" cy="4690456"/>
           </a:xfrm>
         </p:spPr>
         <p:txBody>
@@ -1832,7 +1832,7 @@
           <a:p>
             <a:fld id="{D23BC6CE-6D1E-47E5-8859-F31AC5380EB2}" type="datetimeFigureOut">
               <a:rPr lang="en-US" dirty="0"/>
-              <a:t>3/10/2021</a:t>
+              <a:t>4/5/2021</a:t>
             </a:fld>
             <a:endParaRPr lang="en-US" dirty="0"/>
           </a:p>
@@ -1955,8 +1955,8 @@
         </p:nvSpPr>
         <p:spPr>
           <a:xfrm rot="5400000">
-            <a:off x="3196568" y="3963000"/>
-            <a:ext cx="4716235" cy="70463"/>
+            <a:off x="3309221" y="3849243"/>
+            <a:ext cx="4690456" cy="45719"/>
           </a:xfrm>
           <a:prstGeom prst="rect">
             <a:avLst/>
@@ -3376,7 +3376,7 @@
           <a:p>
             <a:fld id="{51CF1133-3259-4C45-BABA-5B62D9C6F78D}" type="datetimeFigureOut">
               <a:rPr lang="en-US" dirty="0"/>
-              <a:t>3/10/2021</a:t>
+              <a:t>4/5/2021</a:t>
             </a:fld>
             <a:endParaRPr lang="en-US" dirty="0"/>
           </a:p>
@@ -3801,7 +3801,7 @@
             </a:pPr>
             <a:r>
               <a:rPr/>
-              <a:t>R</a:t>
+              <a:t>00-R</a:t>
             </a:r>
             <a:r>
               <a:rPr/>
@@ -3809,7 +3809,7 @@
             </a:r>
             <a:r>
               <a:rPr/>
-              <a:t>Markdown学术写作教程</a:t>
+              <a:t>Markdown学术写作热身</a:t>
             </a:r>
           </a:p>
         </p:txBody>
@@ -3922,8 +3922,8 @@
         </p:nvSpPr>
         <p:spPr>
           <a:xfrm>
-            <a:off x="838199" y="362260"/>
-            <a:ext cx="6304722" cy="637553"/>
+            <a:off x="838198" y="362260"/>
+            <a:ext cx="8486957" cy="637553"/>
           </a:xfrm>
         </p:spPr>
         <p:txBody>
@@ -4064,8 +4064,8 @@
         </p:nvSpPr>
         <p:spPr>
           <a:xfrm>
-            <a:off x="838199" y="362260"/>
-            <a:ext cx="6304722" cy="637553"/>
+            <a:off x="838198" y="362260"/>
+            <a:ext cx="8486957" cy="637553"/>
           </a:xfrm>
         </p:spPr>
         <p:txBody>
@@ -4270,8 +4270,8 @@
         </p:nvSpPr>
         <p:spPr>
           <a:xfrm>
-            <a:off x="838199" y="362260"/>
-            <a:ext cx="6304722" cy="637553"/>
+            <a:off x="838198" y="362260"/>
+            <a:ext cx="8486957" cy="637553"/>
           </a:xfrm>
         </p:spPr>
         <p:txBody>
@@ -4646,8 +4646,8 @@
         </p:nvSpPr>
         <p:spPr>
           <a:xfrm>
-            <a:off x="838199" y="362260"/>
-            <a:ext cx="6304722" cy="637553"/>
+            <a:off x="838198" y="362260"/>
+            <a:ext cx="8486957" cy="637553"/>
           </a:xfrm>
         </p:spPr>
         <p:txBody>
@@ -4787,8 +4787,8 @@
         </p:nvSpPr>
         <p:spPr>
           <a:xfrm>
-            <a:off x="838199" y="362260"/>
-            <a:ext cx="6304722" cy="637553"/>
+            <a:off x="838198" y="362260"/>
+            <a:ext cx="8486957" cy="637553"/>
           </a:xfrm>
         </p:spPr>
         <p:txBody>
@@ -4891,8 +4891,8 @@
         </p:nvSpPr>
         <p:spPr>
           <a:xfrm>
-            <a:off x="838199" y="362260"/>
-            <a:ext cx="6304722" cy="637553"/>
+            <a:off x="838198" y="362260"/>
+            <a:ext cx="8486957" cy="637553"/>
           </a:xfrm>
         </p:spPr>
         <p:txBody>
@@ -5540,8 +5540,8 @@
         </p:nvSpPr>
         <p:spPr>
           <a:xfrm>
-            <a:off x="838199" y="362260"/>
-            <a:ext cx="6304722" cy="637553"/>
+            <a:off x="838198" y="362260"/>
+            <a:ext cx="8486957" cy="637553"/>
           </a:xfrm>
         </p:spPr>
         <p:txBody>
@@ -5683,8 +5683,8 @@
         </p:nvSpPr>
         <p:spPr>
           <a:xfrm>
-            <a:off x="838199" y="362260"/>
-            <a:ext cx="6304722" cy="637553"/>
+            <a:off x="838198" y="362260"/>
+            <a:ext cx="8486957" cy="637553"/>
           </a:xfrm>
         </p:spPr>
         <p:txBody>
@@ -5831,8 +5831,8 @@
         </p:nvSpPr>
         <p:spPr>
           <a:xfrm>
-            <a:off x="838199" y="362260"/>
-            <a:ext cx="6304722" cy="637553"/>
+            <a:off x="838198" y="362260"/>
+            <a:ext cx="8486957" cy="637553"/>
           </a:xfrm>
         </p:spPr>
         <p:txBody>
@@ -6066,8 +6066,8 @@
         </p:blipFill>
         <p:spPr bwMode="auto">
           <a:xfrm>
-            <a:off x="1587500" y="1638300"/>
-            <a:ext cx="2908300" cy="4064000"/>
+            <a:off x="1574800" y="1524000"/>
+            <a:ext cx="2984500" cy="4178300"/>
           </a:xfrm>
           <a:prstGeom prst="rect">
             <a:avLst/>
@@ -6089,7 +6089,7 @@
         <p:spPr>
           <a:xfrm>
             <a:off x="660400" y="5702300"/>
-            <a:ext cx="4762500" cy="508000"/>
+            <a:ext cx="4800600" cy="508000"/>
           </a:xfrm>
           <a:prstGeom prst="rect">
             <a:avLst/>
@@ -6228,8 +6228,8 @@
         </p:nvSpPr>
         <p:spPr>
           <a:xfrm>
-            <a:off x="838199" y="362260"/>
-            <a:ext cx="6304722" cy="637553"/>
+            <a:off x="838198" y="362260"/>
+            <a:ext cx="8486957" cy="637553"/>
           </a:xfrm>
         </p:spPr>
         <p:txBody>
@@ -6417,8 +6417,8 @@
         </p:nvSpPr>
         <p:spPr>
           <a:xfrm>
-            <a:off x="838199" y="362260"/>
-            <a:ext cx="6304722" cy="637553"/>
+            <a:off x="838198" y="362260"/>
+            <a:ext cx="8486957" cy="637553"/>
           </a:xfrm>
         </p:spPr>
         <p:txBody>
@@ -6630,8 +6630,8 @@
         </p:blipFill>
         <p:spPr bwMode="auto">
           <a:xfrm>
-            <a:off x="1028700" y="1638300"/>
-            <a:ext cx="4038600" cy="4064000"/>
+            <a:off x="990600" y="1524000"/>
+            <a:ext cx="4152900" cy="4178300"/>
           </a:xfrm>
           <a:prstGeom prst="rect">
             <a:avLst/>
@@ -6653,7 +6653,7 @@
         <p:spPr>
           <a:xfrm>
             <a:off x="660400" y="5702300"/>
-            <a:ext cx="4762500" cy="508000"/>
+            <a:ext cx="4800600" cy="508000"/>
           </a:xfrm>
           <a:prstGeom prst="rect">
             <a:avLst/>
@@ -6779,7 +6779,7 @@
         <a:sysClr val="windowText" lastClr="000000"/>
       </a:dk1>
       <a:lt1>
-        <a:sysClr val="window" lastClr="FFFFFF"/>
+        <a:sysClr val="window" lastClr="CCE8CF"/>
       </a:lt1>
       <a:dk2>
         <a:srgbClr val="1296DB"/>

--- a/slides/00.Introduction/00-Intro.pptx
+++ b/slides/00.Introduction/00-Intro.pptx
@@ -173,6 +173,9 @@
             <a:off x="838201" y="6185060"/>
             <a:ext cx="2743200" cy="365125"/>
           </a:xfrm>
+          <a:prstGeom prst="rect">
+            <a:avLst/>
+          </a:prstGeom>
         </p:spPr>
         <p:txBody>
           <a:bodyPr/>
@@ -187,7 +190,7 @@
             <a:fld id="{ECD19FB2-3AAB-4D03-B13A-2960828C78E3}" type="datetimeFigureOut">
               <a:rPr lang="en-US" smtClean="0"/>
               <a:pPr/>
-              <a:t>4/5/2021</a:t>
+              <a:t>7/8/2021</a:t>
             </a:fld>
             <a:endParaRPr lang="en-US" dirty="0"/>
           </a:p>
@@ -208,6 +211,9 @@
             <a:off x="8610601" y="6184326"/>
             <a:ext cx="2743200" cy="365125"/>
           </a:xfrm>
+          <a:prstGeom prst="rect">
+            <a:avLst/>
+          </a:prstGeom>
         </p:spPr>
         <p:txBody>
           <a:bodyPr/>
@@ -347,7 +353,7 @@
                   <a:schemeClr val="tx1"/>
                 </a:solidFill>
                 <a:effectLst/>
-                <a:latin typeface="微软雅黑" panose="020B0503020204020204" pitchFamily="34" charset="-122"/>
+                <a:latin typeface="Univers" panose="020B0503020202020204" pitchFamily="34" charset="0"/>
                 <a:ea typeface="微软雅黑" panose="020B0503020204020204" pitchFamily="34" charset="-122"/>
               </a:defRPr>
             </a:lvl1pPr>
@@ -396,7 +402,7 @@
                 <a:solidFill>
                   <a:schemeClr val="tx1"/>
                 </a:solidFill>
-                <a:latin typeface="微软雅黑" panose="020B0503020204020204" pitchFamily="34" charset="-122"/>
+                <a:latin typeface="Univers" panose="020B0503020202020204" pitchFamily="34" charset="0"/>
                 <a:ea typeface="微软雅黑" panose="020B0503020204020204" pitchFamily="34" charset="-122"/>
               </a:defRPr>
             </a:lvl1pPr>
@@ -435,364 +441,13 @@
           </a:lstStyle>
           <a:p>
             <a:r>
-              <a:rPr lang="en-US"/>
+              <a:rPr lang="en-US" dirty="0"/>
               <a:t>Click to edit Master subtitle style</a:t>
             </a:r>
-            <a:endParaRPr lang="en-US" dirty="0"/>
           </a:p>
         </p:txBody>
       </p:sp>
     </p:spTree>
-  </p:cSld>
-  <p:clrMapOvr>
-    <a:masterClrMapping/>
-  </p:clrMapOvr>
-</p:sldLayout>
-</file>
-
-<file path=ppt/slideLayouts/slideLayout10.xml><?xml version="1.0" encoding="utf-8"?>
-<p:sldLayout xmlns:a="http://schemas.openxmlformats.org/drawingml/2006/main" xmlns:r="http://schemas.openxmlformats.org/officeDocument/2006/relationships" xmlns:p="http://schemas.openxmlformats.org/presentationml/2006/main" type="vertTx" preserve="1">
-  <p:cSld name="Title and Vertical Text">
-    <p:spTree>
-      <p:nvGrpSpPr>
-        <p:cNvPr id="1" name=""/>
-        <p:cNvGrpSpPr/>
-        <p:nvPr/>
-      </p:nvGrpSpPr>
-      <p:grpSpPr>
-        <a:xfrm>
-          <a:off x="0" y="0"/>
-          <a:ext cx="0" cy="0"/>
-          <a:chOff x="0" y="0"/>
-          <a:chExt cx="0" cy="0"/>
-        </a:xfrm>
-      </p:grpSpPr>
-      <p:sp>
-        <p:nvSpPr>
-          <p:cNvPr id="2" name="Title 1"/>
-          <p:cNvSpPr>
-            <a:spLocks noGrp="1"/>
-          </p:cNvSpPr>
-          <p:nvPr>
-            <p:ph type="title"/>
-          </p:nvPr>
-        </p:nvSpPr>
-        <p:spPr/>
-        <p:txBody>
-          <a:bodyPr/>
-          <a:lstStyle/>
-          <a:p>
-            <a:r>
-              <a:rPr lang="en-US" smtClean="0"/>
-              <a:t>Click to edit Master title style</a:t>
-            </a:r>
-            <a:endParaRPr lang="en-US"/>
-          </a:p>
-        </p:txBody>
-      </p:sp>
-      <p:sp>
-        <p:nvSpPr>
-          <p:cNvPr id="3" name="Vertical Text Placeholder 2"/>
-          <p:cNvSpPr>
-            <a:spLocks noGrp="1"/>
-          </p:cNvSpPr>
-          <p:nvPr>
-            <p:ph type="body" orient="vert" idx="1"/>
-          </p:nvPr>
-        </p:nvSpPr>
-        <p:spPr/>
-        <p:txBody>
-          <a:bodyPr vert="eaVert"/>
-          <a:lstStyle/>
-          <a:p>
-            <a:pPr lvl="0"/>
-            <a:r>
-              <a:rPr lang="en-US" smtClean="0"/>
-              <a:t>Click to edit Master text styles</a:t>
-            </a:r>
-          </a:p>
-          <a:p>
-            <a:pPr lvl="1"/>
-            <a:r>
-              <a:rPr lang="en-US" smtClean="0"/>
-              <a:t>Second level</a:t>
-            </a:r>
-          </a:p>
-          <a:p>
-            <a:pPr lvl="2"/>
-            <a:r>
-              <a:rPr lang="en-US" smtClean="0"/>
-              <a:t>Third level</a:t>
-            </a:r>
-          </a:p>
-          <a:p>
-            <a:pPr lvl="3"/>
-            <a:r>
-              <a:rPr lang="en-US" smtClean="0"/>
-              <a:t>Fourth level</a:t>
-            </a:r>
-          </a:p>
-          <a:p>
-            <a:pPr lvl="4"/>
-            <a:r>
-              <a:rPr lang="en-US" smtClean="0"/>
-              <a:t>Fifth level</a:t>
-            </a:r>
-            <a:endParaRPr lang="en-US"/>
-          </a:p>
-        </p:txBody>
-      </p:sp>
-      <p:sp>
-        <p:nvSpPr>
-          <p:cNvPr id="4" name="Date Placeholder 3"/>
-          <p:cNvSpPr>
-            <a:spLocks noGrp="1"/>
-          </p:cNvSpPr>
-          <p:nvPr>
-            <p:ph type="dt" sz="half" idx="10"/>
-          </p:nvPr>
-        </p:nvSpPr>
-        <p:spPr/>
-        <p:txBody>
-          <a:bodyPr/>
-          <a:lstStyle/>
-          <a:p>
-            <a:fld id="{241EB5C9-1307-BA42-ABA2-0BC069CD8E7F}" type="datetimeFigureOut">
-              <a:rPr lang="en-US" smtClean="0"/>
-              <a:t>4/5/2019</a:t>
-            </a:fld>
-            <a:endParaRPr lang="en-US"/>
-          </a:p>
-        </p:txBody>
-      </p:sp>
-      <p:sp>
-        <p:nvSpPr>
-          <p:cNvPr id="5" name="Footer Placeholder 4"/>
-          <p:cNvSpPr>
-            <a:spLocks noGrp="1"/>
-          </p:cNvSpPr>
-          <p:nvPr>
-            <p:ph type="ftr" sz="quarter" idx="11"/>
-          </p:nvPr>
-        </p:nvSpPr>
-        <p:spPr/>
-        <p:txBody>
-          <a:bodyPr/>
-          <a:lstStyle/>
-          <a:p>
-            <a:endParaRPr lang="en-US"/>
-          </a:p>
-        </p:txBody>
-      </p:sp>
-      <p:sp>
-        <p:nvSpPr>
-          <p:cNvPr id="6" name="Slide Number Placeholder 5"/>
-          <p:cNvSpPr>
-            <a:spLocks noGrp="1"/>
-          </p:cNvSpPr>
-          <p:nvPr>
-            <p:ph type="sldNum" sz="quarter" idx="12"/>
-          </p:nvPr>
-        </p:nvSpPr>
-        <p:spPr/>
-        <p:txBody>
-          <a:bodyPr/>
-          <a:lstStyle/>
-          <a:p>
-            <a:fld id="{C5EF2332-01BF-834F-8236-50238282D533}" type="slidenum">
-              <a:rPr lang="en-US" smtClean="0"/>
-              <a:t>‹#›</a:t>
-            </a:fld>
-            <a:endParaRPr lang="en-US"/>
-          </a:p>
-        </p:txBody>
-      </p:sp>
-    </p:spTree>
-    <p:extLst>
-      <p:ext uri="{BB962C8B-B14F-4D97-AF65-F5344CB8AC3E}">
-        <p14:creationId xmlns:p14="http://schemas.microsoft.com/office/powerpoint/2010/main" val="313914798"/>
-      </p:ext>
-    </p:extLst>
-  </p:cSld>
-  <p:clrMapOvr>
-    <a:masterClrMapping/>
-  </p:clrMapOvr>
-</p:sldLayout>
-</file>
-
-<file path=ppt/slideLayouts/slideLayout11.xml><?xml version="1.0" encoding="utf-8"?>
-<p:sldLayout xmlns:a="http://schemas.openxmlformats.org/drawingml/2006/main" xmlns:r="http://schemas.openxmlformats.org/officeDocument/2006/relationships" xmlns:p="http://schemas.openxmlformats.org/presentationml/2006/main" type="vertTitleAndTx" preserve="1">
-  <p:cSld name="Vertical Title and Text">
-    <p:spTree>
-      <p:nvGrpSpPr>
-        <p:cNvPr id="1" name=""/>
-        <p:cNvGrpSpPr/>
-        <p:nvPr/>
-      </p:nvGrpSpPr>
-      <p:grpSpPr>
-        <a:xfrm>
-          <a:off x="0" y="0"/>
-          <a:ext cx="0" cy="0"/>
-          <a:chOff x="0" y="0"/>
-          <a:chExt cx="0" cy="0"/>
-        </a:xfrm>
-      </p:grpSpPr>
-      <p:sp>
-        <p:nvSpPr>
-          <p:cNvPr id="2" name="Vertical Title 1"/>
-          <p:cNvSpPr>
-            <a:spLocks noGrp="1"/>
-          </p:cNvSpPr>
-          <p:nvPr>
-            <p:ph type="title" orient="vert"/>
-          </p:nvPr>
-        </p:nvSpPr>
-        <p:spPr>
-          <a:xfrm>
-            <a:off x="6629400" y="274638"/>
-            <a:ext cx="2057400" cy="5851525"/>
-          </a:xfrm>
-        </p:spPr>
-        <p:txBody>
-          <a:bodyPr vert="eaVert"/>
-          <a:lstStyle/>
-          <a:p>
-            <a:r>
-              <a:rPr lang="en-US" smtClean="0"/>
-              <a:t>Click to edit Master title style</a:t>
-            </a:r>
-            <a:endParaRPr lang="en-US"/>
-          </a:p>
-        </p:txBody>
-      </p:sp>
-      <p:sp>
-        <p:nvSpPr>
-          <p:cNvPr id="3" name="Vertical Text Placeholder 2"/>
-          <p:cNvSpPr>
-            <a:spLocks noGrp="1"/>
-          </p:cNvSpPr>
-          <p:nvPr>
-            <p:ph type="body" orient="vert" idx="1"/>
-          </p:nvPr>
-        </p:nvSpPr>
-        <p:spPr>
-          <a:xfrm>
-            <a:off x="457200" y="274638"/>
-            <a:ext cx="6019800" cy="5851525"/>
-          </a:xfrm>
-        </p:spPr>
-        <p:txBody>
-          <a:bodyPr vert="eaVert"/>
-          <a:lstStyle/>
-          <a:p>
-            <a:pPr lvl="0"/>
-            <a:r>
-              <a:rPr lang="en-US" smtClean="0"/>
-              <a:t>Click to edit Master text styles</a:t>
-            </a:r>
-          </a:p>
-          <a:p>
-            <a:pPr lvl="1"/>
-            <a:r>
-              <a:rPr lang="en-US" smtClean="0"/>
-              <a:t>Second level</a:t>
-            </a:r>
-          </a:p>
-          <a:p>
-            <a:pPr lvl="2"/>
-            <a:r>
-              <a:rPr lang="en-US" smtClean="0"/>
-              <a:t>Third level</a:t>
-            </a:r>
-          </a:p>
-          <a:p>
-            <a:pPr lvl="3"/>
-            <a:r>
-              <a:rPr lang="en-US" smtClean="0"/>
-              <a:t>Fourth level</a:t>
-            </a:r>
-          </a:p>
-          <a:p>
-            <a:pPr lvl="4"/>
-            <a:r>
-              <a:rPr lang="en-US" smtClean="0"/>
-              <a:t>Fifth level</a:t>
-            </a:r>
-            <a:endParaRPr lang="en-US"/>
-          </a:p>
-        </p:txBody>
-      </p:sp>
-      <p:sp>
-        <p:nvSpPr>
-          <p:cNvPr id="4" name="Date Placeholder 3"/>
-          <p:cNvSpPr>
-            <a:spLocks noGrp="1"/>
-          </p:cNvSpPr>
-          <p:nvPr>
-            <p:ph type="dt" sz="half" idx="10"/>
-          </p:nvPr>
-        </p:nvSpPr>
-        <p:spPr/>
-        <p:txBody>
-          <a:bodyPr/>
-          <a:lstStyle/>
-          <a:p>
-            <a:fld id="{241EB5C9-1307-BA42-ABA2-0BC069CD8E7F}" type="datetimeFigureOut">
-              <a:rPr lang="en-US" smtClean="0"/>
-              <a:t>4/5/2019</a:t>
-            </a:fld>
-            <a:endParaRPr lang="en-US"/>
-          </a:p>
-        </p:txBody>
-      </p:sp>
-      <p:sp>
-        <p:nvSpPr>
-          <p:cNvPr id="5" name="Footer Placeholder 4"/>
-          <p:cNvSpPr>
-            <a:spLocks noGrp="1"/>
-          </p:cNvSpPr>
-          <p:nvPr>
-            <p:ph type="ftr" sz="quarter" idx="11"/>
-          </p:nvPr>
-        </p:nvSpPr>
-        <p:spPr/>
-        <p:txBody>
-          <a:bodyPr/>
-          <a:lstStyle/>
-          <a:p>
-            <a:endParaRPr lang="en-US"/>
-          </a:p>
-        </p:txBody>
-      </p:sp>
-      <p:sp>
-        <p:nvSpPr>
-          <p:cNvPr id="6" name="Slide Number Placeholder 5"/>
-          <p:cNvSpPr>
-            <a:spLocks noGrp="1"/>
-          </p:cNvSpPr>
-          <p:nvPr>
-            <p:ph type="sldNum" sz="quarter" idx="12"/>
-          </p:nvPr>
-        </p:nvSpPr>
-        <p:spPr/>
-        <p:txBody>
-          <a:bodyPr/>
-          <a:lstStyle/>
-          <a:p>
-            <a:fld id="{C5EF2332-01BF-834F-8236-50238282D533}" type="slidenum">
-              <a:rPr lang="en-US" smtClean="0"/>
-              <a:t>‹#›</a:t>
-            </a:fld>
-            <a:endParaRPr lang="en-US"/>
-          </a:p>
-        </p:txBody>
-      </p:sp>
-    </p:spTree>
-    <p:extLst>
-      <p:ext uri="{BB962C8B-B14F-4D97-AF65-F5344CB8AC3E}">
-        <p14:creationId xmlns:p14="http://schemas.microsoft.com/office/powerpoint/2010/main" val="2581529045"/>
-      </p:ext>
-    </p:extLst>
   </p:cSld>
   <p:clrMapOvr>
     <a:masterClrMapping/>
@@ -854,81 +509,6 @@
       </p:pic>
       <p:sp>
         <p:nvSpPr>
-          <p:cNvPr id="4" name="Date Placeholder 3"/>
-          <p:cNvSpPr>
-            <a:spLocks noGrp="1"/>
-          </p:cNvSpPr>
-          <p:nvPr>
-            <p:ph type="dt" sz="half" idx="10"/>
-          </p:nvPr>
-        </p:nvSpPr>
-        <p:spPr/>
-        <p:txBody>
-          <a:bodyPr/>
-          <a:lstStyle>
-            <a:lvl1pPr>
-              <a:defRPr>
-                <a:solidFill>
-                  <a:schemeClr val="bg1">
-                    <a:lumMod val="65000"/>
-                    <a:lumOff val="35000"/>
-                  </a:schemeClr>
-                </a:solidFill>
-              </a:defRPr>
-            </a:lvl1pPr>
-          </a:lstStyle>
-          <a:p>
-            <a:fld id="{99916976-5D93-46E4-A98A-FAD63E4D0EA8}" type="datetimeFigureOut">
-              <a:rPr lang="en-US" smtClean="0"/>
-              <a:pPr/>
-              <a:t>4/5/2021</a:t>
-            </a:fld>
-            <a:endParaRPr lang="en-US" dirty="0"/>
-          </a:p>
-        </p:txBody>
-      </p:sp>
-      <p:sp>
-        <p:nvSpPr>
-          <p:cNvPr id="6" name="Slide Number Placeholder 5"/>
-          <p:cNvSpPr>
-            <a:spLocks noGrp="1"/>
-          </p:cNvSpPr>
-          <p:nvPr>
-            <p:ph type="sldNum" sz="quarter" idx="12"/>
-          </p:nvPr>
-        </p:nvSpPr>
-        <p:spPr>
-          <a:xfrm>
-            <a:off x="4724400" y="6356350"/>
-            <a:ext cx="2743200" cy="365125"/>
-          </a:xfrm>
-        </p:spPr>
-        <p:txBody>
-          <a:bodyPr/>
-          <a:lstStyle>
-            <a:lvl1pPr>
-              <a:defRPr>
-                <a:solidFill>
-                  <a:schemeClr val="bg1">
-                    <a:lumMod val="65000"/>
-                    <a:lumOff val="35000"/>
-                  </a:schemeClr>
-                </a:solidFill>
-              </a:defRPr>
-            </a:lvl1pPr>
-          </a:lstStyle>
-          <a:p>
-            <a:fld id="{6D22F896-40B5-4ADD-8801-0D06FADFA095}" type="slidenum">
-              <a:rPr lang="en-US" smtClean="0"/>
-              <a:pPr/>
-              <a:t>‹#›</a:t>
-            </a:fld>
-            <a:endParaRPr lang="en-US" dirty="0"/>
-          </a:p>
-        </p:txBody>
-      </p:sp>
-      <p:sp>
-        <p:nvSpPr>
           <p:cNvPr id="11" name="Title 1">
             <a:extLst>
               <a:ext uri="{FF2B5EF4-FFF2-40B4-BE49-F238E27FC236}">
@@ -982,7 +562,7 @@
             <a:spLocks noGrp="1"/>
           </p:cNvSpPr>
           <p:nvPr>
-            <p:ph idx="1"/>
+            <p:ph idx="1" hasCustomPrompt="1"/>
           </p:nvPr>
         </p:nvSpPr>
         <p:spPr>
@@ -1008,7 +588,7 @@
                 <a:srgbClr val="1296DB"/>
               </a:buClr>
               <a:defRPr sz="2600">
-                <a:latin typeface="等线" panose="02010600030101010101" pitchFamily="2" charset="-122"/>
+                <a:latin typeface="Univers" panose="020B0503020202020204" pitchFamily="34" charset="0"/>
                 <a:ea typeface="等线" panose="02010600030101010101" pitchFamily="2" charset="-122"/>
               </a:defRPr>
             </a:lvl1pPr>
@@ -1017,70 +597,73 @@
                 <a:spcPct val="100000"/>
               </a:lnSpc>
               <a:spcBef>
-                <a:spcPts val="600"/>
+                <a:spcPts val="200"/>
               </a:spcBef>
               <a:spcAft>
-                <a:spcPts val="600"/>
+                <a:spcPts val="0"/>
               </a:spcAft>
               <a:buClr>
                 <a:srgbClr val="1296DB"/>
               </a:buClr>
               <a:defRPr sz="2400">
-                <a:latin typeface="等线" panose="02010600030101010101" pitchFamily="2" charset="-122"/>
+                <a:latin typeface="Univers" panose="020B0503020202020204" pitchFamily="34" charset="0"/>
                 <a:ea typeface="等线" panose="02010600030101010101" pitchFamily="2" charset="-122"/>
               </a:defRPr>
             </a:lvl2pPr>
-            <a:lvl3pPr>
+            <a:lvl3pPr marL="914400" indent="0">
               <a:lnSpc>
                 <a:spcPct val="100000"/>
               </a:lnSpc>
               <a:spcBef>
-                <a:spcPts val="600"/>
+                <a:spcPts val="200"/>
               </a:spcBef>
               <a:spcAft>
-                <a:spcPts val="600"/>
+                <a:spcPts val="0"/>
               </a:spcAft>
               <a:buClr>
                 <a:srgbClr val="1296DB"/>
               </a:buClr>
+              <a:buNone/>
               <a:defRPr>
-                <a:latin typeface="等线" panose="02010600030101010101" pitchFamily="2" charset="-122"/>
+                <a:latin typeface="Univers" panose="020B0503020202020204" pitchFamily="34" charset="0"/>
                 <a:ea typeface="等线" panose="02010600030101010101" pitchFamily="2" charset="-122"/>
               </a:defRPr>
             </a:lvl3pPr>
-            <a:lvl4pPr>
+            <a:lvl4pPr marL="1371600" indent="0">
               <a:lnSpc>
                 <a:spcPct val="100000"/>
               </a:lnSpc>
               <a:spcBef>
-                <a:spcPts val="600"/>
+                <a:spcPts val="200"/>
               </a:spcBef>
               <a:spcAft>
-                <a:spcPts val="600"/>
+                <a:spcPts val="0"/>
               </a:spcAft>
               <a:buClr>
                 <a:srgbClr val="1296DB"/>
               </a:buClr>
+              <a:buNone/>
               <a:defRPr>
-                <a:latin typeface="等线" panose="02010600030101010101" pitchFamily="2" charset="-122"/>
+                <a:latin typeface="Univers" panose="020B0503020202020204" pitchFamily="34" charset="0"/>
                 <a:ea typeface="等线" panose="02010600030101010101" pitchFamily="2" charset="-122"/>
               </a:defRPr>
             </a:lvl4pPr>
-            <a:lvl5pPr>
+            <a:lvl5pPr marL="1828800" indent="0">
               <a:lnSpc>
                 <a:spcPct val="100000"/>
               </a:lnSpc>
               <a:spcBef>
-                <a:spcPts val="600"/>
+                <a:spcPts val="200"/>
               </a:spcBef>
               <a:spcAft>
-                <a:spcPts val="600"/>
+                <a:spcPts val="0"/>
               </a:spcAft>
               <a:buClr>
                 <a:srgbClr val="1296DB"/>
               </a:buClr>
+              <a:buNone/>
               <a:defRPr>
-                <a:latin typeface="等线" panose="02010600030101010101" pitchFamily="2" charset="-122"/>
+                <a:latin typeface="Univers" panose="020B0503020202020204" pitchFamily="34" charset="0"/>
                 <a:ea typeface="等线" panose="02010600030101010101" pitchFamily="2" charset="-122"/>
               </a:defRPr>
             </a:lvl5pPr>
@@ -1097,27 +680,6 @@
             <a:r>
               <a:rPr lang="en-US" dirty="0"/>
               <a:t>Second level</a:t>
-            </a:r>
-          </a:p>
-          <a:p>
-            <a:pPr lvl="2"/>
-            <a:r>
-              <a:rPr lang="en-US" dirty="0"/>
-              <a:t>Third level</a:t>
-            </a:r>
-          </a:p>
-          <a:p>
-            <a:pPr lvl="3"/>
-            <a:r>
-              <a:rPr lang="en-US" dirty="0"/>
-              <a:t>Fourth level</a:t>
-            </a:r>
-          </a:p>
-          <a:p>
-            <a:pPr lvl="4"/>
-            <a:r>
-              <a:rPr lang="en-US" dirty="0"/>
-              <a:t>Fifth level</a:t>
             </a:r>
           </a:p>
         </p:txBody>
@@ -1815,56 +1377,6 @@
           </a:p>
         </p:txBody>
       </p:sp>
-      <p:sp>
-        <p:nvSpPr>
-          <p:cNvPr id="5" name="Date Placeholder 4"/>
-          <p:cNvSpPr>
-            <a:spLocks noGrp="1"/>
-          </p:cNvSpPr>
-          <p:nvPr>
-            <p:ph type="dt" sz="half" idx="10"/>
-          </p:nvPr>
-        </p:nvSpPr>
-        <p:spPr/>
-        <p:txBody>
-          <a:bodyPr/>
-          <a:lstStyle/>
-          <a:p>
-            <a:fld id="{D23BC6CE-6D1E-47E5-8859-F31AC5380EB2}" type="datetimeFigureOut">
-              <a:rPr lang="en-US" dirty="0"/>
-              <a:t>4/5/2021</a:t>
-            </a:fld>
-            <a:endParaRPr lang="en-US" dirty="0"/>
-          </a:p>
-        </p:txBody>
-      </p:sp>
-      <p:sp>
-        <p:nvSpPr>
-          <p:cNvPr id="6" name="Footer Placeholder 5"/>
-          <p:cNvSpPr>
-            <a:spLocks noGrp="1"/>
-          </p:cNvSpPr>
-          <p:nvPr>
-            <p:ph type="ftr" sz="quarter" idx="11"/>
-          </p:nvPr>
-        </p:nvSpPr>
-        <p:spPr>
-          <a:xfrm>
-            <a:off x="4038600" y="6356350"/>
-            <a:ext cx="4114800" cy="365125"/>
-          </a:xfrm>
-          <a:prstGeom prst="rect">
-            <a:avLst/>
-          </a:prstGeom>
-        </p:spPr>
-        <p:txBody>
-          <a:bodyPr/>
-          <a:lstStyle/>
-          <a:p>
-            <a:endParaRPr lang="en-US" dirty="0"/>
-          </a:p>
-        </p:txBody>
-      </p:sp>
       <p:pic>
         <p:nvPicPr>
           <p:cNvPr id="9" name="image1.png" descr="image1.png">
@@ -2033,1171 +1545,6 @@
         </p:txBody>
       </p:sp>
     </p:spTree>
-  </p:cSld>
-  <p:clrMapOvr>
-    <a:masterClrMapping/>
-  </p:clrMapOvr>
-</p:sldLayout>
-</file>
-
-<file path=ppt/slideLayouts/slideLayout5.xml><?xml version="1.0" encoding="utf-8"?>
-<p:sldLayout xmlns:a="http://schemas.openxmlformats.org/drawingml/2006/main" xmlns:r="http://schemas.openxmlformats.org/officeDocument/2006/relationships" xmlns:p="http://schemas.openxmlformats.org/presentationml/2006/main" type="twoTxTwoObj" preserve="1">
-  <p:cSld name="Comparison">
-    <p:spTree>
-      <p:nvGrpSpPr>
-        <p:cNvPr id="1" name=""/>
-        <p:cNvGrpSpPr/>
-        <p:nvPr/>
-      </p:nvGrpSpPr>
-      <p:grpSpPr>
-        <a:xfrm>
-          <a:off x="0" y="0"/>
-          <a:ext cx="0" cy="0"/>
-          <a:chOff x="0" y="0"/>
-          <a:chExt cx="0" cy="0"/>
-        </a:xfrm>
-      </p:grpSpPr>
-      <p:sp>
-        <p:nvSpPr>
-          <p:cNvPr id="2" name="Title 1"/>
-          <p:cNvSpPr>
-            <a:spLocks noGrp="1"/>
-          </p:cNvSpPr>
-          <p:nvPr>
-            <p:ph type="title"/>
-          </p:nvPr>
-        </p:nvSpPr>
-        <p:spPr/>
-        <p:txBody>
-          <a:bodyPr/>
-          <a:lstStyle>
-            <a:lvl1pPr>
-              <a:defRPr/>
-            </a:lvl1pPr>
-          </a:lstStyle>
-          <a:p>
-            <a:r>
-              <a:rPr lang="en-US" smtClean="0"/>
-              <a:t>Click to edit Master title style</a:t>
-            </a:r>
-            <a:endParaRPr lang="en-US"/>
-          </a:p>
-        </p:txBody>
-      </p:sp>
-      <p:sp>
-        <p:nvSpPr>
-          <p:cNvPr id="3" name="Text Placeholder 2"/>
-          <p:cNvSpPr>
-            <a:spLocks noGrp="1"/>
-          </p:cNvSpPr>
-          <p:nvPr>
-            <p:ph type="body" idx="1"/>
-          </p:nvPr>
-        </p:nvSpPr>
-        <p:spPr>
-          <a:xfrm>
-            <a:off x="457200" y="1535113"/>
-            <a:ext cx="4040188" cy="639762"/>
-          </a:xfrm>
-        </p:spPr>
-        <p:txBody>
-          <a:bodyPr anchor="b"/>
-          <a:lstStyle>
-            <a:lvl1pPr marL="0" indent="0">
-              <a:buNone/>
-              <a:defRPr sz="2400" b="1"/>
-            </a:lvl1pPr>
-            <a:lvl2pPr marL="457200" indent="0">
-              <a:buNone/>
-              <a:defRPr sz="2000" b="1"/>
-            </a:lvl2pPr>
-            <a:lvl3pPr marL="914400" indent="0">
-              <a:buNone/>
-              <a:defRPr sz="1800" b="1"/>
-            </a:lvl3pPr>
-            <a:lvl4pPr marL="1371600" indent="0">
-              <a:buNone/>
-              <a:defRPr sz="1600" b="1"/>
-            </a:lvl4pPr>
-            <a:lvl5pPr marL="1828800" indent="0">
-              <a:buNone/>
-              <a:defRPr sz="1600" b="1"/>
-            </a:lvl5pPr>
-            <a:lvl6pPr marL="2286000" indent="0">
-              <a:buNone/>
-              <a:defRPr sz="1600" b="1"/>
-            </a:lvl6pPr>
-            <a:lvl7pPr marL="2743200" indent="0">
-              <a:buNone/>
-              <a:defRPr sz="1600" b="1"/>
-            </a:lvl7pPr>
-            <a:lvl8pPr marL="3200400" indent="0">
-              <a:buNone/>
-              <a:defRPr sz="1600" b="1"/>
-            </a:lvl8pPr>
-            <a:lvl9pPr marL="3657600" indent="0">
-              <a:buNone/>
-              <a:defRPr sz="1600" b="1"/>
-            </a:lvl9pPr>
-          </a:lstStyle>
-          <a:p>
-            <a:pPr lvl="0"/>
-            <a:r>
-              <a:rPr lang="en-US" smtClean="0"/>
-              <a:t>Click to edit Master text styles</a:t>
-            </a:r>
-          </a:p>
-        </p:txBody>
-      </p:sp>
-      <p:sp>
-        <p:nvSpPr>
-          <p:cNvPr id="4" name="Content Placeholder 3"/>
-          <p:cNvSpPr>
-            <a:spLocks noGrp="1"/>
-          </p:cNvSpPr>
-          <p:nvPr>
-            <p:ph sz="half" idx="2"/>
-          </p:nvPr>
-        </p:nvSpPr>
-        <p:spPr>
-          <a:xfrm>
-            <a:off x="457200" y="2174875"/>
-            <a:ext cx="4040188" cy="3951288"/>
-          </a:xfrm>
-        </p:spPr>
-        <p:txBody>
-          <a:bodyPr/>
-          <a:lstStyle>
-            <a:lvl1pPr>
-              <a:defRPr sz="2400"/>
-            </a:lvl1pPr>
-            <a:lvl2pPr>
-              <a:defRPr sz="2000"/>
-            </a:lvl2pPr>
-            <a:lvl3pPr>
-              <a:defRPr sz="1800"/>
-            </a:lvl3pPr>
-            <a:lvl4pPr>
-              <a:defRPr sz="1600"/>
-            </a:lvl4pPr>
-            <a:lvl5pPr>
-              <a:defRPr sz="1600"/>
-            </a:lvl5pPr>
-            <a:lvl6pPr>
-              <a:defRPr sz="1600"/>
-            </a:lvl6pPr>
-            <a:lvl7pPr>
-              <a:defRPr sz="1600"/>
-            </a:lvl7pPr>
-            <a:lvl8pPr>
-              <a:defRPr sz="1600"/>
-            </a:lvl8pPr>
-            <a:lvl9pPr>
-              <a:defRPr sz="1600"/>
-            </a:lvl9pPr>
-          </a:lstStyle>
-          <a:p>
-            <a:pPr lvl="0"/>
-            <a:r>
-              <a:rPr lang="en-US" smtClean="0"/>
-              <a:t>Click to edit Master text styles</a:t>
-            </a:r>
-          </a:p>
-          <a:p>
-            <a:pPr lvl="1"/>
-            <a:r>
-              <a:rPr lang="en-US" smtClean="0"/>
-              <a:t>Second level</a:t>
-            </a:r>
-          </a:p>
-          <a:p>
-            <a:pPr lvl="2"/>
-            <a:r>
-              <a:rPr lang="en-US" smtClean="0"/>
-              <a:t>Third level</a:t>
-            </a:r>
-          </a:p>
-          <a:p>
-            <a:pPr lvl="3"/>
-            <a:r>
-              <a:rPr lang="en-US" smtClean="0"/>
-              <a:t>Fourth level</a:t>
-            </a:r>
-          </a:p>
-          <a:p>
-            <a:pPr lvl="4"/>
-            <a:r>
-              <a:rPr lang="en-US" smtClean="0"/>
-              <a:t>Fifth level</a:t>
-            </a:r>
-            <a:endParaRPr lang="en-US"/>
-          </a:p>
-        </p:txBody>
-      </p:sp>
-      <p:sp>
-        <p:nvSpPr>
-          <p:cNvPr id="5" name="Text Placeholder 4"/>
-          <p:cNvSpPr>
-            <a:spLocks noGrp="1"/>
-          </p:cNvSpPr>
-          <p:nvPr>
-            <p:ph type="body" sz="quarter" idx="3"/>
-          </p:nvPr>
-        </p:nvSpPr>
-        <p:spPr>
-          <a:xfrm>
-            <a:off x="4645025" y="1535113"/>
-            <a:ext cx="4041775" cy="639762"/>
-          </a:xfrm>
-        </p:spPr>
-        <p:txBody>
-          <a:bodyPr anchor="b"/>
-          <a:lstStyle>
-            <a:lvl1pPr marL="0" indent="0">
-              <a:buNone/>
-              <a:defRPr sz="2400" b="1"/>
-            </a:lvl1pPr>
-            <a:lvl2pPr marL="457200" indent="0">
-              <a:buNone/>
-              <a:defRPr sz="2000" b="1"/>
-            </a:lvl2pPr>
-            <a:lvl3pPr marL="914400" indent="0">
-              <a:buNone/>
-              <a:defRPr sz="1800" b="1"/>
-            </a:lvl3pPr>
-            <a:lvl4pPr marL="1371600" indent="0">
-              <a:buNone/>
-              <a:defRPr sz="1600" b="1"/>
-            </a:lvl4pPr>
-            <a:lvl5pPr marL="1828800" indent="0">
-              <a:buNone/>
-              <a:defRPr sz="1600" b="1"/>
-            </a:lvl5pPr>
-            <a:lvl6pPr marL="2286000" indent="0">
-              <a:buNone/>
-              <a:defRPr sz="1600" b="1"/>
-            </a:lvl6pPr>
-            <a:lvl7pPr marL="2743200" indent="0">
-              <a:buNone/>
-              <a:defRPr sz="1600" b="1"/>
-            </a:lvl7pPr>
-            <a:lvl8pPr marL="3200400" indent="0">
-              <a:buNone/>
-              <a:defRPr sz="1600" b="1"/>
-            </a:lvl8pPr>
-            <a:lvl9pPr marL="3657600" indent="0">
-              <a:buNone/>
-              <a:defRPr sz="1600" b="1"/>
-            </a:lvl9pPr>
-          </a:lstStyle>
-          <a:p>
-            <a:pPr lvl="0"/>
-            <a:r>
-              <a:rPr lang="en-US" smtClean="0"/>
-              <a:t>Click to edit Master text styles</a:t>
-            </a:r>
-          </a:p>
-        </p:txBody>
-      </p:sp>
-      <p:sp>
-        <p:nvSpPr>
-          <p:cNvPr id="6" name="Content Placeholder 5"/>
-          <p:cNvSpPr>
-            <a:spLocks noGrp="1"/>
-          </p:cNvSpPr>
-          <p:nvPr>
-            <p:ph sz="quarter" idx="4"/>
-          </p:nvPr>
-        </p:nvSpPr>
-        <p:spPr>
-          <a:xfrm>
-            <a:off x="4645025" y="2174875"/>
-            <a:ext cx="4041775" cy="3951288"/>
-          </a:xfrm>
-        </p:spPr>
-        <p:txBody>
-          <a:bodyPr/>
-          <a:lstStyle>
-            <a:lvl1pPr>
-              <a:defRPr sz="2400"/>
-            </a:lvl1pPr>
-            <a:lvl2pPr>
-              <a:defRPr sz="2000"/>
-            </a:lvl2pPr>
-            <a:lvl3pPr>
-              <a:defRPr sz="1800"/>
-            </a:lvl3pPr>
-            <a:lvl4pPr>
-              <a:defRPr sz="1600"/>
-            </a:lvl4pPr>
-            <a:lvl5pPr>
-              <a:defRPr sz="1600"/>
-            </a:lvl5pPr>
-            <a:lvl6pPr>
-              <a:defRPr sz="1600"/>
-            </a:lvl6pPr>
-            <a:lvl7pPr>
-              <a:defRPr sz="1600"/>
-            </a:lvl7pPr>
-            <a:lvl8pPr>
-              <a:defRPr sz="1600"/>
-            </a:lvl8pPr>
-            <a:lvl9pPr>
-              <a:defRPr sz="1600"/>
-            </a:lvl9pPr>
-          </a:lstStyle>
-          <a:p>
-            <a:pPr lvl="0"/>
-            <a:r>
-              <a:rPr lang="en-US" smtClean="0"/>
-              <a:t>Click to edit Master text styles</a:t>
-            </a:r>
-          </a:p>
-          <a:p>
-            <a:pPr lvl="1"/>
-            <a:r>
-              <a:rPr lang="en-US" smtClean="0"/>
-              <a:t>Second level</a:t>
-            </a:r>
-          </a:p>
-          <a:p>
-            <a:pPr lvl="2"/>
-            <a:r>
-              <a:rPr lang="en-US" smtClean="0"/>
-              <a:t>Third level</a:t>
-            </a:r>
-          </a:p>
-          <a:p>
-            <a:pPr lvl="3"/>
-            <a:r>
-              <a:rPr lang="en-US" smtClean="0"/>
-              <a:t>Fourth level</a:t>
-            </a:r>
-          </a:p>
-          <a:p>
-            <a:pPr lvl="4"/>
-            <a:r>
-              <a:rPr lang="en-US" smtClean="0"/>
-              <a:t>Fifth level</a:t>
-            </a:r>
-            <a:endParaRPr lang="en-US"/>
-          </a:p>
-        </p:txBody>
-      </p:sp>
-      <p:sp>
-        <p:nvSpPr>
-          <p:cNvPr id="7" name="Date Placeholder 6"/>
-          <p:cNvSpPr>
-            <a:spLocks noGrp="1"/>
-          </p:cNvSpPr>
-          <p:nvPr>
-            <p:ph type="dt" sz="half" idx="10"/>
-          </p:nvPr>
-        </p:nvSpPr>
-        <p:spPr/>
-        <p:txBody>
-          <a:bodyPr/>
-          <a:lstStyle/>
-          <a:p>
-            <a:fld id="{241EB5C9-1307-BA42-ABA2-0BC069CD8E7F}" type="datetimeFigureOut">
-              <a:rPr lang="en-US" smtClean="0"/>
-              <a:t>4/5/2019</a:t>
-            </a:fld>
-            <a:endParaRPr lang="en-US"/>
-          </a:p>
-        </p:txBody>
-      </p:sp>
-      <p:sp>
-        <p:nvSpPr>
-          <p:cNvPr id="8" name="Footer Placeholder 7"/>
-          <p:cNvSpPr>
-            <a:spLocks noGrp="1"/>
-          </p:cNvSpPr>
-          <p:nvPr>
-            <p:ph type="ftr" sz="quarter" idx="11"/>
-          </p:nvPr>
-        </p:nvSpPr>
-        <p:spPr/>
-        <p:txBody>
-          <a:bodyPr/>
-          <a:lstStyle/>
-          <a:p>
-            <a:endParaRPr lang="en-US"/>
-          </a:p>
-        </p:txBody>
-      </p:sp>
-      <p:sp>
-        <p:nvSpPr>
-          <p:cNvPr id="9" name="Slide Number Placeholder 8"/>
-          <p:cNvSpPr>
-            <a:spLocks noGrp="1"/>
-          </p:cNvSpPr>
-          <p:nvPr>
-            <p:ph type="sldNum" sz="quarter" idx="12"/>
-          </p:nvPr>
-        </p:nvSpPr>
-        <p:spPr/>
-        <p:txBody>
-          <a:bodyPr/>
-          <a:lstStyle/>
-          <a:p>
-            <a:fld id="{C5EF2332-01BF-834F-8236-50238282D533}" type="slidenum">
-              <a:rPr lang="en-US" smtClean="0"/>
-              <a:t>‹#›</a:t>
-            </a:fld>
-            <a:endParaRPr lang="en-US"/>
-          </a:p>
-        </p:txBody>
-      </p:sp>
-    </p:spTree>
-    <p:extLst>
-      <p:ext uri="{BB962C8B-B14F-4D97-AF65-F5344CB8AC3E}">
-        <p14:creationId xmlns:p14="http://schemas.microsoft.com/office/powerpoint/2010/main" val="2535793967"/>
-      </p:ext>
-    </p:extLst>
-  </p:cSld>
-  <p:clrMapOvr>
-    <a:masterClrMapping/>
-  </p:clrMapOvr>
-</p:sldLayout>
-</file>
-
-<file path=ppt/slideLayouts/slideLayout6.xml><?xml version="1.0" encoding="utf-8"?>
-<p:sldLayout xmlns:a="http://schemas.openxmlformats.org/drawingml/2006/main" xmlns:r="http://schemas.openxmlformats.org/officeDocument/2006/relationships" xmlns:p="http://schemas.openxmlformats.org/presentationml/2006/main" type="titleOnly" preserve="1">
-  <p:cSld name="Title Only">
-    <p:spTree>
-      <p:nvGrpSpPr>
-        <p:cNvPr id="1" name=""/>
-        <p:cNvGrpSpPr/>
-        <p:nvPr/>
-      </p:nvGrpSpPr>
-      <p:grpSpPr>
-        <a:xfrm>
-          <a:off x="0" y="0"/>
-          <a:ext cx="0" cy="0"/>
-          <a:chOff x="0" y="0"/>
-          <a:chExt cx="0" cy="0"/>
-        </a:xfrm>
-      </p:grpSpPr>
-      <p:sp>
-        <p:nvSpPr>
-          <p:cNvPr id="2" name="Title 1"/>
-          <p:cNvSpPr>
-            <a:spLocks noGrp="1"/>
-          </p:cNvSpPr>
-          <p:nvPr>
-            <p:ph type="title"/>
-          </p:nvPr>
-        </p:nvSpPr>
-        <p:spPr/>
-        <p:txBody>
-          <a:bodyPr/>
-          <a:lstStyle/>
-          <a:p>
-            <a:r>
-              <a:rPr lang="en-US" smtClean="0"/>
-              <a:t>Click to edit Master title style</a:t>
-            </a:r>
-            <a:endParaRPr lang="en-US"/>
-          </a:p>
-        </p:txBody>
-      </p:sp>
-      <p:sp>
-        <p:nvSpPr>
-          <p:cNvPr id="3" name="Date Placeholder 2"/>
-          <p:cNvSpPr>
-            <a:spLocks noGrp="1"/>
-          </p:cNvSpPr>
-          <p:nvPr>
-            <p:ph type="dt" sz="half" idx="10"/>
-          </p:nvPr>
-        </p:nvSpPr>
-        <p:spPr/>
-        <p:txBody>
-          <a:bodyPr/>
-          <a:lstStyle/>
-          <a:p>
-            <a:fld id="{241EB5C9-1307-BA42-ABA2-0BC069CD8E7F}" type="datetimeFigureOut">
-              <a:rPr lang="en-US" smtClean="0"/>
-              <a:t>4/5/2019</a:t>
-            </a:fld>
-            <a:endParaRPr lang="en-US"/>
-          </a:p>
-        </p:txBody>
-      </p:sp>
-      <p:sp>
-        <p:nvSpPr>
-          <p:cNvPr id="4" name="Footer Placeholder 3"/>
-          <p:cNvSpPr>
-            <a:spLocks noGrp="1"/>
-          </p:cNvSpPr>
-          <p:nvPr>
-            <p:ph type="ftr" sz="quarter" idx="11"/>
-          </p:nvPr>
-        </p:nvSpPr>
-        <p:spPr/>
-        <p:txBody>
-          <a:bodyPr/>
-          <a:lstStyle/>
-          <a:p>
-            <a:endParaRPr lang="en-US"/>
-          </a:p>
-        </p:txBody>
-      </p:sp>
-      <p:sp>
-        <p:nvSpPr>
-          <p:cNvPr id="5" name="Slide Number Placeholder 4"/>
-          <p:cNvSpPr>
-            <a:spLocks noGrp="1"/>
-          </p:cNvSpPr>
-          <p:nvPr>
-            <p:ph type="sldNum" sz="quarter" idx="12"/>
-          </p:nvPr>
-        </p:nvSpPr>
-        <p:spPr/>
-        <p:txBody>
-          <a:bodyPr/>
-          <a:lstStyle/>
-          <a:p>
-            <a:fld id="{C5EF2332-01BF-834F-8236-50238282D533}" type="slidenum">
-              <a:rPr lang="en-US" smtClean="0"/>
-              <a:t>‹#›</a:t>
-            </a:fld>
-            <a:endParaRPr lang="en-US"/>
-          </a:p>
-        </p:txBody>
-      </p:sp>
-    </p:spTree>
-    <p:extLst>
-      <p:ext uri="{BB962C8B-B14F-4D97-AF65-F5344CB8AC3E}">
-        <p14:creationId xmlns:p14="http://schemas.microsoft.com/office/powerpoint/2010/main" val="3472721253"/>
-      </p:ext>
-    </p:extLst>
-  </p:cSld>
-  <p:clrMapOvr>
-    <a:masterClrMapping/>
-  </p:clrMapOvr>
-</p:sldLayout>
-</file>
-
-<file path=ppt/slideLayouts/slideLayout7.xml><?xml version="1.0" encoding="utf-8"?>
-<p:sldLayout xmlns:a="http://schemas.openxmlformats.org/drawingml/2006/main" xmlns:r="http://schemas.openxmlformats.org/officeDocument/2006/relationships" xmlns:p="http://schemas.openxmlformats.org/presentationml/2006/main" type="blank" preserve="1">
-  <p:cSld name="Blank">
-    <p:spTree>
-      <p:nvGrpSpPr>
-        <p:cNvPr id="1" name=""/>
-        <p:cNvGrpSpPr/>
-        <p:nvPr/>
-      </p:nvGrpSpPr>
-      <p:grpSpPr>
-        <a:xfrm>
-          <a:off x="0" y="0"/>
-          <a:ext cx="0" cy="0"/>
-          <a:chOff x="0" y="0"/>
-          <a:chExt cx="0" cy="0"/>
-        </a:xfrm>
-      </p:grpSpPr>
-      <p:sp>
-        <p:nvSpPr>
-          <p:cNvPr id="2" name="Date Placeholder 1"/>
-          <p:cNvSpPr>
-            <a:spLocks noGrp="1"/>
-          </p:cNvSpPr>
-          <p:nvPr>
-            <p:ph type="dt" sz="half" idx="10"/>
-          </p:nvPr>
-        </p:nvSpPr>
-        <p:spPr/>
-        <p:txBody>
-          <a:bodyPr/>
-          <a:lstStyle/>
-          <a:p>
-            <a:fld id="{241EB5C9-1307-BA42-ABA2-0BC069CD8E7F}" type="datetimeFigureOut">
-              <a:rPr lang="en-US" smtClean="0"/>
-              <a:t>4/5/2019</a:t>
-            </a:fld>
-            <a:endParaRPr lang="en-US"/>
-          </a:p>
-        </p:txBody>
-      </p:sp>
-      <p:sp>
-        <p:nvSpPr>
-          <p:cNvPr id="3" name="Footer Placeholder 2"/>
-          <p:cNvSpPr>
-            <a:spLocks noGrp="1"/>
-          </p:cNvSpPr>
-          <p:nvPr>
-            <p:ph type="ftr" sz="quarter" idx="11"/>
-          </p:nvPr>
-        </p:nvSpPr>
-        <p:spPr/>
-        <p:txBody>
-          <a:bodyPr/>
-          <a:lstStyle/>
-          <a:p>
-            <a:endParaRPr lang="en-US"/>
-          </a:p>
-        </p:txBody>
-      </p:sp>
-      <p:sp>
-        <p:nvSpPr>
-          <p:cNvPr id="4" name="Slide Number Placeholder 3"/>
-          <p:cNvSpPr>
-            <a:spLocks noGrp="1"/>
-          </p:cNvSpPr>
-          <p:nvPr>
-            <p:ph type="sldNum" sz="quarter" idx="12"/>
-          </p:nvPr>
-        </p:nvSpPr>
-        <p:spPr/>
-        <p:txBody>
-          <a:bodyPr/>
-          <a:lstStyle/>
-          <a:p>
-            <a:fld id="{C5EF2332-01BF-834F-8236-50238282D533}" type="slidenum">
-              <a:rPr lang="en-US" smtClean="0"/>
-              <a:t>‹#›</a:t>
-            </a:fld>
-            <a:endParaRPr lang="en-US"/>
-          </a:p>
-        </p:txBody>
-      </p:sp>
-    </p:spTree>
-    <p:extLst>
-      <p:ext uri="{BB962C8B-B14F-4D97-AF65-F5344CB8AC3E}">
-        <p14:creationId xmlns:p14="http://schemas.microsoft.com/office/powerpoint/2010/main" val="2130901097"/>
-      </p:ext>
-    </p:extLst>
-  </p:cSld>
-  <p:clrMapOvr>
-    <a:masterClrMapping/>
-  </p:clrMapOvr>
-</p:sldLayout>
-</file>
-
-<file path=ppt/slideLayouts/slideLayout8.xml><?xml version="1.0" encoding="utf-8"?>
-<p:sldLayout xmlns:a="http://schemas.openxmlformats.org/drawingml/2006/main" xmlns:r="http://schemas.openxmlformats.org/officeDocument/2006/relationships" xmlns:p="http://schemas.openxmlformats.org/presentationml/2006/main" type="objTx" preserve="1">
-  <p:cSld name="Content with Caption">
-    <p:spTree>
-      <p:nvGrpSpPr>
-        <p:cNvPr id="1" name=""/>
-        <p:cNvGrpSpPr/>
-        <p:nvPr/>
-      </p:nvGrpSpPr>
-      <p:grpSpPr>
-        <a:xfrm>
-          <a:off x="0" y="0"/>
-          <a:ext cx="0" cy="0"/>
-          <a:chOff x="0" y="0"/>
-          <a:chExt cx="0" cy="0"/>
-        </a:xfrm>
-      </p:grpSpPr>
-      <p:sp>
-        <p:nvSpPr>
-          <p:cNvPr id="2" name="Title 1"/>
-          <p:cNvSpPr>
-            <a:spLocks noGrp="1"/>
-          </p:cNvSpPr>
-          <p:nvPr>
-            <p:ph type="title"/>
-          </p:nvPr>
-        </p:nvSpPr>
-        <p:spPr>
-          <a:xfrm>
-            <a:off x="457200" y="273050"/>
-            <a:ext cx="3008313" cy="1162050"/>
-          </a:xfrm>
-        </p:spPr>
-        <p:txBody>
-          <a:bodyPr anchor="b"/>
-          <a:lstStyle>
-            <a:lvl1pPr algn="l">
-              <a:defRPr sz="2000" b="1"/>
-            </a:lvl1pPr>
-          </a:lstStyle>
-          <a:p>
-            <a:r>
-              <a:rPr lang="en-US" smtClean="0"/>
-              <a:t>Click to edit Master title style</a:t>
-            </a:r>
-            <a:endParaRPr lang="en-US"/>
-          </a:p>
-        </p:txBody>
-      </p:sp>
-      <p:sp>
-        <p:nvSpPr>
-          <p:cNvPr id="3" name="Content Placeholder 2"/>
-          <p:cNvSpPr>
-            <a:spLocks noGrp="1"/>
-          </p:cNvSpPr>
-          <p:nvPr>
-            <p:ph idx="1"/>
-          </p:nvPr>
-        </p:nvSpPr>
-        <p:spPr>
-          <a:xfrm>
-            <a:off x="3575050" y="273050"/>
-            <a:ext cx="5111750" cy="5853113"/>
-          </a:xfrm>
-        </p:spPr>
-        <p:txBody>
-          <a:bodyPr/>
-          <a:lstStyle>
-            <a:lvl1pPr>
-              <a:defRPr sz="3200"/>
-            </a:lvl1pPr>
-            <a:lvl2pPr>
-              <a:defRPr sz="2800"/>
-            </a:lvl2pPr>
-            <a:lvl3pPr>
-              <a:defRPr sz="2400"/>
-            </a:lvl3pPr>
-            <a:lvl4pPr>
-              <a:defRPr sz="2000"/>
-            </a:lvl4pPr>
-            <a:lvl5pPr>
-              <a:defRPr sz="2000"/>
-            </a:lvl5pPr>
-            <a:lvl6pPr>
-              <a:defRPr sz="2000"/>
-            </a:lvl6pPr>
-            <a:lvl7pPr>
-              <a:defRPr sz="2000"/>
-            </a:lvl7pPr>
-            <a:lvl8pPr>
-              <a:defRPr sz="2000"/>
-            </a:lvl8pPr>
-            <a:lvl9pPr>
-              <a:defRPr sz="2000"/>
-            </a:lvl9pPr>
-          </a:lstStyle>
-          <a:p>
-            <a:pPr lvl="0"/>
-            <a:r>
-              <a:rPr lang="en-US" smtClean="0"/>
-              <a:t>Click to edit Master text styles</a:t>
-            </a:r>
-          </a:p>
-          <a:p>
-            <a:pPr lvl="1"/>
-            <a:r>
-              <a:rPr lang="en-US" smtClean="0"/>
-              <a:t>Second level</a:t>
-            </a:r>
-          </a:p>
-          <a:p>
-            <a:pPr lvl="2"/>
-            <a:r>
-              <a:rPr lang="en-US" smtClean="0"/>
-              <a:t>Third level</a:t>
-            </a:r>
-          </a:p>
-          <a:p>
-            <a:pPr lvl="3"/>
-            <a:r>
-              <a:rPr lang="en-US" smtClean="0"/>
-              <a:t>Fourth level</a:t>
-            </a:r>
-          </a:p>
-          <a:p>
-            <a:pPr lvl="4"/>
-            <a:r>
-              <a:rPr lang="en-US" smtClean="0"/>
-              <a:t>Fifth level</a:t>
-            </a:r>
-            <a:endParaRPr lang="en-US"/>
-          </a:p>
-        </p:txBody>
-      </p:sp>
-      <p:sp>
-        <p:nvSpPr>
-          <p:cNvPr id="4" name="Text Placeholder 3"/>
-          <p:cNvSpPr>
-            <a:spLocks noGrp="1"/>
-          </p:cNvSpPr>
-          <p:nvPr>
-            <p:ph type="body" sz="half" idx="2"/>
-          </p:nvPr>
-        </p:nvSpPr>
-        <p:spPr>
-          <a:xfrm>
-            <a:off x="457200" y="1435100"/>
-            <a:ext cx="3008313" cy="4691063"/>
-          </a:xfrm>
-        </p:spPr>
-        <p:txBody>
-          <a:bodyPr/>
-          <a:lstStyle>
-            <a:lvl1pPr marL="0" indent="0">
-              <a:buNone/>
-              <a:defRPr sz="1400"/>
-            </a:lvl1pPr>
-            <a:lvl2pPr marL="457200" indent="0">
-              <a:buNone/>
-              <a:defRPr sz="1200"/>
-            </a:lvl2pPr>
-            <a:lvl3pPr marL="914400" indent="0">
-              <a:buNone/>
-              <a:defRPr sz="1000"/>
-            </a:lvl3pPr>
-            <a:lvl4pPr marL="1371600" indent="0">
-              <a:buNone/>
-              <a:defRPr sz="900"/>
-            </a:lvl4pPr>
-            <a:lvl5pPr marL="1828800" indent="0">
-              <a:buNone/>
-              <a:defRPr sz="900"/>
-            </a:lvl5pPr>
-            <a:lvl6pPr marL="2286000" indent="0">
-              <a:buNone/>
-              <a:defRPr sz="900"/>
-            </a:lvl6pPr>
-            <a:lvl7pPr marL="2743200" indent="0">
-              <a:buNone/>
-              <a:defRPr sz="900"/>
-            </a:lvl7pPr>
-            <a:lvl8pPr marL="3200400" indent="0">
-              <a:buNone/>
-              <a:defRPr sz="900"/>
-            </a:lvl8pPr>
-            <a:lvl9pPr marL="3657600" indent="0">
-              <a:buNone/>
-              <a:defRPr sz="900"/>
-            </a:lvl9pPr>
-          </a:lstStyle>
-          <a:p>
-            <a:pPr lvl="0"/>
-            <a:r>
-              <a:rPr lang="en-US" smtClean="0"/>
-              <a:t>Click to edit Master text styles</a:t>
-            </a:r>
-          </a:p>
-        </p:txBody>
-      </p:sp>
-      <p:sp>
-        <p:nvSpPr>
-          <p:cNvPr id="5" name="Date Placeholder 4"/>
-          <p:cNvSpPr>
-            <a:spLocks noGrp="1"/>
-          </p:cNvSpPr>
-          <p:nvPr>
-            <p:ph type="dt" sz="half" idx="10"/>
-          </p:nvPr>
-        </p:nvSpPr>
-        <p:spPr/>
-        <p:txBody>
-          <a:bodyPr/>
-          <a:lstStyle/>
-          <a:p>
-            <a:fld id="{241EB5C9-1307-BA42-ABA2-0BC069CD8E7F}" type="datetimeFigureOut">
-              <a:rPr lang="en-US" smtClean="0"/>
-              <a:t>4/5/2019</a:t>
-            </a:fld>
-            <a:endParaRPr lang="en-US"/>
-          </a:p>
-        </p:txBody>
-      </p:sp>
-      <p:sp>
-        <p:nvSpPr>
-          <p:cNvPr id="6" name="Footer Placeholder 5"/>
-          <p:cNvSpPr>
-            <a:spLocks noGrp="1"/>
-          </p:cNvSpPr>
-          <p:nvPr>
-            <p:ph type="ftr" sz="quarter" idx="11"/>
-          </p:nvPr>
-        </p:nvSpPr>
-        <p:spPr/>
-        <p:txBody>
-          <a:bodyPr/>
-          <a:lstStyle/>
-          <a:p>
-            <a:endParaRPr lang="en-US"/>
-          </a:p>
-        </p:txBody>
-      </p:sp>
-      <p:sp>
-        <p:nvSpPr>
-          <p:cNvPr id="7" name="Slide Number Placeholder 6"/>
-          <p:cNvSpPr>
-            <a:spLocks noGrp="1"/>
-          </p:cNvSpPr>
-          <p:nvPr>
-            <p:ph type="sldNum" sz="quarter" idx="12"/>
-          </p:nvPr>
-        </p:nvSpPr>
-        <p:spPr/>
-        <p:txBody>
-          <a:bodyPr/>
-          <a:lstStyle/>
-          <a:p>
-            <a:fld id="{C5EF2332-01BF-834F-8236-50238282D533}" type="slidenum">
-              <a:rPr lang="en-US" smtClean="0"/>
-              <a:t>‹#›</a:t>
-            </a:fld>
-            <a:endParaRPr lang="en-US"/>
-          </a:p>
-        </p:txBody>
-      </p:sp>
-    </p:spTree>
-    <p:extLst>
-      <p:ext uri="{BB962C8B-B14F-4D97-AF65-F5344CB8AC3E}">
-        <p14:creationId xmlns:p14="http://schemas.microsoft.com/office/powerpoint/2010/main" val="3540895647"/>
-      </p:ext>
-    </p:extLst>
-  </p:cSld>
-  <p:clrMapOvr>
-    <a:masterClrMapping/>
-  </p:clrMapOvr>
-</p:sldLayout>
-</file>
-
-<file path=ppt/slideLayouts/slideLayout9.xml><?xml version="1.0" encoding="utf-8"?>
-<p:sldLayout xmlns:a="http://schemas.openxmlformats.org/drawingml/2006/main" xmlns:r="http://schemas.openxmlformats.org/officeDocument/2006/relationships" xmlns:p="http://schemas.openxmlformats.org/presentationml/2006/main" type="picTx" preserve="1">
-  <p:cSld name="Picture with Caption">
-    <p:spTree>
-      <p:nvGrpSpPr>
-        <p:cNvPr id="1" name=""/>
-        <p:cNvGrpSpPr/>
-        <p:nvPr/>
-      </p:nvGrpSpPr>
-      <p:grpSpPr>
-        <a:xfrm>
-          <a:off x="0" y="0"/>
-          <a:ext cx="0" cy="0"/>
-          <a:chOff x="0" y="0"/>
-          <a:chExt cx="0" cy="0"/>
-        </a:xfrm>
-      </p:grpSpPr>
-      <p:sp>
-        <p:nvSpPr>
-          <p:cNvPr id="2" name="Title 1"/>
-          <p:cNvSpPr>
-            <a:spLocks noGrp="1"/>
-          </p:cNvSpPr>
-          <p:nvPr>
-            <p:ph type="title"/>
-          </p:nvPr>
-        </p:nvSpPr>
-        <p:spPr>
-          <a:xfrm>
-            <a:off x="1792288" y="4800600"/>
-            <a:ext cx="5486400" cy="566738"/>
-          </a:xfrm>
-        </p:spPr>
-        <p:txBody>
-          <a:bodyPr anchor="b"/>
-          <a:lstStyle>
-            <a:lvl1pPr algn="l">
-              <a:defRPr sz="2000" b="1"/>
-            </a:lvl1pPr>
-          </a:lstStyle>
-          <a:p>
-            <a:r>
-              <a:rPr lang="en-US" smtClean="0"/>
-              <a:t>Click to edit Master title style</a:t>
-            </a:r>
-            <a:endParaRPr lang="en-US"/>
-          </a:p>
-        </p:txBody>
-      </p:sp>
-      <p:sp>
-        <p:nvSpPr>
-          <p:cNvPr id="3" name="Picture Placeholder 2"/>
-          <p:cNvSpPr>
-            <a:spLocks noGrp="1"/>
-          </p:cNvSpPr>
-          <p:nvPr>
-            <p:ph type="pic" idx="1"/>
-          </p:nvPr>
-        </p:nvSpPr>
-        <p:spPr>
-          <a:xfrm>
-            <a:off x="1792288" y="612775"/>
-            <a:ext cx="5486400" cy="4114800"/>
-          </a:xfrm>
-        </p:spPr>
-        <p:txBody>
-          <a:bodyPr/>
-          <a:lstStyle>
-            <a:lvl1pPr marL="0" indent="0">
-              <a:buNone/>
-              <a:defRPr sz="3200"/>
-            </a:lvl1pPr>
-            <a:lvl2pPr marL="457200" indent="0">
-              <a:buNone/>
-              <a:defRPr sz="2800"/>
-            </a:lvl2pPr>
-            <a:lvl3pPr marL="914400" indent="0">
-              <a:buNone/>
-              <a:defRPr sz="2400"/>
-            </a:lvl3pPr>
-            <a:lvl4pPr marL="1371600" indent="0">
-              <a:buNone/>
-              <a:defRPr sz="2000"/>
-            </a:lvl4pPr>
-            <a:lvl5pPr marL="1828800" indent="0">
-              <a:buNone/>
-              <a:defRPr sz="2000"/>
-            </a:lvl5pPr>
-            <a:lvl6pPr marL="2286000" indent="0">
-              <a:buNone/>
-              <a:defRPr sz="2000"/>
-            </a:lvl6pPr>
-            <a:lvl7pPr marL="2743200" indent="0">
-              <a:buNone/>
-              <a:defRPr sz="2000"/>
-            </a:lvl7pPr>
-            <a:lvl8pPr marL="3200400" indent="0">
-              <a:buNone/>
-              <a:defRPr sz="2000"/>
-            </a:lvl8pPr>
-            <a:lvl9pPr marL="3657600" indent="0">
-              <a:buNone/>
-              <a:defRPr sz="2000"/>
-            </a:lvl9pPr>
-          </a:lstStyle>
-          <a:p>
-            <a:endParaRPr lang="en-US"/>
-          </a:p>
-        </p:txBody>
-      </p:sp>
-      <p:sp>
-        <p:nvSpPr>
-          <p:cNvPr id="4" name="Text Placeholder 3"/>
-          <p:cNvSpPr>
-            <a:spLocks noGrp="1"/>
-          </p:cNvSpPr>
-          <p:nvPr>
-            <p:ph type="body" sz="half" idx="2"/>
-          </p:nvPr>
-        </p:nvSpPr>
-        <p:spPr>
-          <a:xfrm>
-            <a:off x="1792288" y="5367338"/>
-            <a:ext cx="5486400" cy="804862"/>
-          </a:xfrm>
-        </p:spPr>
-        <p:txBody>
-          <a:bodyPr/>
-          <a:lstStyle>
-            <a:lvl1pPr marL="0" indent="0">
-              <a:buNone/>
-              <a:defRPr sz="1400"/>
-            </a:lvl1pPr>
-            <a:lvl2pPr marL="457200" indent="0">
-              <a:buNone/>
-              <a:defRPr sz="1200"/>
-            </a:lvl2pPr>
-            <a:lvl3pPr marL="914400" indent="0">
-              <a:buNone/>
-              <a:defRPr sz="1000"/>
-            </a:lvl3pPr>
-            <a:lvl4pPr marL="1371600" indent="0">
-              <a:buNone/>
-              <a:defRPr sz="900"/>
-            </a:lvl4pPr>
-            <a:lvl5pPr marL="1828800" indent="0">
-              <a:buNone/>
-              <a:defRPr sz="900"/>
-            </a:lvl5pPr>
-            <a:lvl6pPr marL="2286000" indent="0">
-              <a:buNone/>
-              <a:defRPr sz="900"/>
-            </a:lvl6pPr>
-            <a:lvl7pPr marL="2743200" indent="0">
-              <a:buNone/>
-              <a:defRPr sz="900"/>
-            </a:lvl7pPr>
-            <a:lvl8pPr marL="3200400" indent="0">
-              <a:buNone/>
-              <a:defRPr sz="900"/>
-            </a:lvl8pPr>
-            <a:lvl9pPr marL="3657600" indent="0">
-              <a:buNone/>
-              <a:defRPr sz="900"/>
-            </a:lvl9pPr>
-          </a:lstStyle>
-          <a:p>
-            <a:pPr lvl="0"/>
-            <a:r>
-              <a:rPr lang="en-US" smtClean="0"/>
-              <a:t>Click to edit Master text styles</a:t>
-            </a:r>
-          </a:p>
-        </p:txBody>
-      </p:sp>
-      <p:sp>
-        <p:nvSpPr>
-          <p:cNvPr id="5" name="Date Placeholder 4"/>
-          <p:cNvSpPr>
-            <a:spLocks noGrp="1"/>
-          </p:cNvSpPr>
-          <p:nvPr>
-            <p:ph type="dt" sz="half" idx="10"/>
-          </p:nvPr>
-        </p:nvSpPr>
-        <p:spPr/>
-        <p:txBody>
-          <a:bodyPr/>
-          <a:lstStyle/>
-          <a:p>
-            <a:fld id="{241EB5C9-1307-BA42-ABA2-0BC069CD8E7F}" type="datetimeFigureOut">
-              <a:rPr lang="en-US" smtClean="0"/>
-              <a:t>4/5/2019</a:t>
-            </a:fld>
-            <a:endParaRPr lang="en-US"/>
-          </a:p>
-        </p:txBody>
-      </p:sp>
-      <p:sp>
-        <p:nvSpPr>
-          <p:cNvPr id="6" name="Footer Placeholder 5"/>
-          <p:cNvSpPr>
-            <a:spLocks noGrp="1"/>
-          </p:cNvSpPr>
-          <p:nvPr>
-            <p:ph type="ftr" sz="quarter" idx="11"/>
-          </p:nvPr>
-        </p:nvSpPr>
-        <p:spPr/>
-        <p:txBody>
-          <a:bodyPr/>
-          <a:lstStyle/>
-          <a:p>
-            <a:endParaRPr lang="en-US"/>
-          </a:p>
-        </p:txBody>
-      </p:sp>
-      <p:sp>
-        <p:nvSpPr>
-          <p:cNvPr id="7" name="Slide Number Placeholder 6"/>
-          <p:cNvSpPr>
-            <a:spLocks noGrp="1"/>
-          </p:cNvSpPr>
-          <p:nvPr>
-            <p:ph type="sldNum" sz="quarter" idx="12"/>
-          </p:nvPr>
-        </p:nvSpPr>
-        <p:spPr/>
-        <p:txBody>
-          <a:bodyPr/>
-          <a:lstStyle/>
-          <a:p>
-            <a:fld id="{C5EF2332-01BF-834F-8236-50238282D533}" type="slidenum">
-              <a:rPr lang="en-US" smtClean="0"/>
-              <a:t>‹#›</a:t>
-            </a:fld>
-            <a:endParaRPr lang="en-US"/>
-          </a:p>
-        </p:txBody>
-      </p:sp>
-    </p:spTree>
-    <p:extLst>
-      <p:ext uri="{BB962C8B-B14F-4D97-AF65-F5344CB8AC3E}">
-        <p14:creationId xmlns:p14="http://schemas.microsoft.com/office/powerpoint/2010/main" val="3566899855"/>
-      </p:ext>
-    </p:extLst>
   </p:cSld>
   <p:clrMapOvr>
     <a:masterClrMapping/>
@@ -3323,125 +1670,6 @@
           </a:p>
         </p:txBody>
       </p:sp>
-      <p:sp>
-        <p:nvSpPr>
-          <p:cNvPr id="4" name="Date Placeholder 3"/>
-          <p:cNvSpPr>
-            <a:spLocks noGrp="1"/>
-          </p:cNvSpPr>
-          <p:nvPr>
-            <p:ph type="dt" sz="half" idx="2"/>
-          </p:nvPr>
-        </p:nvSpPr>
-        <p:spPr>
-          <a:xfrm>
-            <a:off x="838200" y="6356350"/>
-            <a:ext cx="2743200" cy="365125"/>
-          </a:xfrm>
-          <a:prstGeom prst="rect">
-            <a:avLst/>
-          </a:prstGeom>
-        </p:spPr>
-        <p:txBody>
-          <a:bodyPr vert="horz" lIns="91440" tIns="45720" rIns="91440" bIns="45720" rtlCol="0" anchor="ctr"/>
-          <a:lstStyle>
-            <a:lvl1pPr algn="l">
-              <a:defRPr sz="1200">
-                <a:gradFill flip="none" rotWithShape="1">
-                  <a:gsLst>
-                    <a:gs pos="28000">
-                      <a:schemeClr val="tx1">
-                        <a:lumMod val="93000"/>
-                      </a:schemeClr>
-                    </a:gs>
-                    <a:gs pos="0">
-                      <a:schemeClr val="bg1">
-                        <a:lumMod val="38000"/>
-                        <a:lumOff val="62000"/>
-                      </a:schemeClr>
-                    </a:gs>
-                    <a:gs pos="100000">
-                      <a:schemeClr val="tx2">
-                        <a:lumMod val="0"/>
-                        <a:lumOff val="100000"/>
-                      </a:schemeClr>
-                    </a:gs>
-                  </a:gsLst>
-                  <a:lin ang="5400000" scaled="1"/>
-                  <a:tileRect/>
-                </a:gradFill>
-              </a:defRPr>
-            </a:lvl1pPr>
-          </a:lstStyle>
-          <a:p>
-            <a:fld id="{51CF1133-3259-4C45-BABA-5B62D9C6F78D}" type="datetimeFigureOut">
-              <a:rPr lang="en-US" dirty="0"/>
-              <a:t>4/5/2021</a:t>
-            </a:fld>
-            <a:endParaRPr lang="en-US" dirty="0"/>
-          </a:p>
-        </p:txBody>
-      </p:sp>
-      <p:sp>
-        <p:nvSpPr>
-          <p:cNvPr id="6" name="Slide Number Placeholder 5"/>
-          <p:cNvSpPr>
-            <a:spLocks noGrp="1"/>
-          </p:cNvSpPr>
-          <p:nvPr>
-            <p:ph type="sldNum" sz="quarter" idx="4"/>
-          </p:nvPr>
-        </p:nvSpPr>
-        <p:spPr>
-          <a:xfrm>
-            <a:off x="8610600" y="6356350"/>
-            <a:ext cx="2743200" cy="365125"/>
-          </a:xfrm>
-          <a:prstGeom prst="rect">
-            <a:avLst/>
-          </a:prstGeom>
-        </p:spPr>
-        <p:txBody>
-          <a:bodyPr vert="horz" lIns="91440" tIns="45720" rIns="91440" bIns="45720" rtlCol="0" anchor="ctr"/>
-          <a:lstStyle>
-            <a:lvl1pPr algn="r">
-              <a:defRPr sz="1200">
-                <a:gradFill flip="none" rotWithShape="1">
-                  <a:gsLst>
-                    <a:gs pos="28000">
-                      <a:schemeClr val="tx1">
-                        <a:lumMod val="93000"/>
-                      </a:schemeClr>
-                    </a:gs>
-                    <a:gs pos="0">
-                      <a:schemeClr val="bg1">
-                        <a:lumMod val="38000"/>
-                        <a:lumOff val="62000"/>
-                      </a:schemeClr>
-                    </a:gs>
-                    <a:gs pos="100000">
-                      <a:schemeClr val="tx2">
-                        <a:lumMod val="0"/>
-                        <a:lumOff val="100000"/>
-                      </a:schemeClr>
-                    </a:gs>
-                  </a:gsLst>
-                  <a:lin ang="5400000" scaled="1"/>
-                  <a:tileRect/>
-                </a:gradFill>
-              </a:defRPr>
-            </a:lvl1pPr>
-          </a:lstStyle>
-          <a:p>
-            <a:fld id="{6D22F896-40B5-4ADD-8801-0D06FADFA095}" type="slidenum">
-              <a:rPr lang="en-US" dirty="0"/>
-              <a:pPr/>
-              <a:t>‹#›</a:t>
-            </a:fld>
-            <a:endParaRPr lang="en-US" dirty="0"/>
-          </a:p>
-        </p:txBody>
-      </p:sp>
     </p:spTree>
   </p:cSld>
   <p:clrMap bg1="dk1" tx1="lt1" bg2="dk2" tx2="lt2" accent1="accent1" accent2="accent2" accent3="accent3" accent4="accent4" accent5="accent5" accent6="accent6" hlink="hlink" folHlink="folHlink"/>
@@ -3469,7 +1697,7 @@
           <a:solidFill>
             <a:schemeClr val="bg1"/>
           </a:solidFill>
-          <a:latin typeface="+mj-lt"/>
+          <a:latin typeface="Univers" panose="020B0503020202020204" pitchFamily="34" charset="0"/>
           <a:ea typeface="+mj-ea"/>
           <a:cs typeface="+mj-cs"/>
         </a:defRPr>
@@ -3492,7 +1720,7 @@
           <a:solidFill>
             <a:schemeClr val="bg1"/>
           </a:solidFill>
-          <a:latin typeface="+mn-lt"/>
+          <a:latin typeface="Univers" panose="020B0503020202020204" pitchFamily="34" charset="0"/>
           <a:ea typeface="+mn-ea"/>
           <a:cs typeface="+mn-cs"/>
         </a:defRPr>
@@ -3513,7 +1741,7 @@
           <a:solidFill>
             <a:schemeClr val="bg1"/>
           </a:solidFill>
-          <a:latin typeface="+mn-lt"/>
+          <a:latin typeface="Univers" panose="020B0503020202020204" pitchFamily="34" charset="0"/>
           <a:ea typeface="+mn-ea"/>
           <a:cs typeface="+mn-cs"/>
         </a:defRPr>
@@ -3534,7 +1762,7 @@
           <a:solidFill>
             <a:schemeClr val="bg1"/>
           </a:solidFill>
-          <a:latin typeface="+mn-lt"/>
+          <a:latin typeface="Univers" panose="020B0503020202020204" pitchFamily="34" charset="0"/>
           <a:ea typeface="+mn-ea"/>
           <a:cs typeface="+mn-cs"/>
         </a:defRPr>
@@ -3555,7 +1783,7 @@
           <a:solidFill>
             <a:schemeClr val="bg1"/>
           </a:solidFill>
-          <a:latin typeface="+mn-lt"/>
+          <a:latin typeface="Univers" panose="020B0503020202020204" pitchFamily="34" charset="0"/>
           <a:ea typeface="+mn-ea"/>
           <a:cs typeface="+mn-cs"/>
         </a:defRPr>
@@ -3576,7 +1804,7 @@
           <a:solidFill>
             <a:schemeClr val="bg1"/>
           </a:solidFill>
-          <a:latin typeface="+mn-lt"/>
+          <a:latin typeface="Univers" panose="020B0503020202020204" pitchFamily="34" charset="0"/>
           <a:ea typeface="+mn-ea"/>
           <a:cs typeface="+mn-cs"/>
         </a:defRPr>
@@ -3796,20 +2024,11 @@
           <a:bodyPr/>
           <a:lstStyle/>
           <a:p>
-            <a:pPr lvl="0" marL="0" indent="0">
-              <a:buNone/>
-            </a:pPr>
-            <a:r>
-              <a:rPr/>
-              <a:t>00-R</a:t>
-            </a:r>
-            <a:r>
-              <a:rPr/>
-              <a:t> </a:t>
-            </a:r>
-            <a:r>
-              <a:rPr/>
-              <a:t>Markdown学术写作热身</a:t>
+            <a:pPr marL="0" lvl="0" indent="0">
+              <a:buNone/>
+            </a:pPr>
+            <a:r>
+              <a:t>00-R Markdown学术写作热身</a:t>
             </a:r>
           </a:p>
         </p:txBody>
@@ -3840,13 +2059,12 @@
           <a:bodyPr/>
           <a:lstStyle/>
           <a:p>
-            <a:pPr lvl="0" marL="0" indent="0">
+            <a:pPr marL="0" lvl="0" indent="0">
               <a:buNone/>
             </a:pPr>
             <a:br/>
             <a:br/>
             <a:r>
-              <a:rPr/>
               <a:t>梁昊</a:t>
             </a:r>
           </a:p>
@@ -3867,16 +2085,18 @@
             <a:off x="838201" y="6185060"/>
             <a:ext cx="2743200" cy="365125"/>
           </a:xfrm>
+          <a:prstGeom prst="rect">
+            <a:avLst/>
+          </a:prstGeom>
         </p:spPr>
         <p:txBody>
           <a:bodyPr/>
           <a:lstStyle/>
           <a:p>
-            <a:pPr lvl="0" marL="0" indent="0">
-              <a:buNone/>
-            </a:pPr>
-            <a:r>
-              <a:rPr/>
+            <a:pPr marL="0" lvl="0" indent="0">
+              <a:buNone/>
+            </a:pPr>
+            <a:r>
               <a:t>06/03/2021</a:t>
             </a:r>
           </a:p>
@@ -3884,6 +2104,9 @@
       </p:sp>
     </p:spTree>
   </p:cSld>
+  <p:clrMapOvr>
+    <a:masterClrMapping/>
+  </p:clrMapOvr>
 </p:sld>
 </file>
 
@@ -3930,102 +2153,88 @@
           <a:bodyPr/>
           <a:lstStyle/>
           <a:p>
-            <a:pPr lvl="0" marL="0" indent="0">
-              <a:buNone/>
-            </a:pPr>
-            <a:r>
-              <a:rPr/>
-              <a:t>R</a:t>
-            </a:r>
-            <a:r>
-              <a:rPr/>
-              <a:t> </a:t>
-            </a:r>
-            <a:r>
-              <a:rPr/>
-              <a:t>Markdown</a:t>
-            </a:r>
-            <a:r>
-              <a:rPr/>
-              <a:t> </a:t>
-            </a:r>
-            <a:r>
-              <a:rPr/>
-              <a:t>workflow</a:t>
-            </a:r>
-          </a:p>
-        </p:txBody>
-      </p:sp>
-      <p:pic>
-        <p:nvPicPr>
-          <p:cNvPr descr="images/workflow.png" id="0" name="Picture 1"/>
-          <p:cNvPicPr>
-            <a:picLocks noGrp="1" noChangeAspect="1"/>
-          </p:cNvPicPr>
-          <p:nvPr/>
-        </p:nvPicPr>
-        <p:blipFill>
-          <a:blip r:embed="rId2"/>
-          <a:stretch>
-            <a:fillRect/>
-          </a:stretch>
-        </p:blipFill>
-        <p:spPr bwMode="auto">
-          <a:xfrm>
-            <a:off x="1155700" y="1485900"/>
-            <a:ext cx="10210800" cy="4165600"/>
-          </a:xfrm>
-          <a:prstGeom prst="rect">
-            <a:avLst/>
-          </a:prstGeom>
-          <a:noFill/>
-          <a:ln w="9525">
-            <a:noFill/>
-            <a:headEnd/>
-            <a:tailEnd/>
-          </a:ln>
-        </p:spPr>
-      </p:pic>
-      <p:sp>
-        <p:nvSpPr>
-          <p:cNvPr id="1" name="TextBox 3"/>
-          <p:cNvSpPr txBox="1"/>
-          <p:nvPr/>
-        </p:nvSpPr>
-        <p:spPr>
-          <a:xfrm>
-            <a:off x="825500" y="5651500"/>
-            <a:ext cx="10858500" cy="508000"/>
-          </a:xfrm>
-          <a:prstGeom prst="rect">
-            <a:avLst/>
-          </a:prstGeom>
-          <a:noFill/>
-        </p:spPr>
+            <a:pPr marL="0" lvl="0" indent="0">
+              <a:buNone/>
+            </a:pPr>
+            <a:r>
+              <a:t>传统工作流</a:t>
+            </a:r>
+          </a:p>
+        </p:txBody>
+      </p:sp>
+      <p:sp>
+        <p:nvSpPr>
+          <p:cNvPr id="12" name="Content Placeholder 2">
+            <a:extLst>
+              <a:ext uri="{FF2B5EF4-FFF2-40B4-BE49-F238E27FC236}">
+                <a16:creationId xmlns:a16="http://schemas.microsoft.com/office/drawing/2014/main" id="{91E23ACD-CC52-4FE4-A28E-15DDE627EE00}"/>
+              </a:ext>
+            </a:extLst>
+          </p:cNvPr>
+          <p:cNvSpPr>
+            <a:spLocks noGrp="1"/>
+          </p:cNvSpPr>
+          <p:nvPr>
+            <p:ph idx="1" hasCustomPrompt="1"/>
+          </p:nvPr>
+        </p:nvSpPr>
+        <p:spPr/>
         <p:txBody>
           <a:bodyPr/>
           <a:lstStyle/>
           <a:p>
-            <a:pPr lvl="0" marL="0" indent="0" algn="ctr">
-              <a:buNone/>
-            </a:pPr>
-            <a:r>
-              <a:rPr/>
-              <a:t>支持开源和学术透明、推动R</a:t>
-            </a:r>
-            <a:r>
-              <a:rPr/>
-              <a:t> </a:t>
-            </a:r>
-            <a:r>
-              <a:rPr/>
-              <a:t>Markdown中国化</a:t>
+            <a:pPr lvl="1">
+              <a:buAutoNum type="arabicPeriod"/>
+            </a:pPr>
+            <a:r>
+              <a:t>统计分析 → SPSS, SAS, Excel</a:t>
+            </a:r>
+          </a:p>
+          <a:p>
+            <a:pPr lvl="1">
+              <a:buAutoNum type="arabicPeriod"/>
+            </a:pPr>
+            <a:r>
+              <a:t>报告撰写 → Word</a:t>
+            </a:r>
+          </a:p>
+          <a:p>
+            <a:pPr lvl="1">
+              <a:buAutoNum type="arabicPeriod"/>
+            </a:pPr>
+            <a:r>
+              <a:t>啊！我发现统计分析时，用错资料了…→重复步骤 1, 2</a:t>
+            </a:r>
+          </a:p>
+          <a:p>
+            <a:pPr lvl="1">
+              <a:buAutoNum type="arabicPeriod"/>
+            </a:pPr>
+            <a:r>
+              <a:t>输出报告</a:t>
+            </a:r>
+          </a:p>
+          <a:p>
+            <a:pPr marL="0" lvl="0" indent="0">
+              <a:buNone/>
+            </a:pPr>
+            <a:r>
+              <a:t>参考：</a:t>
+            </a:r>
+            <a:r>
+              <a:rPr>
+                <a:hlinkClick r:id="rId2"/>
+              </a:rPr>
+              <a:t>https://yongfu.name/2019-fju-rmd-talk/slide/#25</a:t>
             </a:r>
           </a:p>
         </p:txBody>
       </p:sp>
     </p:spTree>
   </p:cSld>
+  <p:clrMapOvr>
+    <a:masterClrMapping/>
+  </p:clrMapOvr>
 </p:sld>
 </file>
 
@@ -4072,114 +2281,79 @@
           <a:bodyPr/>
           <a:lstStyle/>
           <a:p>
-            <a:pPr lvl="0" marL="0" indent="0">
-              <a:buNone/>
-            </a:pPr>
-            <a:r>
-              <a:rPr/>
-              <a:t>事半功倍</a:t>
-            </a:r>
-          </a:p>
-        </p:txBody>
-      </p:sp>
-      <p:sp>
-        <p:nvSpPr>
-          <p:cNvPr id="12" name="Content Placeholder 2">
-            <a:extLst>
-              <a:ext uri="{FF2B5EF4-FFF2-40B4-BE49-F238E27FC236}">
-                <a16:creationId xmlns:a16="http://schemas.microsoft.com/office/drawing/2014/main" id="{91E23ACD-CC52-4FE4-A28E-15DDE627EE00}"/>
-              </a:ext>
-            </a:extLst>
-          </p:cNvPr>
-          <p:cNvSpPr>
-            <a:spLocks noGrp="1"/>
-          </p:cNvSpPr>
-          <p:nvPr>
-            <p:ph idx="1"/>
-          </p:nvPr>
-        </p:nvSpPr>
-        <p:spPr/>
+            <a:pPr marL="0" lvl="0" indent="0">
+              <a:buNone/>
+            </a:pPr>
+            <a:r>
+              <a:t>R Markdown 工作流</a:t>
+            </a:r>
+          </a:p>
+        </p:txBody>
+      </p:sp>
+      <p:pic>
+        <p:nvPicPr>
+          <p:cNvPr id="2" name="Picture 1" descr="images/workflow.png"/>
+          <p:cNvPicPr>
+            <a:picLocks noGrp="1" noChangeAspect="1"/>
+          </p:cNvPicPr>
+          <p:nvPr/>
+        </p:nvPicPr>
+        <p:blipFill>
+          <a:blip r:embed="rId2"/>
+          <a:stretch>
+            <a:fillRect/>
+          </a:stretch>
+        </p:blipFill>
+        <p:spPr bwMode="auto">
+          <a:xfrm>
+            <a:off x="1155700" y="1485900"/>
+            <a:ext cx="10210800" cy="4165600"/>
+          </a:xfrm>
+          <a:prstGeom prst="rect">
+            <a:avLst/>
+          </a:prstGeom>
+          <a:noFill/>
+          <a:ln w="9525">
+            <a:noFill/>
+            <a:headEnd/>
+            <a:tailEnd/>
+          </a:ln>
+        </p:spPr>
+      </p:pic>
+      <p:sp>
+        <p:nvSpPr>
+          <p:cNvPr id="3" name="TextBox 3"/>
+          <p:cNvSpPr txBox="1"/>
+          <p:nvPr/>
+        </p:nvSpPr>
+        <p:spPr>
+          <a:xfrm>
+            <a:off x="825500" y="5651500"/>
+            <a:ext cx="10858500" cy="508000"/>
+          </a:xfrm>
+          <a:prstGeom prst="rect">
+            <a:avLst/>
+          </a:prstGeom>
+          <a:noFill/>
+        </p:spPr>
         <p:txBody>
           <a:bodyPr/>
           <a:lstStyle/>
           <a:p>
-            <a:pPr lvl="0" marL="0" indent="0">
-              <a:buNone/>
-            </a:pPr>
-            <a:r>
-              <a:rPr/>
-              <a:t>简单易学：R很简单，配合tidyverse等系列包，代码可读性强</a:t>
-            </a:r>
-          </a:p>
-          <a:p>
-            <a:pPr lvl="0" marL="0" indent="0">
-              <a:buNone/>
-            </a:pPr>
-            <a:r>
-              <a:rPr/>
-              <a:t>All in one （鱼与熊掌，我全都要）：一个软件全都有，数据-分析-可视化-写作-展示（类似于家装全包）</a:t>
-            </a:r>
-          </a:p>
-          <a:p>
-            <a:pPr lvl="0" marL="0" indent="0">
-              <a:buNone/>
-            </a:pPr>
-            <a:r>
-              <a:rPr/>
-              <a:t>一个残酷的现实：用统计的，往往不是学统计的。</a:t>
-            </a:r>
-          </a:p>
-          <a:p>
-            <a:pPr lvl="1"/>
-            <a:r>
-              <a:rPr/>
-              <a:t>R语言做统计分析，是它的看家本领，非常好用！</a:t>
-            </a:r>
-          </a:p>
-          <a:p>
-            <a:pPr lvl="0" marL="0" indent="0">
-              <a:buNone/>
-            </a:pPr>
-            <a:r>
-              <a:rPr/>
-              <a:t>R的表格和可视化，是颜值担当，高大上，无出其右！</a:t>
-            </a:r>
-          </a:p>
-          <a:p>
-            <a:pPr lvl="0" marL="0" indent="0">
-              <a:buNone/>
-            </a:pPr>
-            <a:r>
-              <a:rPr/>
-              <a:t>不论写论文、写书、写报告、PPT，它都是让你脱颖而出的好工具！</a:t>
-            </a:r>
-          </a:p>
-          <a:p>
-            <a:pPr lvl="1"/>
-            <a:r>
-              <a:rPr/>
-              <a:t>更多期刊和作者都在使用R Markdown，学习R Markdown就是拥抱未来！</a:t>
-            </a:r>
-          </a:p>
-          <a:p>
-            <a:pPr lvl="0" marL="0" indent="0">
-              <a:buNone/>
-            </a:pPr>
-            <a:r>
-              <a:rPr/>
-              <a:t>——参考王敏杰</a:t>
-            </a:r>
-            <a:r>
-              <a:rPr>
-                <a:hlinkClick r:id="rId2"/>
-              </a:rPr>
-              <a:t>《数据科学中的 R 语言》</a:t>
+            <a:pPr marL="0" lvl="0" indent="0" algn="ctr">
+              <a:buNone/>
+            </a:pPr>
+            <a:r>
+              <a:t>支持开源和学术透明、推动R Markdown中国化</a:t>
             </a:r>
           </a:p>
         </p:txBody>
       </p:sp>
     </p:spTree>
   </p:cSld>
+  <p:clrMapOvr>
+    <a:masterClrMapping/>
+  </p:clrMapOvr>
 </p:sld>
 </file>
 
@@ -4202,36 +2376,140 @@
       </p:grpSpPr>
       <p:sp>
         <p:nvSpPr>
-          <p:cNvPr id="7" name="Title 1"/>
+          <p:cNvPr id="11" name="Title 1">
+            <a:extLst>
+              <a:ext uri="{FF2B5EF4-FFF2-40B4-BE49-F238E27FC236}">
+                <a16:creationId xmlns:a16="http://schemas.microsoft.com/office/drawing/2014/main" id="{2391D614-6EEB-4C42-A746-C9FB67E11481}"/>
+              </a:ext>
+            </a:extLst>
+          </p:cNvPr>
           <p:cNvSpPr>
             <a:spLocks noGrp="1"/>
           </p:cNvSpPr>
           <p:nvPr>
-            <p:ph type="ctrTitle"/>
+            <p:ph type="title"/>
           </p:nvPr>
         </p:nvSpPr>
         <p:spPr>
           <a:xfrm>
-            <a:off x="1783577" y="4036880"/>
-            <a:ext cx="8463639" cy="862715"/>
+            <a:off x="838198" y="362260"/>
+            <a:ext cx="8486957" cy="637553"/>
           </a:xfrm>
         </p:spPr>
         <p:txBody>
           <a:bodyPr/>
           <a:lstStyle/>
           <a:p>
-            <a:pPr lvl="0" marL="0" indent="0">
-              <a:buNone/>
-            </a:pPr>
-            <a:r>
-              <a:rPr/>
-              <a:t>这门课适合谁?</a:t>
+            <a:pPr marL="0" lvl="0" indent="0">
+              <a:buNone/>
+            </a:pPr>
+            <a:r>
+              <a:t>事半功倍</a:t>
+            </a:r>
+          </a:p>
+        </p:txBody>
+      </p:sp>
+      <p:sp>
+        <p:nvSpPr>
+          <p:cNvPr id="12" name="Content Placeholder 2">
+            <a:extLst>
+              <a:ext uri="{FF2B5EF4-FFF2-40B4-BE49-F238E27FC236}">
+                <a16:creationId xmlns:a16="http://schemas.microsoft.com/office/drawing/2014/main" id="{91E23ACD-CC52-4FE4-A28E-15DDE627EE00}"/>
+              </a:ext>
+            </a:extLst>
+          </p:cNvPr>
+          <p:cNvSpPr>
+            <a:spLocks noGrp="1"/>
+          </p:cNvSpPr>
+          <p:nvPr>
+            <p:ph idx="1" hasCustomPrompt="1"/>
+          </p:nvPr>
+        </p:nvSpPr>
+        <p:spPr/>
+        <p:txBody>
+          <a:bodyPr/>
+          <a:lstStyle/>
+          <a:p>
+            <a:pPr marL="0" lvl="0" indent="0">
+              <a:buNone/>
+            </a:pPr>
+            <a:r>
+              <a:t>R开源、免费</a:t>
+            </a:r>
+          </a:p>
+          <a:p>
+            <a:pPr marL="0" lvl="0" indent="0">
+              <a:buNone/>
+            </a:pPr>
+            <a:r>
+              <a:t>简单易学：R很简单，配合tidyverse等系列包，代码可读性强</a:t>
+            </a:r>
+          </a:p>
+          <a:p>
+            <a:pPr marL="0" lvl="0" indent="0">
+              <a:buNone/>
+            </a:pPr>
+            <a:r>
+              <a:t>All in one (鱼与熊掌，我全都要)：一个软件全都有，数据-分析-可视化-写作-展示类(似于家装全)包一波流</a:t>
+            </a:r>
+          </a:p>
+          <a:p>
+            <a:pPr marL="0" lvl="0" indent="0">
+              <a:buNone/>
+            </a:pPr>
+            <a:r>
+              <a:t>一个残酷的现实：用统计的，往往不是学统计的</a:t>
+            </a:r>
+          </a:p>
+          <a:p>
+            <a:pPr lvl="1"/>
+            <a:r>
+              <a:t>R语言做统计分析，是它的看家本领，非常好用</a:t>
+            </a:r>
+          </a:p>
+          <a:p>
+            <a:pPr marL="0" lvl="0" indent="0">
+              <a:buNone/>
+            </a:pPr>
+            <a:r>
+              <a:t>R的表格和可视化，是颜值担当，高大上，无出其右</a:t>
+            </a:r>
+          </a:p>
+          <a:p>
+            <a:pPr marL="0" lvl="0" indent="0">
+              <a:buNone/>
+            </a:pPr>
+            <a:r>
+              <a:t>不论写论文、写书、写报告、PPT，它都是让你脱颖而出的好工具</a:t>
+            </a:r>
+          </a:p>
+          <a:p>
+            <a:pPr lvl="1"/>
+            <a:r>
+              <a:t>更多期刊和作者都在使用R Markdown，学习R Markdown就是拥抱未来</a:t>
+            </a:r>
+          </a:p>
+          <a:p>
+            <a:pPr marL="0" lvl="0" indent="0">
+              <a:buNone/>
+            </a:pPr>
+            <a:r>
+              <a:t>——参考王敏杰</a:t>
+            </a:r>
+            <a:r>
+              <a:rPr>
+                <a:hlinkClick r:id="rId2"/>
+              </a:rPr>
+              <a:t>《数据科学中的 R 语言》</a:t>
             </a:r>
           </a:p>
         </p:txBody>
       </p:sp>
     </p:spTree>
   </p:cSld>
+  <p:clrMapOvr>
+    <a:masterClrMapping/>
+  </p:clrMapOvr>
 </p:sld>
 </file>
 
@@ -4254,124 +2532,38 @@
       </p:grpSpPr>
       <p:sp>
         <p:nvSpPr>
-          <p:cNvPr id="11" name="Title 1">
-            <a:extLst>
-              <a:ext uri="{FF2B5EF4-FFF2-40B4-BE49-F238E27FC236}">
-                <a16:creationId xmlns:a16="http://schemas.microsoft.com/office/drawing/2014/main" id="{2391D614-6EEB-4C42-A746-C9FB67E11481}"/>
-              </a:ext>
-            </a:extLst>
-          </p:cNvPr>
+          <p:cNvPr id="7" name="Title 1"/>
           <p:cNvSpPr>
             <a:spLocks noGrp="1"/>
           </p:cNvSpPr>
           <p:nvPr>
-            <p:ph type="title"/>
+            <p:ph type="ctrTitle"/>
           </p:nvPr>
         </p:nvSpPr>
         <p:spPr>
           <a:xfrm>
-            <a:off x="838198" y="362260"/>
-            <a:ext cx="8486957" cy="637553"/>
+            <a:off x="1783577" y="4036880"/>
+            <a:ext cx="8463639" cy="862715"/>
           </a:xfrm>
         </p:spPr>
         <p:txBody>
           <a:bodyPr/>
           <a:lstStyle/>
           <a:p>
-            <a:pPr lvl="0" marL="0" indent="0">
-              <a:buNone/>
-            </a:pPr>
-            <a:r>
-              <a:rPr/>
-              <a:t>适合谁？</a:t>
-            </a:r>
-          </a:p>
-        </p:txBody>
-      </p:sp>
-      <p:sp>
-        <p:nvSpPr>
-          <p:cNvPr id="12" name="Content Placeholder 2">
-            <a:extLst>
-              <a:ext uri="{FF2B5EF4-FFF2-40B4-BE49-F238E27FC236}">
-                <a16:creationId xmlns:a16="http://schemas.microsoft.com/office/drawing/2014/main" id="{91E23ACD-CC52-4FE4-A28E-15DDE627EE00}"/>
-              </a:ext>
-            </a:extLst>
-          </p:cNvPr>
-          <p:cNvSpPr>
-            <a:spLocks noGrp="1"/>
-          </p:cNvSpPr>
-          <p:nvPr>
-            <p:ph idx="1"/>
-          </p:nvPr>
-        </p:nvSpPr>
-        <p:spPr/>
-        <p:txBody>
-          <a:bodyPr/>
-          <a:lstStyle/>
-          <a:p>
-            <a:pPr lvl="1"/>
-            <a:r>
-              <a:rPr/>
-              <a:t>科研工作者（拯救科研狗）</a:t>
-            </a:r>
-          </a:p>
-          <a:p>
-            <a:pPr lvl="2"/>
-            <a:r>
-              <a:rPr/>
-              <a:t>理工农</a:t>
-            </a:r>
-            <a:r>
-              <a:rPr b="1"/>
-              <a:t>医</a:t>
-            </a:r>
-          </a:p>
-          <a:p>
-            <a:pPr lvl="2"/>
-            <a:r>
-              <a:rPr/>
-              <a:t>社科</a:t>
-            </a:r>
-          </a:p>
-          <a:p>
-            <a:pPr lvl="2"/>
-            <a:r>
-              <a:rPr/>
-              <a:t>心理</a:t>
-            </a:r>
-          </a:p>
-          <a:p>
-            <a:pPr lvl="2"/>
-            <a:r>
-              <a:rPr/>
-              <a:t>商业</a:t>
-            </a:r>
-          </a:p>
-          <a:p>
-            <a:pPr lvl="2"/>
-            <a:r>
-              <a:rPr/>
-              <a:t>经济</a:t>
-            </a:r>
-          </a:p>
-          <a:p>
-            <a:pPr lvl="1"/>
-            <a:r>
-              <a:rPr/>
-              <a:t>研究生(同理，各学科)</a:t>
-            </a:r>
-          </a:p>
-          <a:p>
-            <a:pPr lvl="1"/>
-            <a:r>
-              <a:rPr/>
-              <a:t>数据科学</a:t>
+            <a:pPr marL="0" lvl="0" indent="0">
+              <a:buNone/>
+            </a:pPr>
+            <a:r>
+              <a:t>这门课适合谁?</a:t>
             </a:r>
           </a:p>
         </p:txBody>
       </p:sp>
     </p:spTree>
   </p:cSld>
+  <p:clrMapOvr>
+    <a:masterClrMapping/>
+  </p:clrMapOvr>
 </p:sld>
 </file>
 
@@ -4394,36 +2586,118 @@
       </p:grpSpPr>
       <p:sp>
         <p:nvSpPr>
-          <p:cNvPr id="7" name="Title 1"/>
+          <p:cNvPr id="11" name="Title 1">
+            <a:extLst>
+              <a:ext uri="{FF2B5EF4-FFF2-40B4-BE49-F238E27FC236}">
+                <a16:creationId xmlns:a16="http://schemas.microsoft.com/office/drawing/2014/main" id="{2391D614-6EEB-4C42-A746-C9FB67E11481}"/>
+              </a:ext>
+            </a:extLst>
+          </p:cNvPr>
           <p:cNvSpPr>
             <a:spLocks noGrp="1"/>
           </p:cNvSpPr>
           <p:nvPr>
-            <p:ph type="ctrTitle"/>
+            <p:ph type="title"/>
           </p:nvPr>
         </p:nvSpPr>
         <p:spPr>
           <a:xfrm>
-            <a:off x="1783577" y="4036880"/>
-            <a:ext cx="8463639" cy="862715"/>
+            <a:off x="838198" y="362260"/>
+            <a:ext cx="8486957" cy="637553"/>
           </a:xfrm>
         </p:spPr>
         <p:txBody>
           <a:bodyPr/>
           <a:lstStyle/>
           <a:p>
-            <a:pPr lvl="0" marL="0" indent="0">
-              <a:buNone/>
-            </a:pPr>
-            <a:r>
-              <a:rPr/>
-              <a:t>需要哪些基础?</a:t>
+            <a:pPr marL="0" lvl="0" indent="0">
+              <a:buNone/>
+            </a:pPr>
+            <a:r>
+              <a:t>适合谁？</a:t>
+            </a:r>
+          </a:p>
+        </p:txBody>
+      </p:sp>
+      <p:sp>
+        <p:nvSpPr>
+          <p:cNvPr id="12" name="Content Placeholder 2">
+            <a:extLst>
+              <a:ext uri="{FF2B5EF4-FFF2-40B4-BE49-F238E27FC236}">
+                <a16:creationId xmlns:a16="http://schemas.microsoft.com/office/drawing/2014/main" id="{91E23ACD-CC52-4FE4-A28E-15DDE627EE00}"/>
+              </a:ext>
+            </a:extLst>
+          </p:cNvPr>
+          <p:cNvSpPr>
+            <a:spLocks noGrp="1"/>
+          </p:cNvSpPr>
+          <p:nvPr>
+            <p:ph idx="1" hasCustomPrompt="1"/>
+          </p:nvPr>
+        </p:nvSpPr>
+        <p:spPr/>
+        <p:txBody>
+          <a:bodyPr/>
+          <a:lstStyle/>
+          <a:p>
+            <a:pPr lvl="1"/>
+            <a:r>
+              <a:t>科研工作者(拯救科研狗)</a:t>
+            </a:r>
+          </a:p>
+          <a:p>
+            <a:pPr lvl="2"/>
+            <a:r>
+              <a:t>理工农</a:t>
+            </a:r>
+            <a:r>
+              <a:rPr b="1"/>
+              <a:t>医</a:t>
+            </a:r>
+          </a:p>
+          <a:p>
+            <a:pPr lvl="2"/>
+            <a:r>
+              <a:t>社科</a:t>
+            </a:r>
+          </a:p>
+          <a:p>
+            <a:pPr lvl="2"/>
+            <a:r>
+              <a:t>心理</a:t>
+            </a:r>
+          </a:p>
+          <a:p>
+            <a:pPr lvl="2"/>
+            <a:r>
+              <a:t>商业</a:t>
+            </a:r>
+          </a:p>
+          <a:p>
+            <a:pPr lvl="2"/>
+            <a:r>
+              <a:t>经济</a:t>
+            </a:r>
+          </a:p>
+          <a:p>
+            <a:pPr lvl="1"/>
+            <a:r>
+              <a:t>研究生(同理，各学科)</a:t>
+            </a:r>
+          </a:p>
+          <a:p>
+            <a:pPr lvl="1"/>
+            <a:r>
+              <a:t>数据科学</a:t>
             </a:r>
           </a:p>
         </p:txBody>
       </p:sp>
     </p:spTree>
   </p:cSld>
+  <p:clrMapOvr>
+    <a:masterClrMapping/>
+  </p:clrMapOvr>
 </p:sld>
 </file>
 
@@ -4446,116 +2720,38 @@
       </p:grpSpPr>
       <p:sp>
         <p:nvSpPr>
-          <p:cNvPr id="12" name="Content Placeholder 2">
-            <a:extLst>
-              <a:ext uri="{FF2B5EF4-FFF2-40B4-BE49-F238E27FC236}">
-                <a16:creationId xmlns:a16="http://schemas.microsoft.com/office/drawing/2014/main" id="{91E23ACD-CC52-4FE4-A28E-15DDE627EE00}"/>
-              </a:ext>
-            </a:extLst>
-          </p:cNvPr>
+          <p:cNvPr id="7" name="Title 1"/>
           <p:cNvSpPr>
             <a:spLocks noGrp="1"/>
           </p:cNvSpPr>
           <p:nvPr>
-            <p:ph idx="1"/>
+            <p:ph type="ctrTitle"/>
           </p:nvPr>
         </p:nvSpPr>
-        <p:spPr/>
+        <p:spPr>
+          <a:xfrm>
+            <a:off x="1783577" y="4036880"/>
+            <a:ext cx="8463639" cy="862715"/>
+          </a:xfrm>
+        </p:spPr>
         <p:txBody>
           <a:bodyPr/>
           <a:lstStyle/>
           <a:p>
-            <a:pPr lvl="0" marL="0" indent="0">
-              <a:buNone/>
-            </a:pPr>
-            <a:r>
-              <a:rPr/>
-              <a:t>英语基础</a:t>
-            </a:r>
-          </a:p>
-          <a:p>
-            <a:pPr lvl="1"/>
-            <a:r>
-              <a:rPr/>
-              <a:t>有点英语基础，能看懂基本单词</a:t>
-            </a:r>
-          </a:p>
-          <a:p>
-            <a:pPr lvl="0" marL="0" indent="0">
-              <a:buNone/>
-            </a:pPr>
-            <a:r>
-              <a:rPr/>
-              <a:t>编程基础</a:t>
-            </a:r>
-          </a:p>
-          <a:p>
-            <a:pPr lvl="1"/>
-            <a:r>
-              <a:rPr/>
-              <a:t>Python或R编程基础最佳，没有编程基础，也可。</a:t>
-            </a:r>
-          </a:p>
-          <a:p>
-            <a:pPr lvl="1"/>
-            <a:r>
-              <a:rPr/>
-              <a:t>R markdown 与Jupyter notebook是亲兄弟</a:t>
-            </a:r>
-          </a:p>
-          <a:p>
-            <a:pPr lvl="0" marL="0" indent="0">
-              <a:buNone/>
-            </a:pPr>
-            <a:r>
-              <a:rPr/>
-              <a:t>统计学基础</a:t>
-            </a:r>
-          </a:p>
-          <a:p>
-            <a:pPr lvl="1"/>
-            <a:r>
-              <a:rPr/>
-              <a:t>懂基本的统计学原理，和统计学方法的适用对象</a:t>
-            </a:r>
-          </a:p>
-          <a:p>
-            <a:pPr lvl="1"/>
-            <a:r>
-              <a:rPr/>
-              <a:t>会看统计图表</a:t>
-            </a:r>
-          </a:p>
-          <a:p>
-            <a:pPr lvl="1"/>
-            <a:r>
-              <a:rPr/>
-              <a:t>会点SPSS就OK</a:t>
-            </a:r>
-          </a:p>
-          <a:p>
-            <a:pPr lvl="0" marL="0" indent="0">
-              <a:buNone/>
-            </a:pPr>
-            <a:r>
-              <a:rPr/>
-              <a:t>本科程没有复杂的</a:t>
-            </a:r>
-            <a:r>
-              <a:rPr>
-                <a:latin typeface="Courier"/>
-              </a:rPr>
-              <a:t>公式</a:t>
-            </a:r>
-            <a:r>
-              <a:rPr/>
-              <a:t>！</a:t>
+            <a:pPr marL="0" lvl="0" indent="0">
+              <a:buNone/>
+            </a:pPr>
+            <a:r>
+              <a:t>需要哪些基础?</a:t>
             </a:r>
           </a:p>
         </p:txBody>
       </p:sp>
     </p:spTree>
   </p:cSld>
+  <p:clrMapOvr>
+    <a:masterClrMapping/>
+  </p:clrMapOvr>
 </p:sld>
 </file>
 
@@ -4578,36 +2774,108 @@
       </p:grpSpPr>
       <p:sp>
         <p:nvSpPr>
-          <p:cNvPr id="7" name="Title 1"/>
+          <p:cNvPr id="12" name="Content Placeholder 2">
+            <a:extLst>
+              <a:ext uri="{FF2B5EF4-FFF2-40B4-BE49-F238E27FC236}">
+                <a16:creationId xmlns:a16="http://schemas.microsoft.com/office/drawing/2014/main" id="{91E23ACD-CC52-4FE4-A28E-15DDE627EE00}"/>
+              </a:ext>
+            </a:extLst>
+          </p:cNvPr>
           <p:cNvSpPr>
             <a:spLocks noGrp="1"/>
           </p:cNvSpPr>
           <p:nvPr>
-            <p:ph type="ctrTitle"/>
+            <p:ph idx="1" hasCustomPrompt="1"/>
           </p:nvPr>
         </p:nvSpPr>
-        <p:spPr>
-          <a:xfrm>
-            <a:off x="1783577" y="4036880"/>
-            <a:ext cx="8463639" cy="862715"/>
-          </a:xfrm>
-        </p:spPr>
+        <p:spPr/>
         <p:txBody>
           <a:bodyPr/>
           <a:lstStyle/>
           <a:p>
-            <a:pPr lvl="0" marL="0" indent="0">
-              <a:buNone/>
-            </a:pPr>
-            <a:r>
-              <a:rPr/>
-              <a:t>Examples</a:t>
+            <a:pPr marL="0" lvl="0" indent="0">
+              <a:buNone/>
+            </a:pPr>
+            <a:r>
+              <a:t>英语基础</a:t>
+            </a:r>
+          </a:p>
+          <a:p>
+            <a:pPr lvl="1"/>
+            <a:r>
+              <a:t>有点英语基础，能看懂基本单词</a:t>
+            </a:r>
+          </a:p>
+          <a:p>
+            <a:pPr marL="0" lvl="0" indent="0">
+              <a:buNone/>
+            </a:pPr>
+            <a:r>
+              <a:t>编程基础</a:t>
+            </a:r>
+          </a:p>
+          <a:p>
+            <a:pPr lvl="1"/>
+            <a:r>
+              <a:t>Python或R编程基础最佳，没有编程基础，也可</a:t>
+            </a:r>
+          </a:p>
+          <a:p>
+            <a:pPr lvl="1"/>
+            <a:r>
+              <a:t>R markdown 与Jupyter notebook是亲兄弟</a:t>
+            </a:r>
+          </a:p>
+          <a:p>
+            <a:pPr marL="0" lvl="0" indent="0">
+              <a:buNone/>
+            </a:pPr>
+            <a:r>
+              <a:t>统计学基础</a:t>
+            </a:r>
+          </a:p>
+          <a:p>
+            <a:pPr lvl="1"/>
+            <a:r>
+              <a:t>懂基本的统计学原理，和统计学方法的适用对象</a:t>
+            </a:r>
+          </a:p>
+          <a:p>
+            <a:pPr lvl="1"/>
+            <a:r>
+              <a:t>会看统计图表</a:t>
+            </a:r>
+          </a:p>
+          <a:p>
+            <a:pPr lvl="1"/>
+            <a:r>
+              <a:t>会点SPSS就OK</a:t>
+            </a:r>
+          </a:p>
+          <a:p>
+            <a:pPr marL="0" lvl="0" indent="0">
+              <a:buNone/>
+            </a:pPr>
+            <a:r>
+              <a:t>本课程没有复杂的</a:t>
+            </a:r>
+            <a:r>
+              <a:rPr>
+                <a:latin typeface="Courier"/>
+              </a:rPr>
+              <a:t>公式</a:t>
+            </a:r>
+            <a:r>
+              <a:t>！</a:t>
             </a:r>
           </a:p>
         </p:txBody>
       </p:sp>
     </p:spTree>
   </p:cSld>
+  <p:clrMapOvr>
+    <a:masterClrMapping/>
+  </p:clrMapOvr>
 </p:sld>
 </file>
 
@@ -4630,125 +2898,38 @@
       </p:grpSpPr>
       <p:sp>
         <p:nvSpPr>
-          <p:cNvPr id="11" name="Title 1">
-            <a:extLst>
-              <a:ext uri="{FF2B5EF4-FFF2-40B4-BE49-F238E27FC236}">
-                <a16:creationId xmlns:a16="http://schemas.microsoft.com/office/drawing/2014/main" id="{2391D614-6EEB-4C42-A746-C9FB67E11481}"/>
-              </a:ext>
-            </a:extLst>
-          </p:cNvPr>
+          <p:cNvPr id="7" name="Title 1"/>
           <p:cNvSpPr>
             <a:spLocks noGrp="1"/>
           </p:cNvSpPr>
           <p:nvPr>
-            <p:ph type="title"/>
+            <p:ph type="ctrTitle"/>
           </p:nvPr>
         </p:nvSpPr>
         <p:spPr>
           <a:xfrm>
-            <a:off x="838198" y="362260"/>
-            <a:ext cx="8486957" cy="637553"/>
+            <a:off x="1783577" y="4036880"/>
+            <a:ext cx="8463639" cy="862715"/>
           </a:xfrm>
         </p:spPr>
         <p:txBody>
           <a:bodyPr/>
           <a:lstStyle/>
           <a:p>
-            <a:pPr lvl="0" marL="0" indent="0">
-              <a:buNone/>
-            </a:pPr>
-            <a:r>
-              <a:rPr/>
-              <a:t>Slide</a:t>
-            </a:r>
-            <a:r>
-              <a:rPr/>
-              <a:t> </a:t>
-            </a:r>
-            <a:r>
-              <a:rPr/>
-              <a:t>with</a:t>
-            </a:r>
-            <a:r>
-              <a:rPr/>
-              <a:t> </a:t>
-            </a:r>
-            <a:r>
-              <a:rPr/>
-              <a:t>R</a:t>
-            </a:r>
-            <a:r>
-              <a:rPr/>
-              <a:t> </a:t>
-            </a:r>
-            <a:r>
-              <a:rPr/>
-              <a:t>Output</a:t>
-            </a:r>
-          </a:p>
-        </p:txBody>
-      </p:sp>
-      <p:sp>
-        <p:nvSpPr>
-          <p:cNvPr id="12" name="Content Placeholder 2">
-            <a:extLst>
-              <a:ext uri="{FF2B5EF4-FFF2-40B4-BE49-F238E27FC236}">
-                <a16:creationId xmlns:a16="http://schemas.microsoft.com/office/drawing/2014/main" id="{91E23ACD-CC52-4FE4-A28E-15DDE627EE00}"/>
-              </a:ext>
-            </a:extLst>
-          </p:cNvPr>
-          <p:cNvSpPr>
-            <a:spLocks noGrp="1"/>
-          </p:cNvSpPr>
-          <p:nvPr>
-            <p:ph idx="1"/>
-          </p:nvPr>
-        </p:nvSpPr>
-        <p:spPr/>
-        <p:txBody>
-          <a:bodyPr/>
-          <a:lstStyle/>
-          <a:p>
-            <a:pPr lvl="0" indent="0">
-              <a:buNone/>
-            </a:pPr>
-            <a:r>
-              <a:rPr>
-                <a:solidFill>
-                  <a:srgbClr val="06287E"/>
-                </a:solidFill>
-                <a:latin typeface="Courier"/>
-              </a:rPr>
-              <a:t>summary</a:t>
-            </a:r>
-            <a:r>
-              <a:rPr>
-                <a:latin typeface="Courier"/>
-              </a:rPr>
-              <a:t>(women)</a:t>
-            </a:r>
-          </a:p>
-          <a:p>
-            <a:pPr lvl="0" indent="0">
-              <a:buNone/>
-            </a:pPr>
-            <a:r>
-              <a:rPr>
-                <a:latin typeface="Courier"/>
-              </a:rPr>
-              <a:t>##      height         weight     
-##  Min.   :58.0   Min.   :115.0  
-##  1st Qu.:61.5   1st Qu.:124.5  
-##  Median :65.0   Median :135.0  
-##  Mean   :65.0   Mean   :136.7  
-##  3rd Qu.:68.5   3rd Qu.:148.0  
-##  Max.   :72.0   Max.   :164.0</a:t>
+            <a:pPr marL="0" lvl="0" indent="0">
+              <a:buNone/>
+            </a:pPr>
+            <a:r>
+              <a:t>Examples</a:t>
             </a:r>
           </a:p>
         </p:txBody>
       </p:sp>
     </p:spTree>
   </p:cSld>
+  <p:clrMapOvr>
+    <a:masterClrMapping/>
+  </p:clrMapOvr>
 </p:sld>
 </file>
 
@@ -4795,64 +2976,89 @@
           <a:bodyPr/>
           <a:lstStyle/>
           <a:p>
-            <a:pPr lvl="0" marL="0" indent="0">
-              <a:buNone/>
-            </a:pPr>
-            <a:r>
-              <a:rPr/>
-              <a:t>Slide</a:t>
-            </a:r>
-            <a:r>
-              <a:rPr/>
-              <a:t> </a:t>
-            </a:r>
-            <a:r>
-              <a:rPr/>
-              <a:t>with</a:t>
-            </a:r>
-            <a:r>
-              <a:rPr/>
-              <a:t> </a:t>
-            </a:r>
-            <a:r>
-              <a:rPr/>
-              <a:t>Plot</a:t>
-            </a:r>
-          </a:p>
-        </p:txBody>
-      </p:sp>
-      <p:pic>
-        <p:nvPicPr>
-          <p:cNvPr descr="00-Intro_files/figure-pptx/plot-1.png" id="0" name="Picture 1"/>
-          <p:cNvPicPr>
-            <a:picLocks noGrp="1" noChangeAspect="1"/>
-          </p:cNvPicPr>
-          <p:nvPr/>
-        </p:nvPicPr>
-        <p:blipFill>
-          <a:blip r:embed="rId2"/>
-          <a:stretch>
-            <a:fillRect/>
-          </a:stretch>
-        </p:blipFill>
-        <p:spPr bwMode="auto">
-          <a:xfrm>
-            <a:off x="3327400" y="1485900"/>
-            <a:ext cx="5842000" cy="4673600"/>
-          </a:xfrm>
-          <a:prstGeom prst="rect">
-            <a:avLst/>
-          </a:prstGeom>
-          <a:noFill/>
-          <a:ln w="9525">
-            <a:noFill/>
-            <a:headEnd/>
-            <a:tailEnd/>
-          </a:ln>
-        </p:spPr>
-      </p:pic>
+            <a:pPr marL="0" lvl="0" indent="0">
+              <a:buNone/>
+            </a:pPr>
+            <a:r>
+              <a:t>Slide with R Output</a:t>
+            </a:r>
+          </a:p>
+        </p:txBody>
+      </p:sp>
+      <p:sp>
+        <p:nvSpPr>
+          <p:cNvPr id="12" name="Content Placeholder 2">
+            <a:extLst>
+              <a:ext uri="{FF2B5EF4-FFF2-40B4-BE49-F238E27FC236}">
+                <a16:creationId xmlns:a16="http://schemas.microsoft.com/office/drawing/2014/main" id="{91E23ACD-CC52-4FE4-A28E-15DDE627EE00}"/>
+              </a:ext>
+            </a:extLst>
+          </p:cNvPr>
+          <p:cNvSpPr>
+            <a:spLocks noGrp="1"/>
+          </p:cNvSpPr>
+          <p:nvPr>
+            <p:ph idx="1" hasCustomPrompt="1"/>
+          </p:nvPr>
+        </p:nvSpPr>
+        <p:spPr/>
+        <p:txBody>
+          <a:bodyPr/>
+          <a:lstStyle/>
+          <a:p>
+            <a:pPr lvl="0" indent="0">
+              <a:buNone/>
+            </a:pPr>
+            <a:r>
+              <a:rPr i="1">
+                <a:solidFill>
+                  <a:srgbClr val="60A0B0"/>
+                </a:solidFill>
+                <a:latin typeface="Courier"/>
+              </a:rPr>
+              <a:t># women数据集的总结</a:t>
+            </a:r>
+            <a:br/>
+            <a:r>
+              <a:rPr>
+                <a:solidFill>
+                  <a:srgbClr val="06287E"/>
+                </a:solidFill>
+                <a:latin typeface="Courier"/>
+              </a:rPr>
+              <a:t>summary</a:t>
+            </a:r>
+            <a:r>
+              <a:rPr>
+                <a:latin typeface="Courier"/>
+              </a:rPr>
+              <a:t>(women)</a:t>
+            </a:r>
+          </a:p>
+          <a:p>
+            <a:pPr lvl="0" indent="0">
+              <a:buNone/>
+            </a:pPr>
+            <a:r>
+              <a:rPr>
+                <a:latin typeface="Courier"/>
+              </a:rPr>
+              <a:t>##      height         weight     
+##  Min.   :58.0   Min.   :115.0  
+##  1st Qu.:61.5   1st Qu.:124.5  
+##  Median :65.0   Median :135.0  
+##  Mean   :65.0   Mean   :136.7  
+##  3rd Qu.:68.5   3rd Qu.:148.0  
+##  Max.   :72.0   Max.   :164.0</a:t>
+            </a:r>
+          </a:p>
+        </p:txBody>
+      </p:sp>
     </p:spTree>
   </p:cSld>
+  <p:clrMapOvr>
+    <a:masterClrMapping/>
+  </p:clrMapOvr>
 </p:sld>
 </file>
 
@@ -4899,28 +3105,246 @@
           <a:bodyPr/>
           <a:lstStyle/>
           <a:p>
-            <a:pPr lvl="0" marL="0" indent="0">
-              <a:buNone/>
-            </a:pPr>
-            <a:r>
-              <a:rPr/>
-              <a:t>Slide</a:t>
-            </a:r>
-            <a:r>
-              <a:rPr/>
-              <a:t> </a:t>
-            </a:r>
-            <a:r>
-              <a:rPr/>
-              <a:t>with</a:t>
-            </a:r>
-            <a:r>
-              <a:rPr/>
-              <a:t> </a:t>
-            </a:r>
-            <a:r>
-              <a:rPr/>
-              <a:t>Table</a:t>
+            <a:pPr marL="0" lvl="0" indent="0">
+              <a:buNone/>
+            </a:pPr>
+            <a:r>
+              <a:t>Slide with Plot</a:t>
+            </a:r>
+          </a:p>
+        </p:txBody>
+      </p:sp>
+      <p:pic>
+        <p:nvPicPr>
+          <p:cNvPr id="2" name="Picture 1" descr="00-Intro_files/figure-pptx/plot-1.png"/>
+          <p:cNvPicPr>
+            <a:picLocks noGrp="1" noChangeAspect="1"/>
+          </p:cNvPicPr>
+          <p:nvPr/>
+        </p:nvPicPr>
+        <p:blipFill>
+          <a:blip r:embed="rId2"/>
+          <a:stretch>
+            <a:fillRect/>
+          </a:stretch>
+        </p:blipFill>
+        <p:spPr bwMode="auto">
+          <a:xfrm>
+            <a:off x="3327400" y="1485900"/>
+            <a:ext cx="5842000" cy="4673600"/>
+          </a:xfrm>
+          <a:prstGeom prst="rect">
+            <a:avLst/>
+          </a:prstGeom>
+          <a:noFill/>
+          <a:ln w="9525">
+            <a:noFill/>
+            <a:headEnd/>
+            <a:tailEnd/>
+          </a:ln>
+        </p:spPr>
+      </p:pic>
+    </p:spTree>
+  </p:cSld>
+  <p:clrMapOvr>
+    <a:masterClrMapping/>
+  </p:clrMapOvr>
+</p:sld>
+</file>
+
+<file path=ppt/slides/slide2.xml><?xml version="1.0" encoding="utf-8"?>
+<p:sld xmlns:a="http://schemas.openxmlformats.org/drawingml/2006/main" xmlns:r="http://schemas.openxmlformats.org/officeDocument/2006/relationships" xmlns:p="http://schemas.openxmlformats.org/presentationml/2006/main">
+  <p:cSld>
+    <p:spTree>
+      <p:nvGrpSpPr>
+        <p:cNvPr id="1" name=""/>
+        <p:cNvGrpSpPr/>
+        <p:nvPr/>
+      </p:nvGrpSpPr>
+      <p:grpSpPr>
+        <a:xfrm>
+          <a:off x="0" y="0"/>
+          <a:ext cx="0" cy="0"/>
+          <a:chOff x="0" y="0"/>
+          <a:chExt cx="0" cy="0"/>
+        </a:xfrm>
+      </p:grpSpPr>
+      <p:sp>
+        <p:nvSpPr>
+          <p:cNvPr id="11" name="Title 1">
+            <a:extLst>
+              <a:ext uri="{FF2B5EF4-FFF2-40B4-BE49-F238E27FC236}">
+                <a16:creationId xmlns:a16="http://schemas.microsoft.com/office/drawing/2014/main" id="{2391D614-6EEB-4C42-A746-C9FB67E11481}"/>
+              </a:ext>
+            </a:extLst>
+          </p:cNvPr>
+          <p:cNvSpPr>
+            <a:spLocks noGrp="1"/>
+          </p:cNvSpPr>
+          <p:nvPr>
+            <p:ph type="title"/>
+          </p:nvPr>
+        </p:nvSpPr>
+        <p:spPr>
+          <a:xfrm>
+            <a:off x="838198" y="362260"/>
+            <a:ext cx="8486957" cy="637553"/>
+          </a:xfrm>
+        </p:spPr>
+        <p:txBody>
+          <a:bodyPr/>
+          <a:lstStyle/>
+          <a:p>
+            <a:pPr marL="0" lvl="0" indent="0">
+              <a:buNone/>
+            </a:pPr>
+            <a:r>
+              <a:t>Table of Contents</a:t>
+            </a:r>
+          </a:p>
+        </p:txBody>
+      </p:sp>
+      <p:sp>
+        <p:nvSpPr>
+          <p:cNvPr id="12" name="Content Placeholder 2">
+            <a:extLst>
+              <a:ext uri="{FF2B5EF4-FFF2-40B4-BE49-F238E27FC236}">
+                <a16:creationId xmlns:a16="http://schemas.microsoft.com/office/drawing/2014/main" id="{91E23ACD-CC52-4FE4-A28E-15DDE627EE00}"/>
+              </a:ext>
+            </a:extLst>
+          </p:cNvPr>
+          <p:cNvSpPr>
+            <a:spLocks noGrp="1"/>
+          </p:cNvSpPr>
+          <p:nvPr>
+            <p:ph idx="1" hasCustomPrompt="1"/>
+          </p:nvPr>
+        </p:nvSpPr>
+        <p:spPr/>
+        <p:txBody>
+          <a:bodyPr/>
+          <a:lstStyle/>
+          <a:p>
+            <a:pPr lvl="1"/>
+            <a:r>
+              <a:rPr>
+                <a:hlinkClick r:id="rId2" action="ppaction://hlinksldjump"/>
+              </a:rPr>
+              <a:t>个人介绍</a:t>
+            </a:r>
+          </a:p>
+          <a:p>
+            <a:pPr lvl="1"/>
+            <a:r>
+              <a:rPr>
+                <a:hlinkClick r:id="rId3" action="ppaction://hlinksldjump"/>
+              </a:rPr>
+              <a:t>R Markdown是什么?</a:t>
+            </a:r>
+          </a:p>
+          <a:p>
+            <a:pPr lvl="1"/>
+            <a:r>
+              <a:rPr>
+                <a:hlinkClick r:id="rId4" action="ppaction://hlinksldjump"/>
+              </a:rPr>
+              <a:t>为什么学这门课?</a:t>
+            </a:r>
+          </a:p>
+          <a:p>
+            <a:pPr lvl="1"/>
+            <a:r>
+              <a:rPr>
+                <a:hlinkClick r:id="rId5" action="ppaction://hlinksldjump"/>
+              </a:rPr>
+              <a:t>这门课适合谁?</a:t>
+            </a:r>
+          </a:p>
+          <a:p>
+            <a:pPr lvl="1"/>
+            <a:r>
+              <a:rPr>
+                <a:hlinkClick r:id="rId6" action="ppaction://hlinksldjump"/>
+              </a:rPr>
+              <a:t>需要哪些基础?</a:t>
+            </a:r>
+          </a:p>
+          <a:p>
+            <a:pPr lvl="1"/>
+            <a:r>
+              <a:rPr>
+                <a:hlinkClick r:id="rId7" action="ppaction://hlinksldjump"/>
+              </a:rPr>
+              <a:t>Examples</a:t>
+            </a:r>
+          </a:p>
+          <a:p>
+            <a:pPr lvl="1"/>
+            <a:r>
+              <a:rPr>
+                <a:hlinkClick r:id="rId8" action="ppaction://hlinksldjump"/>
+              </a:rPr>
+              <a:t>课后作业</a:t>
+            </a:r>
+          </a:p>
+        </p:txBody>
+      </p:sp>
+    </p:spTree>
+  </p:cSld>
+  <p:clrMapOvr>
+    <a:masterClrMapping/>
+  </p:clrMapOvr>
+</p:sld>
+</file>
+
+<file path=ppt/slides/slide20.xml><?xml version="1.0" encoding="utf-8"?>
+<p:sld xmlns:a="http://schemas.openxmlformats.org/drawingml/2006/main" xmlns:r="http://schemas.openxmlformats.org/officeDocument/2006/relationships" xmlns:p="http://schemas.openxmlformats.org/presentationml/2006/main">
+  <p:cSld>
+    <p:spTree>
+      <p:nvGrpSpPr>
+        <p:cNvPr id="1" name=""/>
+        <p:cNvGrpSpPr/>
+        <p:nvPr/>
+      </p:nvGrpSpPr>
+      <p:grpSpPr>
+        <a:xfrm>
+          <a:off x="0" y="0"/>
+          <a:ext cx="0" cy="0"/>
+          <a:chOff x="0" y="0"/>
+          <a:chExt cx="0" cy="0"/>
+        </a:xfrm>
+      </p:grpSpPr>
+      <p:sp>
+        <p:nvSpPr>
+          <p:cNvPr id="11" name="Title 1">
+            <a:extLst>
+              <a:ext uri="{FF2B5EF4-FFF2-40B4-BE49-F238E27FC236}">
+                <a16:creationId xmlns:a16="http://schemas.microsoft.com/office/drawing/2014/main" id="{2391D614-6EEB-4C42-A746-C9FB67E11481}"/>
+              </a:ext>
+            </a:extLst>
+          </p:cNvPr>
+          <p:cNvSpPr>
+            <a:spLocks noGrp="1"/>
+          </p:cNvSpPr>
+          <p:nvPr>
+            <p:ph type="title"/>
+          </p:nvPr>
+        </p:nvSpPr>
+        <p:spPr>
+          <a:xfrm>
+            <a:off x="838198" y="362260"/>
+            <a:ext cx="8486957" cy="637553"/>
+          </a:xfrm>
+        </p:spPr>
+        <p:txBody>
+          <a:bodyPr/>
+          <a:lstStyle/>
+          <a:p>
+            <a:pPr marL="0" lvl="0" indent="0">
+              <a:buNone/>
+            </a:pPr>
+            <a:r>
+              <a:t>Slide with Table</a:t>
             </a:r>
           </a:p>
         </p:txBody>
@@ -4946,11 +3370,41 @@
                 <a:tableStyleId>{5C22544A-7EE6-4342-B048-85BDC9FD1C3A}</a:tableStyleId>
               </a:tblPr>
               <a:tblGrid>
-                <a:gridCol w="2171700"/>
-                <a:gridCol w="2171700"/>
-                <a:gridCol w="2171700"/>
-                <a:gridCol w="2171700"/>
-                <a:gridCol w="2171700"/>
+                <a:gridCol w="2171700">
+                  <a:extLst>
+                    <a:ext uri="{9D8B030D-6E8A-4147-A177-3AD203B41FA5}">
+                      <a16:colId xmlns:a16="http://schemas.microsoft.com/office/drawing/2014/main" val="20000"/>
+                    </a:ext>
+                  </a:extLst>
+                </a:gridCol>
+                <a:gridCol w="2171700">
+                  <a:extLst>
+                    <a:ext uri="{9D8B030D-6E8A-4147-A177-3AD203B41FA5}">
+                      <a16:colId xmlns:a16="http://schemas.microsoft.com/office/drawing/2014/main" val="20001"/>
+                    </a:ext>
+                  </a:extLst>
+                </a:gridCol>
+                <a:gridCol w="2171700">
+                  <a:extLst>
+                    <a:ext uri="{9D8B030D-6E8A-4147-A177-3AD203B41FA5}">
+                      <a16:colId xmlns:a16="http://schemas.microsoft.com/office/drawing/2014/main" val="20002"/>
+                    </a:ext>
+                  </a:extLst>
+                </a:gridCol>
+                <a:gridCol w="2171700">
+                  <a:extLst>
+                    <a:ext uri="{9D8B030D-6E8A-4147-A177-3AD203B41FA5}">
+                      <a16:colId xmlns:a16="http://schemas.microsoft.com/office/drawing/2014/main" val="20003"/>
+                    </a:ext>
+                  </a:extLst>
+                </a:gridCol>
+                <a:gridCol w="2171700">
+                  <a:extLst>
+                    <a:ext uri="{9D8B030D-6E8A-4147-A177-3AD203B41FA5}">
+                      <a16:colId xmlns:a16="http://schemas.microsoft.com/office/drawing/2014/main" val="20004"/>
+                    </a:ext>
+                  </a:extLst>
+                </a:gridCol>
               </a:tblGrid>
               <a:tr h="0">
                 <a:tc>
@@ -4958,11 +3412,10 @@
                     <a:bodyPr/>
                     <a:lstStyle/>
                     <a:p>
-                      <a:pPr lvl="0" marL="0" indent="0" algn="r">
+                      <a:pPr marL="0" lvl="0" indent="0" algn="r">
                         <a:buNone/>
                       </a:pPr>
                       <a:r>
-                        <a:rPr/>
                         <a:t>Sepal.Length</a:t>
                       </a:r>
                     </a:p>
@@ -4974,11 +3427,10 @@
                     <a:bodyPr/>
                     <a:lstStyle/>
                     <a:p>
-                      <a:pPr lvl="0" marL="0" indent="0" algn="r">
+                      <a:pPr marL="0" lvl="0" indent="0" algn="r">
                         <a:buNone/>
                       </a:pPr>
                       <a:r>
-                        <a:rPr/>
                         <a:t>Sepal.Width</a:t>
                       </a:r>
                     </a:p>
@@ -4990,11 +3442,10 @@
                     <a:bodyPr/>
                     <a:lstStyle/>
                     <a:p>
-                      <a:pPr lvl="0" marL="0" indent="0" algn="r">
+                      <a:pPr marL="0" lvl="0" indent="0" algn="r">
                         <a:buNone/>
                       </a:pPr>
                       <a:r>
-                        <a:rPr/>
                         <a:t>Petal.Length</a:t>
                       </a:r>
                     </a:p>
@@ -5006,11 +3457,10 @@
                     <a:bodyPr/>
                     <a:lstStyle/>
                     <a:p>
-                      <a:pPr lvl="0" marL="0" indent="0" algn="r">
+                      <a:pPr marL="0" lvl="0" indent="0" algn="r">
                         <a:buNone/>
                       </a:pPr>
                       <a:r>
-                        <a:rPr/>
                         <a:t>Petal.Width</a:t>
                       </a:r>
                     </a:p>
@@ -5022,17 +3472,21 @@
                     <a:bodyPr/>
                     <a:lstStyle/>
                     <a:p>
-                      <a:pPr lvl="0" marL="0" indent="0" algn="l">
+                      <a:pPr marL="0" lvl="0" indent="0" algn="l">
                         <a:buNone/>
                       </a:pPr>
                       <a:r>
-                        <a:rPr/>
                         <a:t>Species</a:t>
                       </a:r>
                     </a:p>
                   </a:txBody>
                   <a:tcPr/>
                 </a:tc>
+                <a:extLst>
+                  <a:ext uri="{0D108BD9-81ED-4DB2-BD59-A6C34878D82A}">
+                    <a16:rowId xmlns:a16="http://schemas.microsoft.com/office/drawing/2014/main" val="10000"/>
+                  </a:ext>
+                </a:extLst>
               </a:tr>
               <a:tr h="0">
                 <a:tc>
@@ -5040,76 +3494,81 @@
                     <a:bodyPr/>
                     <a:lstStyle/>
                     <a:p>
-                      <a:pPr lvl="0" marL="0" indent="0" algn="r">
+                      <a:pPr marL="0" lvl="0" indent="0" algn="r">
                         <a:buNone/>
                       </a:pPr>
                       <a:r>
-                        <a:rPr/>
                         <a:t>5.1</a:t>
                       </a:r>
                     </a:p>
                   </a:txBody>
+                  <a:tcPr/>
                 </a:tc>
                 <a:tc>
                   <a:txBody>
                     <a:bodyPr/>
                     <a:lstStyle/>
                     <a:p>
-                      <a:pPr lvl="0" marL="0" indent="0" algn="r">
+                      <a:pPr marL="0" lvl="0" indent="0" algn="r">
                         <a:buNone/>
                       </a:pPr>
                       <a:r>
-                        <a:rPr/>
                         <a:t>3.5</a:t>
                       </a:r>
                     </a:p>
                   </a:txBody>
+                  <a:tcPr/>
                 </a:tc>
                 <a:tc>
                   <a:txBody>
                     <a:bodyPr/>
                     <a:lstStyle/>
                     <a:p>
-                      <a:pPr lvl="0" marL="0" indent="0" algn="r">
+                      <a:pPr marL="0" lvl="0" indent="0" algn="r">
                         <a:buNone/>
                       </a:pPr>
                       <a:r>
-                        <a:rPr/>
                         <a:t>1.4</a:t>
                       </a:r>
                     </a:p>
                   </a:txBody>
+                  <a:tcPr/>
                 </a:tc>
                 <a:tc>
                   <a:txBody>
                     <a:bodyPr/>
                     <a:lstStyle/>
                     <a:p>
-                      <a:pPr lvl="0" marL="0" indent="0" algn="r">
+                      <a:pPr marL="0" lvl="0" indent="0" algn="r">
                         <a:buNone/>
                       </a:pPr>
                       <a:r>
-                        <a:rPr/>
                         <a:t>0.2</a:t>
                       </a:r>
                     </a:p>
                   </a:txBody>
+                  <a:tcPr/>
                 </a:tc>
                 <a:tc>
                   <a:txBody>
                     <a:bodyPr/>
                     <a:lstStyle/>
                     <a:p>
-                      <a:pPr lvl="0" marL="0" indent="0" algn="l">
+                      <a:pPr marL="0" lvl="0" indent="0" algn="l">
                         <a:buNone/>
                       </a:pPr>
                       <a:r>
-                        <a:rPr/>
                         <a:t>setosa</a:t>
                       </a:r>
                     </a:p>
                   </a:txBody>
+                  <a:tcPr/>
                 </a:tc>
+                <a:extLst>
+                  <a:ext uri="{0D108BD9-81ED-4DB2-BD59-A6C34878D82A}">
+                    <a16:rowId xmlns:a16="http://schemas.microsoft.com/office/drawing/2014/main" val="10001"/>
+                  </a:ext>
+                </a:extLst>
               </a:tr>
               <a:tr h="0">
                 <a:tc>
@@ -5117,76 +3576,81 @@
                     <a:bodyPr/>
                     <a:lstStyle/>
                     <a:p>
-                      <a:pPr lvl="0" marL="0" indent="0" algn="r">
+                      <a:pPr marL="0" lvl="0" indent="0" algn="r">
                         <a:buNone/>
                       </a:pPr>
                       <a:r>
-                        <a:rPr/>
                         <a:t>4.9</a:t>
                       </a:r>
                     </a:p>
                   </a:txBody>
+                  <a:tcPr/>
                 </a:tc>
                 <a:tc>
                   <a:txBody>
                     <a:bodyPr/>
                     <a:lstStyle/>
                     <a:p>
-                      <a:pPr lvl="0" marL="0" indent="0" algn="r">
+                      <a:pPr marL="0" lvl="0" indent="0" algn="r">
                         <a:buNone/>
                       </a:pPr>
                       <a:r>
-                        <a:rPr/>
                         <a:t>3.0</a:t>
                       </a:r>
                     </a:p>
                   </a:txBody>
+                  <a:tcPr/>
                 </a:tc>
                 <a:tc>
                   <a:txBody>
                     <a:bodyPr/>
                     <a:lstStyle/>
                     <a:p>
-                      <a:pPr lvl="0" marL="0" indent="0" algn="r">
+                      <a:pPr marL="0" lvl="0" indent="0" algn="r">
                         <a:buNone/>
                       </a:pPr>
                       <a:r>
-                        <a:rPr/>
                         <a:t>1.4</a:t>
                       </a:r>
                     </a:p>
                   </a:txBody>
+                  <a:tcPr/>
                 </a:tc>
                 <a:tc>
                   <a:txBody>
                     <a:bodyPr/>
                     <a:lstStyle/>
                     <a:p>
-                      <a:pPr lvl="0" marL="0" indent="0" algn="r">
+                      <a:pPr marL="0" lvl="0" indent="0" algn="r">
                         <a:buNone/>
                       </a:pPr>
                       <a:r>
-                        <a:rPr/>
                         <a:t>0.2</a:t>
                       </a:r>
                     </a:p>
                   </a:txBody>
+                  <a:tcPr/>
                 </a:tc>
                 <a:tc>
                   <a:txBody>
                     <a:bodyPr/>
                     <a:lstStyle/>
                     <a:p>
-                      <a:pPr lvl="0" marL="0" indent="0" algn="l">
+                      <a:pPr marL="0" lvl="0" indent="0" algn="l">
                         <a:buNone/>
                       </a:pPr>
                       <a:r>
-                        <a:rPr/>
                         <a:t>setosa</a:t>
                       </a:r>
                     </a:p>
                   </a:txBody>
+                  <a:tcPr/>
                 </a:tc>
+                <a:extLst>
+                  <a:ext uri="{0D108BD9-81ED-4DB2-BD59-A6C34878D82A}">
+                    <a16:rowId xmlns:a16="http://schemas.microsoft.com/office/drawing/2014/main" val="10002"/>
+                  </a:ext>
+                </a:extLst>
               </a:tr>
               <a:tr h="0">
                 <a:tc>
@@ -5194,76 +3658,81 @@
                     <a:bodyPr/>
                     <a:lstStyle/>
                     <a:p>
-                      <a:pPr lvl="0" marL="0" indent="0" algn="r">
+                      <a:pPr marL="0" lvl="0" indent="0" algn="r">
                         <a:buNone/>
                       </a:pPr>
                       <a:r>
-                        <a:rPr/>
                         <a:t>4.7</a:t>
                       </a:r>
                     </a:p>
                   </a:txBody>
+                  <a:tcPr/>
                 </a:tc>
                 <a:tc>
                   <a:txBody>
                     <a:bodyPr/>
                     <a:lstStyle/>
                     <a:p>
-                      <a:pPr lvl="0" marL="0" indent="0" algn="r">
+                      <a:pPr marL="0" lvl="0" indent="0" algn="r">
                         <a:buNone/>
                       </a:pPr>
                       <a:r>
-                        <a:rPr/>
                         <a:t>3.2</a:t>
                       </a:r>
                     </a:p>
                   </a:txBody>
+                  <a:tcPr/>
                 </a:tc>
                 <a:tc>
                   <a:txBody>
                     <a:bodyPr/>
                     <a:lstStyle/>
                     <a:p>
-                      <a:pPr lvl="0" marL="0" indent="0" algn="r">
+                      <a:pPr marL="0" lvl="0" indent="0" algn="r">
                         <a:buNone/>
                       </a:pPr>
                       <a:r>
-                        <a:rPr/>
                         <a:t>1.3</a:t>
                       </a:r>
                     </a:p>
                   </a:txBody>
+                  <a:tcPr/>
                 </a:tc>
                 <a:tc>
                   <a:txBody>
                     <a:bodyPr/>
                     <a:lstStyle/>
                     <a:p>
-                      <a:pPr lvl="0" marL="0" indent="0" algn="r">
+                      <a:pPr marL="0" lvl="0" indent="0" algn="r">
                         <a:buNone/>
                       </a:pPr>
                       <a:r>
-                        <a:rPr/>
                         <a:t>0.2</a:t>
                       </a:r>
                     </a:p>
                   </a:txBody>
+                  <a:tcPr/>
                 </a:tc>
                 <a:tc>
                   <a:txBody>
                     <a:bodyPr/>
                     <a:lstStyle/>
                     <a:p>
-                      <a:pPr lvl="0" marL="0" indent="0" algn="l">
+                      <a:pPr marL="0" lvl="0" indent="0" algn="l">
                         <a:buNone/>
                       </a:pPr>
                       <a:r>
-                        <a:rPr/>
                         <a:t>setosa</a:t>
                       </a:r>
                     </a:p>
                   </a:txBody>
+                  <a:tcPr/>
                 </a:tc>
+                <a:extLst>
+                  <a:ext uri="{0D108BD9-81ED-4DB2-BD59-A6C34878D82A}">
+                    <a16:rowId xmlns:a16="http://schemas.microsoft.com/office/drawing/2014/main" val="10003"/>
+                  </a:ext>
+                </a:extLst>
               </a:tr>
               <a:tr h="0">
                 <a:tc>
@@ -5271,76 +3740,81 @@
                     <a:bodyPr/>
                     <a:lstStyle/>
                     <a:p>
-                      <a:pPr lvl="0" marL="0" indent="0" algn="r">
+                      <a:pPr marL="0" lvl="0" indent="0" algn="r">
                         <a:buNone/>
                       </a:pPr>
                       <a:r>
-                        <a:rPr/>
                         <a:t>4.6</a:t>
                       </a:r>
                     </a:p>
                   </a:txBody>
+                  <a:tcPr/>
                 </a:tc>
                 <a:tc>
                   <a:txBody>
                     <a:bodyPr/>
                     <a:lstStyle/>
                     <a:p>
-                      <a:pPr lvl="0" marL="0" indent="0" algn="r">
+                      <a:pPr marL="0" lvl="0" indent="0" algn="r">
                         <a:buNone/>
                       </a:pPr>
                       <a:r>
-                        <a:rPr/>
                         <a:t>3.1</a:t>
                       </a:r>
                     </a:p>
                   </a:txBody>
+                  <a:tcPr/>
                 </a:tc>
                 <a:tc>
                   <a:txBody>
                     <a:bodyPr/>
                     <a:lstStyle/>
                     <a:p>
-                      <a:pPr lvl="0" marL="0" indent="0" algn="r">
+                      <a:pPr marL="0" lvl="0" indent="0" algn="r">
                         <a:buNone/>
                       </a:pPr>
                       <a:r>
-                        <a:rPr/>
                         <a:t>1.5</a:t>
                       </a:r>
                     </a:p>
                   </a:txBody>
+                  <a:tcPr/>
                 </a:tc>
                 <a:tc>
                   <a:txBody>
                     <a:bodyPr/>
                     <a:lstStyle/>
                     <a:p>
-                      <a:pPr lvl="0" marL="0" indent="0" algn="r">
+                      <a:pPr marL="0" lvl="0" indent="0" algn="r">
                         <a:buNone/>
                       </a:pPr>
                       <a:r>
-                        <a:rPr/>
                         <a:t>0.2</a:t>
                       </a:r>
                     </a:p>
                   </a:txBody>
+                  <a:tcPr/>
                 </a:tc>
                 <a:tc>
                   <a:txBody>
                     <a:bodyPr/>
                     <a:lstStyle/>
                     <a:p>
-                      <a:pPr lvl="0" marL="0" indent="0" algn="l">
+                      <a:pPr marL="0" lvl="0" indent="0" algn="l">
                         <a:buNone/>
                       </a:pPr>
                       <a:r>
-                        <a:rPr/>
                         <a:t>setosa</a:t>
                       </a:r>
                     </a:p>
                   </a:txBody>
+                  <a:tcPr/>
                 </a:tc>
+                <a:extLst>
+                  <a:ext uri="{0D108BD9-81ED-4DB2-BD59-A6C34878D82A}">
+                    <a16:rowId xmlns:a16="http://schemas.microsoft.com/office/drawing/2014/main" val="10004"/>
+                  </a:ext>
+                </a:extLst>
               </a:tr>
               <a:tr h="0">
                 <a:tc>
@@ -5348,76 +3822,81 @@
                     <a:bodyPr/>
                     <a:lstStyle/>
                     <a:p>
-                      <a:pPr lvl="0" marL="0" indent="0" algn="r">
+                      <a:pPr marL="0" lvl="0" indent="0" algn="r">
                         <a:buNone/>
                       </a:pPr>
                       <a:r>
-                        <a:rPr/>
                         <a:t>5.0</a:t>
                       </a:r>
                     </a:p>
                   </a:txBody>
+                  <a:tcPr/>
                 </a:tc>
                 <a:tc>
                   <a:txBody>
                     <a:bodyPr/>
                     <a:lstStyle/>
                     <a:p>
-                      <a:pPr lvl="0" marL="0" indent="0" algn="r">
+                      <a:pPr marL="0" lvl="0" indent="0" algn="r">
                         <a:buNone/>
                       </a:pPr>
                       <a:r>
-                        <a:rPr/>
                         <a:t>3.6</a:t>
                       </a:r>
                     </a:p>
                   </a:txBody>
+                  <a:tcPr/>
                 </a:tc>
                 <a:tc>
                   <a:txBody>
                     <a:bodyPr/>
                     <a:lstStyle/>
                     <a:p>
-                      <a:pPr lvl="0" marL="0" indent="0" algn="r">
+                      <a:pPr marL="0" lvl="0" indent="0" algn="r">
                         <a:buNone/>
                       </a:pPr>
                       <a:r>
-                        <a:rPr/>
                         <a:t>1.4</a:t>
                       </a:r>
                     </a:p>
                   </a:txBody>
+                  <a:tcPr/>
                 </a:tc>
                 <a:tc>
                   <a:txBody>
                     <a:bodyPr/>
                     <a:lstStyle/>
                     <a:p>
-                      <a:pPr lvl="0" marL="0" indent="0" algn="r">
+                      <a:pPr marL="0" lvl="0" indent="0" algn="r">
                         <a:buNone/>
                       </a:pPr>
                       <a:r>
-                        <a:rPr/>
                         <a:t>0.2</a:t>
                       </a:r>
                     </a:p>
                   </a:txBody>
+                  <a:tcPr/>
                 </a:tc>
                 <a:tc>
                   <a:txBody>
                     <a:bodyPr/>
                     <a:lstStyle/>
                     <a:p>
-                      <a:pPr lvl="0" marL="0" indent="0" algn="l">
+                      <a:pPr marL="0" lvl="0" indent="0" algn="l">
                         <a:buNone/>
                       </a:pPr>
                       <a:r>
-                        <a:rPr/>
                         <a:t>setosa</a:t>
                       </a:r>
                     </a:p>
                   </a:txBody>
+                  <a:tcPr/>
                 </a:tc>
+                <a:extLst>
+                  <a:ext uri="{0D108BD9-81ED-4DB2-BD59-A6C34878D82A}">
+                    <a16:rowId xmlns:a16="http://schemas.microsoft.com/office/drawing/2014/main" val="10005"/>
+                  </a:ext>
+                </a:extLst>
               </a:tr>
               <a:tr h="0">
                 <a:tc>
@@ -5425,76 +3904,81 @@
                     <a:bodyPr/>
                     <a:lstStyle/>
                     <a:p>
-                      <a:pPr lvl="0" marL="0" indent="0" algn="r">
+                      <a:pPr marL="0" lvl="0" indent="0" algn="r">
                         <a:buNone/>
                       </a:pPr>
                       <a:r>
-                        <a:rPr/>
                         <a:t>5.4</a:t>
                       </a:r>
                     </a:p>
                   </a:txBody>
+                  <a:tcPr/>
                 </a:tc>
                 <a:tc>
                   <a:txBody>
                     <a:bodyPr/>
                     <a:lstStyle/>
                     <a:p>
-                      <a:pPr lvl="0" marL="0" indent="0" algn="r">
+                      <a:pPr marL="0" lvl="0" indent="0" algn="r">
                         <a:buNone/>
                       </a:pPr>
                       <a:r>
-                        <a:rPr/>
                         <a:t>3.9</a:t>
                       </a:r>
                     </a:p>
                   </a:txBody>
+                  <a:tcPr/>
                 </a:tc>
                 <a:tc>
                   <a:txBody>
                     <a:bodyPr/>
                     <a:lstStyle/>
                     <a:p>
-                      <a:pPr lvl="0" marL="0" indent="0" algn="r">
+                      <a:pPr marL="0" lvl="0" indent="0" algn="r">
                         <a:buNone/>
                       </a:pPr>
                       <a:r>
-                        <a:rPr/>
                         <a:t>1.7</a:t>
                       </a:r>
                     </a:p>
                   </a:txBody>
+                  <a:tcPr/>
                 </a:tc>
                 <a:tc>
                   <a:txBody>
                     <a:bodyPr/>
                     <a:lstStyle/>
                     <a:p>
-                      <a:pPr lvl="0" marL="0" indent="0" algn="r">
+                      <a:pPr marL="0" lvl="0" indent="0" algn="r">
                         <a:buNone/>
                       </a:pPr>
                       <a:r>
-                        <a:rPr/>
                         <a:t>0.4</a:t>
                       </a:r>
                     </a:p>
                   </a:txBody>
+                  <a:tcPr/>
                 </a:tc>
                 <a:tc>
                   <a:txBody>
                     <a:bodyPr/>
                     <a:lstStyle/>
                     <a:p>
-                      <a:pPr lvl="0" marL="0" indent="0" algn="l">
+                      <a:pPr marL="0" lvl="0" indent="0" algn="l">
                         <a:buNone/>
                       </a:pPr>
                       <a:r>
-                        <a:rPr/>
                         <a:t>setosa</a:t>
                       </a:r>
                     </a:p>
                   </a:txBody>
+                  <a:tcPr/>
                 </a:tc>
+                <a:extLst>
+                  <a:ext uri="{0D108BD9-81ED-4DB2-BD59-A6C34878D82A}">
+                    <a16:rowId xmlns:a16="http://schemas.microsoft.com/office/drawing/2014/main" val="10006"/>
+                  </a:ext>
+                </a:extLst>
               </a:tr>
             </a:tbl>
           </a:graphicData>
@@ -5502,245 +3986,9 @@
       </p:graphicFrame>
     </p:spTree>
   </p:cSld>
-</p:sld>
-</file>
-
-<file path=ppt/slides/slide2.xml><?xml version="1.0" encoding="utf-8"?>
-<p:sld xmlns:a="http://schemas.openxmlformats.org/drawingml/2006/main" xmlns:r="http://schemas.openxmlformats.org/officeDocument/2006/relationships" xmlns:p="http://schemas.openxmlformats.org/presentationml/2006/main">
-  <p:cSld>
-    <p:spTree>
-      <p:nvGrpSpPr>
-        <p:cNvPr id="1" name=""/>
-        <p:cNvGrpSpPr/>
-        <p:nvPr/>
-      </p:nvGrpSpPr>
-      <p:grpSpPr>
-        <a:xfrm>
-          <a:off x="0" y="0"/>
-          <a:ext cx="0" cy="0"/>
-          <a:chOff x="0" y="0"/>
-          <a:chExt cx="0" cy="0"/>
-        </a:xfrm>
-      </p:grpSpPr>
-      <p:sp>
-        <p:nvSpPr>
-          <p:cNvPr id="11" name="Title 1">
-            <a:extLst>
-              <a:ext uri="{FF2B5EF4-FFF2-40B4-BE49-F238E27FC236}">
-                <a16:creationId xmlns:a16="http://schemas.microsoft.com/office/drawing/2014/main" id="{2391D614-6EEB-4C42-A746-C9FB67E11481}"/>
-              </a:ext>
-            </a:extLst>
-          </p:cNvPr>
-          <p:cNvSpPr>
-            <a:spLocks noGrp="1"/>
-          </p:cNvSpPr>
-          <p:nvPr>
-            <p:ph type="title"/>
-          </p:nvPr>
-        </p:nvSpPr>
-        <p:spPr>
-          <a:xfrm>
-            <a:off x="838198" y="362260"/>
-            <a:ext cx="8486957" cy="637553"/>
-          </a:xfrm>
-        </p:spPr>
-        <p:txBody>
-          <a:bodyPr/>
-          <a:lstStyle/>
-          <a:p>
-            <a:pPr lvl="0" marL="0" indent="0">
-              <a:buNone/>
-            </a:pPr>
-            <a:r>
-              <a:rPr/>
-              <a:t>Table of Contents</a:t>
-            </a:r>
-          </a:p>
-        </p:txBody>
-      </p:sp>
-      <p:sp>
-        <p:nvSpPr>
-          <p:cNvPr id="12" name="Content Placeholder 2">
-            <a:extLst>
-              <a:ext uri="{FF2B5EF4-FFF2-40B4-BE49-F238E27FC236}">
-                <a16:creationId xmlns:a16="http://schemas.microsoft.com/office/drawing/2014/main" id="{91E23ACD-CC52-4FE4-A28E-15DDE627EE00}"/>
-              </a:ext>
-            </a:extLst>
-          </p:cNvPr>
-          <p:cNvSpPr>
-            <a:spLocks noGrp="1"/>
-          </p:cNvSpPr>
-          <p:nvPr>
-            <p:ph idx="1"/>
-          </p:nvPr>
-        </p:nvSpPr>
-        <p:spPr/>
-        <p:txBody>
-          <a:bodyPr/>
-          <a:lstStyle/>
-          <a:p>
-            <a:pPr lvl="1"/>
-            <a:r>
-              <a:rPr>
-                <a:hlinkClick r:id="rId2" action="ppaction://hlinksldjump"/>
-              </a:rPr>
-              <a:t>个人介绍</a:t>
-            </a:r>
-          </a:p>
-          <a:p>
-            <a:pPr lvl="1"/>
-            <a:r>
-              <a:rPr>
-                <a:hlinkClick r:id="rId3" action="ppaction://hlinksldjump"/>
-              </a:rPr>
-              <a:t>R Markdown是什么?</a:t>
-            </a:r>
-          </a:p>
-          <a:p>
-            <a:pPr lvl="1"/>
-            <a:r>
-              <a:rPr>
-                <a:hlinkClick r:id="rId4" action="ppaction://hlinksldjump"/>
-              </a:rPr>
-              <a:t>学这门课的价值?</a:t>
-            </a:r>
-          </a:p>
-          <a:p>
-            <a:pPr lvl="1"/>
-            <a:r>
-              <a:rPr>
-                <a:hlinkClick r:id="rId5" action="ppaction://hlinksldjump"/>
-              </a:rPr>
-              <a:t>这门课适合谁?</a:t>
-            </a:r>
-          </a:p>
-          <a:p>
-            <a:pPr lvl="1"/>
-            <a:r>
-              <a:rPr>
-                <a:hlinkClick r:id="rId6" action="ppaction://hlinksldjump"/>
-              </a:rPr>
-              <a:t>需要哪些基础?</a:t>
-            </a:r>
-          </a:p>
-          <a:p>
-            <a:pPr lvl="1"/>
-            <a:r>
-              <a:rPr>
-                <a:hlinkClick r:id="rId7" action="ppaction://hlinksldjump"/>
-              </a:rPr>
-              <a:t>Examples</a:t>
-            </a:r>
-          </a:p>
-          <a:p>
-            <a:pPr lvl="1"/>
-            <a:r>
-              <a:rPr>
-                <a:hlinkClick r:id="rId8" action="ppaction://hlinksldjump"/>
-              </a:rPr>
-              <a:t>课后作业</a:t>
-            </a:r>
-          </a:p>
-        </p:txBody>
-      </p:sp>
-    </p:spTree>
-  </p:cSld>
-</p:sld>
-</file>
-
-<file path=ppt/slides/slide20.xml><?xml version="1.0" encoding="utf-8"?>
-<p:sld xmlns:a="http://schemas.openxmlformats.org/drawingml/2006/main" xmlns:r="http://schemas.openxmlformats.org/officeDocument/2006/relationships" xmlns:p="http://schemas.openxmlformats.org/presentationml/2006/main">
-  <p:cSld>
-    <p:spTree>
-      <p:nvGrpSpPr>
-        <p:cNvPr id="1" name=""/>
-        <p:cNvGrpSpPr/>
-        <p:nvPr/>
-      </p:nvGrpSpPr>
-      <p:grpSpPr>
-        <a:xfrm>
-          <a:off x="0" y="0"/>
-          <a:ext cx="0" cy="0"/>
-          <a:chOff x="0" y="0"/>
-          <a:chExt cx="0" cy="0"/>
-        </a:xfrm>
-      </p:grpSpPr>
-      <p:sp>
-        <p:nvSpPr>
-          <p:cNvPr id="11" name="Title 1">
-            <a:extLst>
-              <a:ext uri="{FF2B5EF4-FFF2-40B4-BE49-F238E27FC236}">
-                <a16:creationId xmlns:a16="http://schemas.microsoft.com/office/drawing/2014/main" id="{2391D614-6EEB-4C42-A746-C9FB67E11481}"/>
-              </a:ext>
-            </a:extLst>
-          </p:cNvPr>
-          <p:cNvSpPr>
-            <a:spLocks noGrp="1"/>
-          </p:cNvSpPr>
-          <p:nvPr>
-            <p:ph type="title"/>
-          </p:nvPr>
-        </p:nvSpPr>
-        <p:spPr>
-          <a:xfrm>
-            <a:off x="838198" y="362260"/>
-            <a:ext cx="8486957" cy="637553"/>
-          </a:xfrm>
-        </p:spPr>
-        <p:txBody>
-          <a:bodyPr/>
-          <a:lstStyle/>
-          <a:p>
-            <a:pPr lvl="0" marL="0" indent="0">
-              <a:buNone/>
-            </a:pPr>
-            <a:r>
-              <a:rPr/>
-              <a:t>python</a:t>
-            </a:r>
-            <a:r>
-              <a:rPr/>
-              <a:t> </a:t>
-            </a:r>
-            <a:r>
-              <a:rPr/>
-              <a:t>code</a:t>
-            </a:r>
-          </a:p>
-        </p:txBody>
-      </p:sp>
-      <p:pic>
-        <p:nvPicPr>
-          <p:cNvPr descr="00-Intro_files/figure-pptx/unnamed-chunk-1-1.png" id="0" name="Picture 1"/>
-          <p:cNvPicPr>
-            <a:picLocks noGrp="1" noChangeAspect="1"/>
-          </p:cNvPicPr>
-          <p:nvPr/>
-        </p:nvPicPr>
-        <p:blipFill>
-          <a:blip r:embed="rId2"/>
-          <a:stretch>
-            <a:fillRect/>
-          </a:stretch>
-        </p:blipFill>
-        <p:spPr bwMode="auto">
-          <a:xfrm>
-            <a:off x="3327400" y="1485900"/>
-            <a:ext cx="5842000" cy="4673600"/>
-          </a:xfrm>
-          <a:prstGeom prst="rect">
-            <a:avLst/>
-          </a:prstGeom>
-          <a:noFill/>
-          <a:ln w="9525">
-            <a:noFill/>
-            <a:headEnd/>
-            <a:tailEnd/>
-          </a:ln>
-        </p:spPr>
-      </p:pic>
-    </p:spTree>
-  </p:cSld>
+  <p:clrMapOvr>
+    <a:masterClrMapping/>
+  </p:clrMapOvr>
 </p:sld>
 </file>
 
@@ -5781,11 +4029,10 @@
           <a:bodyPr/>
           <a:lstStyle/>
           <a:p>
-            <a:pPr lvl="0" marL="0" indent="0">
-              <a:buNone/>
-            </a:pPr>
-            <a:r>
-              <a:rPr/>
+            <a:pPr marL="0" lvl="0" indent="0">
+              <a:buNone/>
+            </a:pPr>
+            <a:r>
               <a:t>课后作业</a:t>
             </a:r>
           </a:p>
@@ -5793,6 +4040,9 @@
       </p:sp>
     </p:spTree>
   </p:cSld>
+  <p:clrMapOvr>
+    <a:masterClrMapping/>
+  </p:clrMapOvr>
 </p:sld>
 </file>
 
@@ -5839,11 +4089,10 @@
           <a:bodyPr/>
           <a:lstStyle/>
           <a:p>
-            <a:pPr lvl="0" marL="0" indent="0">
-              <a:buNone/>
-            </a:pPr>
-            <a:r>
-              <a:rPr/>
+            <a:pPr marL="0" lvl="0" indent="0">
+              <a:buNone/>
+            </a:pPr>
+            <a:r>
               <a:t>课后作业</a:t>
             </a:r>
           </a:p>
@@ -5862,7 +4111,7 @@
             <a:spLocks noGrp="1"/>
           </p:cNvSpPr>
           <p:nvPr>
-            <p:ph idx="1"/>
+            <p:ph idx="1" hasCustomPrompt="1"/>
           </p:nvPr>
         </p:nvSpPr>
         <p:spPr/>
@@ -5870,20 +4119,18 @@
           <a:bodyPr/>
           <a:lstStyle/>
           <a:p>
-            <a:pPr lvl="0" marL="0" indent="0">
-              <a:buNone/>
-            </a:pPr>
-            <a:r>
-              <a:rPr/>
-              <a:t>尝试用我提供的ppt模板(template.pptx)生成pptx，可以替换头像，修改名字</a:t>
-            </a:r>
-          </a:p>
-          <a:p>
-            <a:pPr lvl="0" marL="0" indent="0">
-              <a:buNone/>
-            </a:pPr>
-            <a:r>
-              <a:rPr/>
+            <a:pPr marL="0" lvl="0" indent="0">
+              <a:buNone/>
+            </a:pPr>
+            <a:r>
+              <a:t>尝试用本课程的ppt模板(template.pptx)和Rmd文件生成pptx，可以替换头像，修改标题</a:t>
+            </a:r>
+          </a:p>
+          <a:p>
+            <a:pPr marL="0" lvl="0" indent="0">
+              <a:buNone/>
+            </a:pPr>
+            <a:r>
               <a:t>参考：</a:t>
             </a:r>
             <a:r>
@@ -5894,11 +4141,10 @@
             </a:r>
           </a:p>
           <a:p>
-            <a:pPr lvl="0" marL="0" indent="0">
-              <a:buNone/>
-            </a:pPr>
-            <a:r>
-              <a:rPr/>
+            <a:pPr marL="0" lvl="0" indent="0">
+              <a:buNone/>
+            </a:pPr>
+            <a:r>
               <a:t>R Markdown 推荐书籍(全部开源免费,也是本课程主要参考书)</a:t>
             </a:r>
           </a:p>
@@ -5942,6 +4188,9 @@
       </p:sp>
     </p:spTree>
   </p:cSld>
+  <p:clrMapOvr>
+    <a:masterClrMapping/>
+  </p:clrMapOvr>
 </p:sld>
 </file>
 
@@ -5982,11 +4231,10 @@
           <a:bodyPr/>
           <a:lstStyle/>
           <a:p>
-            <a:pPr lvl="0" marL="0" indent="0">
-              <a:buNone/>
-            </a:pPr>
-            <a:r>
-              <a:rPr/>
+            <a:pPr marL="0" lvl="0" indent="0">
+              <a:buNone/>
+            </a:pPr>
+            <a:r>
               <a:t>个人介绍</a:t>
             </a:r>
           </a:p>
@@ -5994,6 +4242,9 @@
       </p:sp>
     </p:spTree>
   </p:cSld>
+  <p:clrMapOvr>
+    <a:masterClrMapping/>
+  </p:clrMapOvr>
 </p:sld>
 </file>
 
@@ -6040,11 +4291,10 @@
           <a:bodyPr/>
           <a:lstStyle/>
           <a:p>
-            <a:pPr lvl="0" marL="0" indent="0">
-              <a:buNone/>
-            </a:pPr>
-            <a:r>
-              <a:rPr/>
+            <a:pPr marL="0" lvl="0" indent="0">
+              <a:buNone/>
+            </a:pPr>
+            <a:r>
               <a:t>基本情况</a:t>
             </a:r>
           </a:p>
@@ -6052,7 +4302,7 @@
       </p:sp>
       <p:pic>
         <p:nvPicPr>
-          <p:cNvPr descr="images/avatar.jpg" id="0" name="Picture 1"/>
+          <p:cNvPr id="2" name="Picture 1" descr="images/avatar.jpg"/>
           <p:cNvPicPr>
             <a:picLocks noGrp="1" noChangeAspect="1"/>
           </p:cNvPicPr>
@@ -6082,7 +4332,7 @@
       </p:pic>
       <p:sp>
         <p:nvSpPr>
-          <p:cNvPr id="1" name="TextBox 3"/>
+          <p:cNvPr id="3" name="TextBox 3"/>
           <p:cNvSpPr txBox="1"/>
           <p:nvPr/>
         </p:nvSpPr>
@@ -6100,11 +4350,10 @@
           <a:bodyPr/>
           <a:lstStyle/>
           <a:p>
-            <a:pPr lvl="0" marL="0" indent="0" algn="ctr">
-              <a:buNone/>
-            </a:pPr>
-            <a:r>
-              <a:rPr/>
+            <a:pPr marL="0" lvl="0" indent="0" algn="ctr">
+              <a:buNone/>
+            </a:pPr>
+            <a:r>
               <a:t>个人头像</a:t>
             </a:r>
           </a:p>
@@ -6127,56 +4376,48 @@
           <a:p>
             <a:pPr lvl="1"/>
             <a:r>
-              <a:rPr/>
               <a:t>梁昊</a:t>
             </a:r>
           </a:p>
           <a:p>
             <a:pPr lvl="2"/>
             <a:r>
-              <a:rPr/>
               <a:t>出生年月：1986.12</a:t>
             </a:r>
           </a:p>
           <a:p>
             <a:pPr lvl="2"/>
             <a:r>
-              <a:rPr/>
               <a:t>职称：讲师/主治医师</a:t>
             </a:r>
           </a:p>
           <a:p>
             <a:pPr lvl="2"/>
             <a:r>
-              <a:rPr/>
               <a:t>学位：医学博士</a:t>
             </a:r>
           </a:p>
           <a:p>
             <a:pPr lvl="2"/>
             <a:r>
-              <a:rPr/>
               <a:t>毕业院校：湖南中医药大学</a:t>
             </a:r>
           </a:p>
           <a:p>
             <a:pPr lvl="2"/>
             <a:r>
-              <a:rPr/>
               <a:t>工作单位：湖南中医药大学</a:t>
             </a:r>
           </a:p>
           <a:p>
             <a:pPr lvl="2"/>
             <a:r>
-              <a:rPr/>
               <a:t>研究方向：中医诊断学/医学AI</a:t>
             </a:r>
           </a:p>
           <a:p>
             <a:pPr lvl="2"/>
             <a:r>
-              <a:rPr/>
               <a:t>项目主页：</a:t>
             </a:r>
             <a:r>
@@ -6190,6 +4431,9 @@
       </p:sp>
     </p:spTree>
   </p:cSld>
+  <p:clrMapOvr>
+    <a:masterClrMapping/>
+  </p:clrMapOvr>
 </p:sld>
 </file>
 
@@ -6236,11 +4480,10 @@
           <a:bodyPr/>
           <a:lstStyle/>
           <a:p>
-            <a:pPr lvl="0" marL="0" indent="0">
-              <a:buNone/>
-            </a:pPr>
-            <a:r>
-              <a:rPr/>
+            <a:pPr marL="0" lvl="0" indent="0">
+              <a:buNone/>
+            </a:pPr>
+            <a:r>
               <a:t>学术兼职及成果</a:t>
             </a:r>
           </a:p>
@@ -6259,7 +4502,7 @@
             <a:spLocks noGrp="1"/>
           </p:cNvSpPr>
           <p:nvPr>
-            <p:ph idx="1"/>
+            <p:ph idx="1" hasCustomPrompt="1"/>
           </p:nvPr>
         </p:nvSpPr>
         <p:spPr/>
@@ -6269,56 +4512,52 @@
           <a:p>
             <a:pPr lvl="1"/>
             <a:r>
-              <a:rPr/>
               <a:t>学术兼职</a:t>
             </a:r>
           </a:p>
           <a:p>
             <a:pPr lvl="2"/>
             <a:r>
-              <a:rPr/>
               <a:t>中国中西医结合学会诊断专业委员会青年委员</a:t>
             </a:r>
           </a:p>
           <a:p>
             <a:pPr lvl="2"/>
             <a:r>
-              <a:rPr/>
               <a:t>中国中医药信息学会中医诊断信息分会理事</a:t>
             </a:r>
           </a:p>
           <a:p>
             <a:pPr lvl="2"/>
             <a:r>
-              <a:rPr/>
               <a:t>湘雅医学期刊社青年编委</a:t>
             </a:r>
           </a:p>
           <a:p>
             <a:pPr lvl="2"/>
             <a:r>
-              <a:rPr/>
               <a:t>《湖南中医药大学学报》编委</a:t>
             </a:r>
           </a:p>
           <a:p>
             <a:pPr lvl="1"/>
             <a:r>
-              <a:rPr/>
-              <a:t>主持国家级课题1项、省部级课题2项、厅级课题2项；以第一作者及通讯作者发表论文20余篇，其中SCI 4篇，CSCD 10篇，总被引200余次。</a:t>
+              <a:t>主持国家级课题1项、省部级课题2项、厅级课题2项；以第一作者及通讯作者发表论文20余篇，其中SCI 4篇，CSCD 10篇，总被引200余次</a:t>
             </a:r>
           </a:p>
           <a:p>
             <a:pPr lvl="1"/>
             <a:r>
-              <a:rPr/>
-              <a:t>获省级教学成果奖1项，湖南省中医药科技一等奖2项。</a:t>
+              <a:t>获省级教学成果奖1项，湖南省中医药科技一等奖2项</a:t>
             </a:r>
           </a:p>
         </p:txBody>
       </p:sp>
     </p:spTree>
   </p:cSld>
+  <p:clrMapOvr>
+    <a:masterClrMapping/>
+  </p:clrMapOvr>
 </p:sld>
 </file>
 
@@ -6359,26 +4598,20 @@
           <a:bodyPr/>
           <a:lstStyle/>
           <a:p>
-            <a:pPr lvl="0" marL="0" indent="0">
-              <a:buNone/>
-            </a:pPr>
-            <a:r>
-              <a:rPr/>
-              <a:t>R</a:t>
-            </a:r>
-            <a:r>
-              <a:rPr/>
-              <a:t> </a:t>
-            </a:r>
-            <a:r>
-              <a:rPr/>
-              <a:t>Markdown是什么?</a:t>
+            <a:pPr marL="0" lvl="0" indent="0">
+              <a:buNone/>
+            </a:pPr>
+            <a:r>
+              <a:t>R Markdown是什么?</a:t>
             </a:r>
           </a:p>
         </p:txBody>
       </p:sp>
     </p:spTree>
   </p:cSld>
+  <p:clrMapOvr>
+    <a:masterClrMapping/>
+  </p:clrMapOvr>
 </p:sld>
 </file>
 
@@ -6425,20 +4658,11 @@
           <a:bodyPr/>
           <a:lstStyle/>
           <a:p>
-            <a:pPr lvl="0" marL="0" indent="0">
-              <a:buNone/>
-            </a:pPr>
-            <a:r>
-              <a:rPr/>
-              <a:t>R</a:t>
-            </a:r>
-            <a:r>
-              <a:rPr/>
-              <a:t> </a:t>
-            </a:r>
-            <a:r>
-              <a:rPr/>
-              <a:t>Markdown</a:t>
+            <a:pPr marL="0" lvl="0" indent="0">
+              <a:buNone/>
+            </a:pPr>
+            <a:r>
+              <a:t>R Markdown</a:t>
             </a:r>
           </a:p>
         </p:txBody>
@@ -6456,7 +4680,7 @@
             <a:spLocks noGrp="1"/>
           </p:cNvSpPr>
           <p:nvPr>
-            <p:ph idx="1"/>
+            <p:ph idx="1" hasCustomPrompt="1"/>
           </p:nvPr>
         </p:nvSpPr>
         <p:spPr/>
@@ -6464,71 +4688,63 @@
           <a:bodyPr/>
           <a:lstStyle/>
           <a:p>
-            <a:pPr lvl="0" marL="0" indent="0">
-              <a:buNone/>
-            </a:pPr>
-            <a:r>
-              <a:rPr/>
+            <a:pPr marL="0" lvl="0" indent="0">
+              <a:buNone/>
+            </a:pPr>
+            <a:r>
               <a:t>R Markdown是利用Rstudio进行科技写作的全能选手</a:t>
             </a:r>
           </a:p>
           <a:p>
             <a:pPr lvl="1"/>
             <a:r>
-              <a:rPr/>
               <a:t>本课程专注于学术写作</a:t>
             </a:r>
           </a:p>
           <a:p>
-            <a:pPr lvl="0" marL="0" indent="0">
-              <a:buNone/>
-            </a:pPr>
-            <a:r>
-              <a:rPr/>
+            <a:pPr marL="0" lvl="0" indent="0">
+              <a:buNone/>
+            </a:pPr>
+            <a:r>
               <a:t>R Markdown的文档能够完全重现</a:t>
             </a:r>
           </a:p>
           <a:p>
             <a:pPr lvl="1"/>
             <a:r>
-              <a:rPr/>
-              <a:t>R Markdown documents are fully reproducible.</a:t>
-            </a:r>
-          </a:p>
-          <a:p>
-            <a:pPr lvl="0" marL="0" indent="0">
-              <a:buNone/>
-            </a:pPr>
-            <a:r>
-              <a:rPr/>
+              <a:t>R Markdown documents are fully reproducible</a:t>
+            </a:r>
+          </a:p>
+          <a:p>
+            <a:pPr marL="0" lvl="0" indent="0">
+              <a:buNone/>
+            </a:pPr>
+            <a:r>
               <a:t>可以把文本+代码优雅的输出成你需要的格式</a:t>
             </a:r>
           </a:p>
           <a:p>
             <a:pPr lvl="1"/>
             <a:r>
-              <a:rPr/>
-              <a:t>Use a productive notebook interface to weave together narrative text and code to produce elegantly formatted output.</a:t>
-            </a:r>
-          </a:p>
-          <a:p>
-            <a:pPr lvl="0" marL="0" indent="0">
-              <a:buNone/>
-            </a:pPr>
-            <a:r>
-              <a:rPr/>
+              <a:t>Use a productive notebook interface to weave together narrative text and code to produce elegantly formatted output</a:t>
+            </a:r>
+          </a:p>
+          <a:p>
+            <a:pPr marL="0" lvl="0" indent="0">
+              <a:buNone/>
+            </a:pPr>
+            <a:r>
               <a:t>支持多种程序语言，包括R，python，SQL等</a:t>
             </a:r>
           </a:p>
           <a:p>
             <a:pPr lvl="1"/>
             <a:r>
-              <a:rPr/>
-              <a:t>Use multiple languages including R, Python, and SQL.</a:t>
-            </a:r>
-          </a:p>
-          <a:p>
-            <a:pPr lvl="0" marL="0" indent="0">
+              <a:t>Use multiple languages including R, Python, and SQL</a:t>
+            </a:r>
+          </a:p>
+          <a:p>
+            <a:pPr marL="0" lvl="0" indent="0">
               <a:buNone/>
             </a:pPr>
             <a:r>
@@ -6542,6 +4758,9 @@
       </p:sp>
     </p:spTree>
   </p:cSld>
+  <p:clrMapOvr>
+    <a:masterClrMapping/>
+  </p:clrMapOvr>
 </p:sld>
 </file>
 
@@ -6588,35 +4807,18 @@
           <a:bodyPr/>
           <a:lstStyle/>
           <a:p>
-            <a:pPr lvl="0" marL="0" indent="0">
-              <a:buNone/>
-            </a:pPr>
-            <a:r>
-              <a:rPr/>
-              <a:t>Output</a:t>
-            </a:r>
-            <a:r>
-              <a:rPr/>
-              <a:t> </a:t>
-            </a:r>
-            <a:r>
-              <a:rPr/>
-              <a:t>any</a:t>
-            </a:r>
-            <a:r>
-              <a:rPr/>
-              <a:t> </a:t>
-            </a:r>
-            <a:r>
-              <a:rPr/>
-              <a:t>format</a:t>
+            <a:pPr marL="0" lvl="0" indent="0">
+              <a:buNone/>
+            </a:pPr>
+            <a:r>
+              <a:t>Output any format</a:t>
             </a:r>
           </a:p>
         </p:txBody>
       </p:sp>
       <p:pic>
         <p:nvPicPr>
-          <p:cNvPr descr="images/outputformats.png" id="0" name="Picture 1"/>
+          <p:cNvPr id="2" name="Picture 1" descr="images/outputformats.png"/>
           <p:cNvPicPr>
             <a:picLocks noGrp="1" noChangeAspect="1"/>
           </p:cNvPicPr>
@@ -6646,7 +4848,7 @@
       </p:pic>
       <p:sp>
         <p:nvSpPr>
-          <p:cNvPr id="1" name="TextBox 3"/>
+          <p:cNvPr id="3" name="TextBox 3"/>
           <p:cNvSpPr txBox="1"/>
           <p:nvPr/>
         </p:nvSpPr>
@@ -6664,11 +4866,10 @@
           <a:bodyPr/>
           <a:lstStyle/>
           <a:p>
-            <a:pPr lvl="0" marL="0" indent="0" algn="ctr">
-              <a:buNone/>
-            </a:pPr>
-            <a:r>
-              <a:rPr/>
+            <a:pPr marL="0" lvl="0" indent="0" algn="ctr">
+              <a:buNone/>
+            </a:pPr>
+            <a:r>
               <a:t>output</a:t>
             </a:r>
           </a:p>
@@ -6689,20 +4890,18 @@
           <a:bodyPr/>
           <a:lstStyle/>
           <a:p>
-            <a:pPr lvl="0" marL="0" indent="0">
-              <a:buNone/>
-            </a:pPr>
-            <a:r>
-              <a:rPr/>
+            <a:pPr marL="0" lvl="0" indent="0">
+              <a:buNone/>
+            </a:pPr>
+            <a:r>
               <a:t>R Markdown supports dozens of static and dynamic output formats including HTML, PDF, MS Word, Beamer, HTML5 slides, Tufte-style handouts, books, dashboards, shiny applications, scientific articles, websites, and more.</a:t>
             </a:r>
           </a:p>
           <a:p>
-            <a:pPr lvl="0" marL="0" indent="0">
-              <a:buNone/>
-            </a:pPr>
-            <a:r>
-              <a:rPr/>
+            <a:pPr marL="0" lvl="0" indent="0">
+              <a:buNone/>
+            </a:pPr>
+            <a:r>
               <a:t>See the </a:t>
             </a:r>
             <a:r>
@@ -6716,6 +4915,9 @@
       </p:sp>
     </p:spTree>
   </p:cSld>
+  <p:clrMapOvr>
+    <a:masterClrMapping/>
+  </p:clrMapOvr>
 </p:sld>
 </file>
 
@@ -6756,18 +4958,20 @@
           <a:bodyPr/>
           <a:lstStyle/>
           <a:p>
-            <a:pPr lvl="0" marL="0" indent="0">
-              <a:buNone/>
-            </a:pPr>
-            <a:r>
-              <a:rPr/>
-              <a:t>学这门课的价值?</a:t>
+            <a:pPr marL="0" lvl="0" indent="0">
+              <a:buNone/>
+            </a:pPr>
+            <a:r>
+              <a:t>为什么学这门课?</a:t>
             </a:r>
           </a:p>
         </p:txBody>
       </p:sp>
     </p:spTree>
   </p:cSld>
+  <p:clrMapOvr>
+    <a:masterClrMapping/>
+  </p:clrMapOvr>
 </p:sld>
 </file>
 
@@ -6779,7 +4983,7 @@
         <a:sysClr val="windowText" lastClr="000000"/>
       </a:dk1>
       <a:lt1>
-        <a:sysClr val="window" lastClr="CCE8CF"/>
+        <a:sysClr val="window" lastClr="FFFFFF"/>
       </a:lt1>
       <a:dk2>
         <a:srgbClr val="1296DB"/>
